--- a/final ppt/11-safety-first.pptx
+++ b/final ppt/11-safety-first.pptx
@@ -5,7 +5,7 @@
     <p:sldMasterId id="2147483660" r:id="rId1"/>
   </p:sldMasterIdLst>
   <p:notesMasterIdLst>
-    <p:notesMasterId r:id="rId20"/>
+    <p:notesMasterId r:id="rId22"/>
   </p:notesMasterIdLst>
   <p:sldIdLst>
     <p:sldId id="256" r:id="rId2"/>
@@ -20,12 +20,14 @@
     <p:sldId id="265" r:id="rId11"/>
     <p:sldId id="266" r:id="rId12"/>
     <p:sldId id="267" r:id="rId13"/>
-    <p:sldId id="268" r:id="rId14"/>
-    <p:sldId id="269" r:id="rId15"/>
-    <p:sldId id="270" r:id="rId16"/>
-    <p:sldId id="271" r:id="rId17"/>
-    <p:sldId id="272" r:id="rId18"/>
-    <p:sldId id="273" r:id="rId19"/>
+    <p:sldId id="274" r:id="rId14"/>
+    <p:sldId id="268" r:id="rId15"/>
+    <p:sldId id="269" r:id="rId16"/>
+    <p:sldId id="275" r:id="rId17"/>
+    <p:sldId id="270" r:id="rId18"/>
+    <p:sldId id="271" r:id="rId19"/>
+    <p:sldId id="272" r:id="rId20"/>
+    <p:sldId id="273" r:id="rId21"/>
   </p:sldIdLst>
   <p:sldSz cx="12192000" cy="6858000"/>
   <p:notesSz cx="6858000" cy="9144000"/>
@@ -332,7 +334,7 @@
           <a:p>
             <a:fld id="{0F9C1CCF-B725-44A7-AA57-5E433BD85C9F}" type="datetimeFigureOut">
               <a:rPr lang="en-US" smtClean="0"/>
-              <a:t>8/30/2021</a:t>
+              <a:t>9/14/2021</a:t>
             </a:fld>
             <a:endParaRPr lang="en-US"/>
           </a:p>
@@ -1602,6 +1604,11 @@
         </p:txBody>
       </p:sp>
     </p:spTree>
+    <p:extLst>
+      <p:ext uri="{BB962C8B-B14F-4D97-AF65-F5344CB8AC3E}">
+        <p14:creationId xmlns:p14="http://schemas.microsoft.com/office/powerpoint/2010/main" val="2700482598"/>
+      </p:ext>
+    </p:extLst>
   </p:cSld>
   <p:clrMapOvr>
     <a:masterClrMapping/>
@@ -1658,51 +1665,12 @@
           <a:bodyPr/>
           <a:lstStyle/>
           <a:p>
-            <a:pPr lvl="1"/>
-            <a:r>
-              <a:rPr/>
-              <a:t>Share the above xkcd comic strip with your learners. Share that what makes a password easily guessable by machines (and hard to remember for humans!) is the selection of common words, even if you are substituting numbers for letter.</a:t>
-            </a:r>
-          </a:p>
-          <a:p>
-            <a:pPr marL="0" lvl="0" indent="0">
-              <a:buNone/>
-            </a:pPr>
-            <a:endParaRPr/>
-          </a:p>
-          <a:p>
-            <a:pPr lvl="1"/>
-            <a:r>
-              <a:rPr/>
-              <a:t>Encourage your learners to try this passphrase generator. Let learners know they can also do this offline by selecting four random common words from the dictionary and putting them together.</a:t>
-            </a:r>
-          </a:p>
-          <a:p>
-            <a:pPr marL="0" lvl="0" indent="0">
-              <a:buNone/>
-            </a:pPr>
-            <a:endParaRPr/>
-          </a:p>
-          <a:p>
-            <a:pPr lvl="1"/>
-            <a:r>
-              <a:rPr/>
-              <a:t>Discuss what you can do to make sure the words are really random. For example, one could try noun, verb, adjective, noun.</a:t>
-            </a:r>
-          </a:p>
-          <a:p>
-            <a:pPr marL="0" lvl="0" indent="0">
-              <a:buNone/>
-            </a:pPr>
-            <a:endParaRPr/>
-          </a:p>
-          <a:p>
-            <a:pPr marL="1270000" lvl="0" indent="0">
-              <a:buNone/>
-            </a:pPr>
-            <a:r>
-              <a:rPr sz="2000"/>
-              <a:t>Tip! If you can make a pair of dice hand, give Diceware a try. Their word list includes 8,000 English words, preceded by 5 digit numbers. How it works: roll a pair of dice 5 times and add the corresponding word to your passphrase. Repeat several more times to add more words and make your password less crackable.</a:t>
+            <a:pPr marL="0" lvl="0" indent="0">
+              <a:buNone/>
+            </a:pPr>
+            <a:r>
+              <a:rPr/>
+              <a:t>[15 minutes]</a:t>
             </a:r>
           </a:p>
         </p:txBody>
@@ -1787,12 +1755,10 @@
           <a:bodyPr/>
           <a:lstStyle/>
           <a:p>
-            <a:pPr marL="0" lvl="0" indent="0">
-              <a:buNone/>
-            </a:pPr>
-            <a:r>
-              <a:rPr/>
-              <a:t>[10 minutes]</a:t>
+            <a:pPr lvl="1"/>
+            <a:r>
+              <a:rPr/>
+              <a:t>Share the above xkcd comic strip with your learners. Share that what makes a password easily guessable by machines (and hard to remember for humans!) is the selection of common words, even if you are substituting numbers for letter.</a:t>
             </a:r>
           </a:p>
           <a:p>
@@ -1805,7 +1771,7 @@
             <a:pPr lvl="1"/>
             <a:r>
               <a:rPr/>
-              <a:t>Now let’s put our knowledge to the test!</a:t>
+              <a:t>Encourage your learners to try this passphrase generator. Let learners know they can also do this offline by selecting four random common words from the dictionary and putting them together.</a:t>
             </a:r>
           </a:p>
           <a:p>
@@ -1818,7 +1784,7 @@
             <a:pPr lvl="1"/>
             <a:r>
               <a:rPr/>
-              <a:t>Give this Privacy Card Game: https://thimbleprojects.org/mozillalearning/308795/</a:t>
+              <a:t>Discuss what you can do to make sure the words are really random. For example, one could try noun, verb, adjective, noun.</a:t>
             </a:r>
           </a:p>
           <a:p>
@@ -1828,25 +1794,12 @@
             <a:endParaRPr/>
           </a:p>
           <a:p>
-            <a:pPr lvl="1"/>
-            <a:r>
-              <a:rPr/>
-              <a:t>Tell your learners they may encounter a concept we haven’t covered in class. If they come across a card they’d like to discuss, ask them to raise their hand.</a:t>
-            </a:r>
-          </a:p>
-          <a:p>
-            <a:pPr marL="0" lvl="0" indent="0">
-              <a:buNone/>
-            </a:pPr>
-            <a:endParaRPr/>
-          </a:p>
-          <a:p>
             <a:pPr marL="1270000" lvl="0" indent="0">
               <a:buNone/>
             </a:pPr>
             <a:r>
               <a:rPr sz="2000"/>
-              <a:t>Tip! If you’d prefer to accumulate questions for group discussion at the end of this activity, ask your users to jot their questions down.</a:t>
+              <a:t>Tip! If you can make a pair of dice hand, give Diceware a try. Their word list includes 8,000 English words, preceded by 5 digit numbers. How it works: roll a pair of dice 5 times and add the corresponding word to your passphrase. Repeat several more times to add more words and make your password less crackable.</a:t>
             </a:r>
           </a:p>
         </p:txBody>
@@ -1868,7 +1821,7 @@
           <a:p>
             <a:fld id="{18BDFEC3-8487-43E8-A154-7C12CBC1FFF2}" type="slidenum">
               <a:rPr lang="en-US"/>
-              <a:t>16</a:t>
+              <a:t>15</a:t>
             </a:fld>
             <a:endParaRPr lang="en-US"/>
           </a:p>
@@ -1883,6 +1836,272 @@
 </file>
 
 <file path=ppt/notesSlides/notesSlide14.xml><?xml version="1.0" encoding="utf-8"?>
+<p:notes xmlns:a="http://schemas.openxmlformats.org/drawingml/2006/main" xmlns:r="http://schemas.openxmlformats.org/officeDocument/2006/relationships" xmlns:p="http://schemas.openxmlformats.org/presentationml/2006/main">
+  <p:cSld>
+    <p:spTree>
+      <p:nvGrpSpPr>
+        <p:cNvPr id="1" name=""/>
+        <p:cNvGrpSpPr/>
+        <p:nvPr/>
+      </p:nvGrpSpPr>
+      <p:grpSpPr>
+        <a:xfrm>
+          <a:off x="0" y="0"/>
+          <a:ext cx="0" cy="0"/>
+          <a:chOff x="0" y="0"/>
+          <a:chExt cx="0" cy="0"/>
+        </a:xfrm>
+      </p:grpSpPr>
+      <p:sp>
+        <p:nvSpPr>
+          <p:cNvPr id="2" name="Slide Image Placeholder 1"/>
+          <p:cNvSpPr>
+            <a:spLocks noGrp="1" noRot="1" noChangeAspect="1"/>
+          </p:cNvSpPr>
+          <p:nvPr>
+            <p:ph type="sldImg"/>
+          </p:nvPr>
+        </p:nvSpPr>
+        <p:spPr/>
+      </p:sp>
+      <p:sp>
+        <p:nvSpPr>
+          <p:cNvPr id="3" name="Notes Placeholder 2"/>
+          <p:cNvSpPr>
+            <a:spLocks noGrp="1"/>
+          </p:cNvSpPr>
+          <p:nvPr>
+            <p:ph type="body" idx="1"/>
+          </p:nvPr>
+        </p:nvSpPr>
+        <p:spPr/>
+        <p:txBody>
+          <a:bodyPr/>
+          <a:lstStyle/>
+          <a:p>
+            <a:pPr lvl="1"/>
+            <a:r>
+              <a:rPr lang="en-GB" dirty="0" smtClean="0"/>
+              <a:t>Have a discussion with your learners.</a:t>
+            </a:r>
+          </a:p>
+          <a:p>
+            <a:pPr lvl="2"/>
+            <a:r>
+              <a:rPr lang="en-GB" dirty="0" smtClean="0"/>
+              <a:t>Which passphrases are easier to remember? Why?</a:t>
+            </a:r>
+          </a:p>
+          <a:p>
+            <a:pPr lvl="2"/>
+            <a:r>
+              <a:rPr lang="en-GB" dirty="0" smtClean="0"/>
+              <a:t>Which might be easier to guess? Why?</a:t>
+            </a:r>
+          </a:p>
+          <a:p>
+            <a:pPr lvl="2"/>
+            <a:r>
+              <a:rPr lang="en-GB" dirty="0" smtClean="0"/>
+              <a:t>What other tips might you have about protecting your online accounts?</a:t>
+            </a:r>
+          </a:p>
+          <a:p>
+            <a:pPr lvl="3"/>
+            <a:r>
+              <a:rPr lang="en-GB" dirty="0" smtClean="0"/>
+              <a:t>Enabling 2-factor identification</a:t>
+            </a:r>
+          </a:p>
+          <a:p>
+            <a:pPr lvl="3"/>
+            <a:r>
+              <a:rPr lang="en-GB" dirty="0" smtClean="0"/>
+              <a:t>Using password managers</a:t>
+            </a:r>
+          </a:p>
+          <a:p>
+            <a:pPr lvl="1"/>
+            <a:r>
+              <a:rPr lang="en-GB" dirty="0" smtClean="0"/>
+              <a:t>Be sure to use different passcodes for each and every account.</a:t>
+            </a:r>
+          </a:p>
+          <a:p>
+            <a:pPr marL="1270000" indent="0">
+              <a:buNone/>
+            </a:pPr>
+            <a:r>
+              <a:rPr lang="en-GB" sz="2000" dirty="0" smtClean="0"/>
+              <a:t>Tip! There are lots of privacy tips to share. Create a handout with helpful resources, or tips and tricks. Here are a few sources you might look to: </a:t>
+            </a:r>
+          </a:p>
+          <a:p>
+            <a:pPr marL="1612900" indent="-342900">
+              <a:buFont typeface="Arial" panose="020B0604020202020204" pitchFamily="34" charset="0"/>
+              <a:buChar char="•"/>
+            </a:pPr>
+            <a:r>
+              <a:rPr lang="en-GB" sz="2000" dirty="0" smtClean="0"/>
+              <a:t>Data Privacy Project: https://dataprivacyproject.org/curriculum/ </a:t>
+            </a:r>
+          </a:p>
+          <a:p>
+            <a:pPr marL="1612900" indent="-342900">
+              <a:buFont typeface="Arial" panose="020B0604020202020204" pitchFamily="34" charset="0"/>
+              <a:buChar char="•"/>
+            </a:pPr>
+            <a:r>
+              <a:rPr lang="en-GB" sz="2000" dirty="0" err="1" smtClean="0"/>
+              <a:t>Glassroom</a:t>
+            </a:r>
+            <a:r>
+              <a:rPr lang="en-GB" sz="2000" dirty="0" smtClean="0"/>
+              <a:t>: https://theglassroom.org/</a:t>
+            </a:r>
+          </a:p>
+          <a:p>
+            <a:pPr marL="1612900" indent="-342900">
+              <a:buFont typeface="Arial" panose="020B0604020202020204" pitchFamily="34" charset="0"/>
+              <a:buChar char="•"/>
+            </a:pPr>
+            <a:r>
+              <a:rPr lang="en-GB" sz="2000" dirty="0" smtClean="0"/>
+              <a:t>Me and My Shadow 8-Day Detox https://myshadow.org/</a:t>
+            </a:r>
+          </a:p>
+          <a:p>
+            <a:pPr marL="1612900" indent="-342900">
+              <a:buFont typeface="Arial" panose="020B0604020202020204" pitchFamily="34" charset="0"/>
+              <a:buChar char="•"/>
+            </a:pPr>
+            <a:r>
+              <a:rPr lang="en-GB" sz="2000" dirty="0" smtClean="0"/>
+              <a:t>Security in a Box https://tacticaltech.org/projects/security-in-a-box-key-project/</a:t>
+            </a:r>
+          </a:p>
+          <a:p>
+            <a:pPr marL="1612900" indent="-342900">
+              <a:buFont typeface="Arial" panose="020B0604020202020204" pitchFamily="34" charset="0"/>
+              <a:buChar char="•"/>
+            </a:pPr>
+            <a:r>
+              <a:rPr lang="en-GB" sz="2000" dirty="0" smtClean="0"/>
+              <a:t>Security Education Companion https://www.eff.org/deeplinks/2017/11/announcing-security-education-companion</a:t>
+            </a:r>
+          </a:p>
+          <a:p>
+            <a:pPr marL="1612900" indent="-342900">
+              <a:buFont typeface="Arial" panose="020B0604020202020204" pitchFamily="34" charset="0"/>
+              <a:buChar char="•"/>
+            </a:pPr>
+            <a:r>
+              <a:rPr lang="en-GB" sz="2000" dirty="0" smtClean="0"/>
+              <a:t>Street Level Surveillance https://www.eff.org/issues/street-level-surveillance</a:t>
+            </a:r>
+          </a:p>
+          <a:p>
+            <a:pPr marL="1612900" indent="-342900">
+              <a:buFont typeface="Arial" panose="020B0604020202020204" pitchFamily="34" charset="0"/>
+              <a:buChar char="•"/>
+            </a:pPr>
+            <a:r>
+              <a:rPr lang="en-GB" sz="2000" dirty="0" smtClean="0"/>
+              <a:t>Providence Public Library, Privacy Training Workshop for Library Patrons https://docs.google.com/presentation/d/1mkGJCHTYKyg2r2yQclRBvp23IfewRHZTMu8j2P0xDdg/edit?usp=sharing</a:t>
+            </a:r>
+          </a:p>
+          <a:p>
+            <a:pPr marL="1612900" indent="-342900">
+              <a:buFont typeface="Arial" panose="020B0604020202020204" pitchFamily="34" charset="0"/>
+              <a:buChar char="•"/>
+            </a:pPr>
+            <a:r>
+              <a:rPr lang="en-GB" sz="2000" dirty="0" smtClean="0"/>
+              <a:t>Internet Society Your Digital Footprint Matters https://www.internetsociety.org/tutorials/your-digital-footprint-matters/</a:t>
+            </a:r>
+          </a:p>
+          <a:p>
+            <a:pPr marL="1612900" indent="-342900">
+              <a:buFont typeface="Arial" panose="020B0604020202020204" pitchFamily="34" charset="0"/>
+              <a:buChar char="•"/>
+            </a:pPr>
+            <a:r>
+              <a:rPr lang="en-GB" sz="2000" dirty="0" smtClean="0"/>
+              <a:t>Our Data Bodies https://www.odbproject.org/</a:t>
+            </a:r>
+          </a:p>
+          <a:p>
+            <a:pPr marL="1612900" indent="-342900">
+              <a:buFont typeface="Arial" panose="020B0604020202020204" pitchFamily="34" charset="0"/>
+              <a:buChar char="•"/>
+            </a:pPr>
+            <a:r>
+              <a:rPr lang="en-GB" sz="2000" dirty="0" smtClean="0"/>
+              <a:t>Library Freedom Project: https://libraryfreedomproject.org/</a:t>
+            </a:r>
+          </a:p>
+          <a:p>
+            <a:pPr marL="1612900" indent="-342900">
+              <a:buFont typeface="Arial" panose="020B0604020202020204" pitchFamily="34" charset="0"/>
+              <a:buChar char="•"/>
+            </a:pPr>
+            <a:r>
+              <a:rPr lang="en-GB" sz="2000" dirty="0" smtClean="0"/>
+              <a:t>San Jose Public Library Virtual Privacy Lab https://www.sjpl.org/privacy</a:t>
+            </a:r>
+          </a:p>
+          <a:p>
+            <a:pPr marL="1612900" indent="-342900">
+              <a:buFont typeface="Arial" panose="020B0604020202020204" pitchFamily="34" charset="0"/>
+              <a:buChar char="•"/>
+            </a:pPr>
+            <a:r>
+              <a:rPr lang="en-GB" sz="2000" dirty="0" smtClean="0"/>
+              <a:t>Lebanon Public Library https://www.leblibrary.com/online-self-defense</a:t>
+            </a:r>
+          </a:p>
+          <a:p>
+            <a:endParaRPr lang="en-GB" dirty="0"/>
+          </a:p>
+        </p:txBody>
+      </p:sp>
+      <p:sp>
+        <p:nvSpPr>
+          <p:cNvPr id="4" name="Slide Number Placeholder 3"/>
+          <p:cNvSpPr>
+            <a:spLocks noGrp="1"/>
+          </p:cNvSpPr>
+          <p:nvPr>
+            <p:ph type="sldNum" sz="quarter" idx="10"/>
+          </p:nvPr>
+        </p:nvSpPr>
+        <p:spPr/>
+        <p:txBody>
+          <a:bodyPr/>
+          <a:lstStyle/>
+          <a:p>
+            <a:fld id="{18BDFEC3-8487-43E8-A154-7C12CBC1FFF2}" type="slidenum">
+              <a:rPr lang="en-US" smtClean="0"/>
+              <a:t>16</a:t>
+            </a:fld>
+            <a:endParaRPr lang="en-US"/>
+          </a:p>
+        </p:txBody>
+      </p:sp>
+    </p:spTree>
+    <p:extLst>
+      <p:ext uri="{BB962C8B-B14F-4D97-AF65-F5344CB8AC3E}">
+        <p14:creationId xmlns:p14="http://schemas.microsoft.com/office/powerpoint/2010/main" val="1890770364"/>
+      </p:ext>
+    </p:extLst>
+  </p:cSld>
+  <p:clrMapOvr>
+    <a:masterClrMapping/>
+  </p:clrMapOvr>
+</p:notes>
+</file>
+
+<file path=ppt/notesSlides/notesSlide15.xml><?xml version="1.0" encoding="utf-8"?>
 <p:notes xmlns:a="http://schemas.openxmlformats.org/drawingml/2006/main" xmlns:r="http://schemas.openxmlformats.org/officeDocument/2006/relationships" xmlns:p="http://schemas.openxmlformats.org/presentationml/2006/main">
   <p:cSld>
     <p:spTree>
@@ -1936,7 +2155,7 @@
             </a:pPr>
             <a:r>
               <a:rPr/>
-              <a:t>[5 mins]</a:t>
+              <a:t>[10 minutes]</a:t>
             </a:r>
           </a:p>
           <a:p>
@@ -1949,7 +2168,7 @@
             <a:pPr lvl="1"/>
             <a:r>
               <a:rPr/>
-              <a:t>Ask learners:</a:t>
+              <a:t>Now let’s put our knowledge to the test!</a:t>
             </a:r>
           </a:p>
           <a:p>
@@ -1959,30 +2178,10 @@
             <a:endParaRPr/>
           </a:p>
           <a:p>
-            <a:pPr marL="0" lvl="0" indent="0">
-              <a:spcBef>
-                <a:spcPts val="3000"/>
-              </a:spcBef>
-              <a:buNone/>
-            </a:pPr>
-            <a:r>
-              <a:rPr b="1"/>
-              <a:t>Learning Experience Reflection</a:t>
-            </a:r>
-          </a:p>
-          <a:p>
-            <a:pPr marL="0" lvl="0" indent="0">
-              <a:buNone/>
-            </a:pPr>
-            <a:endParaRPr b="1"/>
-          </a:p>
-          <a:p>
-            <a:pPr marL="0" lvl="0" indent="0">
-              <a:buNone/>
-            </a:pPr>
-            <a:r>
-              <a:rPr/>
-              <a:t>[5 mins]</a:t>
+            <a:pPr lvl="1"/>
+            <a:r>
+              <a:rPr/>
+              <a:t>Give this Privacy Card Game: https://thimbleprojects.org/mozillalearning/308795/</a:t>
             </a:r>
           </a:p>
           <a:p>
@@ -1995,7 +2194,7 @@
             <a:pPr lvl="1"/>
             <a:r>
               <a:rPr/>
-              <a:t>What did you like about this activity?</a:t>
+              <a:t>Tell your learners they may encounter a concept we haven’t covered in class. If they come across a card they’d like to discuss, ask them to raise their hand.</a:t>
             </a:r>
           </a:p>
           <a:p>
@@ -2005,41 +2204,12 @@
             <a:endParaRPr/>
           </a:p>
           <a:p>
-            <a:pPr lvl="1"/>
-            <a:r>
-              <a:rPr/>
-              <a:t>If you might teach this activity to a particular audience, what might you change about the process, structure, or content to better meet the needs of that audience?</a:t>
-            </a:r>
-          </a:p>
-          <a:p>
-            <a:pPr marL="0" lvl="0" indent="0">
-              <a:buNone/>
-            </a:pPr>
-            <a:endParaRPr/>
-          </a:p>
-          <a:p>
-            <a:pPr marL="0" lvl="0" indent="0">
-              <a:spcBef>
-                <a:spcPts val="3000"/>
-              </a:spcBef>
-              <a:buNone/>
-            </a:pPr>
-            <a:r>
-              <a:rPr b="1"/>
-              <a:t>Feedback on Core Curriculum</a:t>
-            </a:r>
-          </a:p>
-          <a:p>
-            <a:pPr marL="0" lvl="0" indent="0">
-              <a:buNone/>
-            </a:pPr>
-            <a:endParaRPr b="1"/>
-          </a:p>
-          <a:p>
-            <a:pPr lvl="1"/>
-            <a:r>
-              <a:rPr/>
-              <a:t>Tell us how and where you’re using the curriculum and what you’ve learned and what you might change.</a:t>
+            <a:pPr marL="1270000" lvl="0" indent="0">
+              <a:buNone/>
+            </a:pPr>
+            <a:r>
+              <a:rPr sz="2000"/>
+              <a:t>Tip! If you’d prefer to accumulate questions for group discussion at the end of this activity, ask your users to jot their questions down.</a:t>
             </a:r>
           </a:p>
         </p:txBody>
@@ -2061,7 +2231,200 @@
           <a:p>
             <a:fld id="{18BDFEC3-8487-43E8-A154-7C12CBC1FFF2}" type="slidenum">
               <a:rPr lang="en-US"/>
-              <a:t>17</a:t>
+              <a:t>18</a:t>
+            </a:fld>
+            <a:endParaRPr lang="en-US"/>
+          </a:p>
+        </p:txBody>
+      </p:sp>
+    </p:spTree>
+  </p:cSld>
+  <p:clrMapOvr>
+    <a:masterClrMapping/>
+  </p:clrMapOvr>
+</p:notes>
+</file>
+
+<file path=ppt/notesSlides/notesSlide16.xml><?xml version="1.0" encoding="utf-8"?>
+<p:notes xmlns:a="http://schemas.openxmlformats.org/drawingml/2006/main" xmlns:r="http://schemas.openxmlformats.org/officeDocument/2006/relationships" xmlns:p="http://schemas.openxmlformats.org/presentationml/2006/main">
+  <p:cSld>
+    <p:spTree>
+      <p:nvGrpSpPr>
+        <p:cNvPr id="1" name=""/>
+        <p:cNvGrpSpPr/>
+        <p:nvPr/>
+      </p:nvGrpSpPr>
+      <p:grpSpPr>
+        <a:xfrm>
+          <a:off x="0" y="0"/>
+          <a:ext cx="0" cy="0"/>
+          <a:chOff x="0" y="0"/>
+          <a:chExt cx="0" cy="0"/>
+        </a:xfrm>
+      </p:grpSpPr>
+      <p:sp>
+        <p:nvSpPr>
+          <p:cNvPr id="2" name="Slide Image Placeholder 1"/>
+          <p:cNvSpPr>
+            <a:spLocks noGrp="1" noRot="1" noChangeAspect="1"/>
+          </p:cNvSpPr>
+          <p:nvPr>
+            <p:ph type="sldImg"/>
+          </p:nvPr>
+        </p:nvSpPr>
+        <p:spPr>
+          <a:xfrm>
+            <a:off x="685800" y="1143000"/>
+            <a:ext cx="5486400" cy="3086100"/>
+          </a:xfrm>
+        </p:spPr>
+      </p:sp>
+      <p:sp>
+        <p:nvSpPr>
+          <p:cNvPr id="3" name="Notes Placeholder 2"/>
+          <p:cNvSpPr>
+            <a:spLocks noGrp="1"/>
+          </p:cNvSpPr>
+          <p:nvPr>
+            <p:ph type="body" idx="1"/>
+          </p:nvPr>
+        </p:nvSpPr>
+        <p:spPr/>
+        <p:txBody>
+          <a:bodyPr/>
+          <a:lstStyle/>
+          <a:p>
+            <a:pPr marL="0" lvl="0" indent="0">
+              <a:buNone/>
+            </a:pPr>
+            <a:r>
+              <a:rPr/>
+              <a:t>[5 mins]</a:t>
+            </a:r>
+          </a:p>
+          <a:p>
+            <a:pPr marL="0" lvl="0" indent="0">
+              <a:buNone/>
+            </a:pPr>
+            <a:endParaRPr/>
+          </a:p>
+          <a:p>
+            <a:pPr lvl="1"/>
+            <a:r>
+              <a:rPr/>
+              <a:t>Ask learners:</a:t>
+            </a:r>
+          </a:p>
+          <a:p>
+            <a:pPr marL="0" lvl="0" indent="0">
+              <a:buNone/>
+            </a:pPr>
+            <a:endParaRPr/>
+          </a:p>
+          <a:p>
+            <a:pPr marL="0" lvl="0" indent="0">
+              <a:spcBef>
+                <a:spcPts val="3000"/>
+              </a:spcBef>
+              <a:buNone/>
+            </a:pPr>
+            <a:r>
+              <a:rPr b="1"/>
+              <a:t>Learning Experience Reflection</a:t>
+            </a:r>
+          </a:p>
+          <a:p>
+            <a:pPr marL="0" lvl="0" indent="0">
+              <a:buNone/>
+            </a:pPr>
+            <a:endParaRPr b="1"/>
+          </a:p>
+          <a:p>
+            <a:pPr marL="0" lvl="0" indent="0">
+              <a:buNone/>
+            </a:pPr>
+            <a:r>
+              <a:rPr/>
+              <a:t>[5 mins]</a:t>
+            </a:r>
+          </a:p>
+          <a:p>
+            <a:pPr marL="0" lvl="0" indent="0">
+              <a:buNone/>
+            </a:pPr>
+            <a:endParaRPr/>
+          </a:p>
+          <a:p>
+            <a:pPr lvl="1"/>
+            <a:r>
+              <a:rPr/>
+              <a:t>What did you like about this activity?</a:t>
+            </a:r>
+          </a:p>
+          <a:p>
+            <a:pPr marL="0" lvl="0" indent="0">
+              <a:buNone/>
+            </a:pPr>
+            <a:endParaRPr/>
+          </a:p>
+          <a:p>
+            <a:pPr lvl="1"/>
+            <a:r>
+              <a:rPr/>
+              <a:t>If you might teach this activity to a particular audience, what might you change about the process, structure, or content to better meet the needs of that audience?</a:t>
+            </a:r>
+          </a:p>
+          <a:p>
+            <a:pPr marL="0" lvl="0" indent="0">
+              <a:buNone/>
+            </a:pPr>
+            <a:endParaRPr/>
+          </a:p>
+          <a:p>
+            <a:pPr marL="0" lvl="0" indent="0">
+              <a:spcBef>
+                <a:spcPts val="3000"/>
+              </a:spcBef>
+              <a:buNone/>
+            </a:pPr>
+            <a:r>
+              <a:rPr b="1"/>
+              <a:t>Feedback on Core Curriculum</a:t>
+            </a:r>
+          </a:p>
+          <a:p>
+            <a:pPr marL="0" lvl="0" indent="0">
+              <a:buNone/>
+            </a:pPr>
+            <a:endParaRPr b="1"/>
+          </a:p>
+          <a:p>
+            <a:pPr lvl="1"/>
+            <a:r>
+              <a:rPr/>
+              <a:t>Tell us how and where you’re using the curriculum and what you’ve learned and what you might change.</a:t>
+            </a:r>
+          </a:p>
+        </p:txBody>
+      </p:sp>
+      <p:sp>
+        <p:nvSpPr>
+          <p:cNvPr id="4" name="Slide Number Placeholder 3"/>
+          <p:cNvSpPr>
+            <a:spLocks noGrp="1"/>
+          </p:cNvSpPr>
+          <p:nvPr>
+            <p:ph type="sldNum" sz="quarter" idx="10"/>
+          </p:nvPr>
+        </p:nvSpPr>
+        <p:spPr/>
+        <p:txBody>
+          <a:bodyPr/>
+          <a:lstStyle/>
+          <a:p>
+            <a:fld id="{18BDFEC3-8487-43E8-A154-7C12CBC1FFF2}" type="slidenum">
+              <a:rPr lang="en-US"/>
+              <a:t>19</a:t>
             </a:fld>
             <a:endParaRPr lang="en-US"/>
           </a:p>
@@ -2486,21 +2849,6 @@
             <a:r>
               <a:rPr/>
               <a:t>Use this worksheet to make a list of what your activities so far today. For each item on your, answer the following questions:</a:t>
-            </a:r>
-          </a:p>
-          <a:p>
-            <a:pPr marL="0" lvl="0" indent="0">
-              <a:buNone/>
-            </a:pPr>
-            <a:endParaRPr/>
-          </a:p>
-          <a:p>
-            <a:pPr marL="0" lvl="0" indent="0">
-              <a:buNone/>
-            </a:pPr>
-            <a:r>
-              <a:rPr/>
-              <a:t>worksheet</a:t>
             </a:r>
           </a:p>
           <a:p>
@@ -4677,7 +5025,7 @@
     </p:spTree>
     <p:extLst>
       <p:ext uri="{BB962C8B-B14F-4D97-AF65-F5344CB8AC3E}">
-        <p14:creationId xmlns:p14="http://schemas.microsoft.com/office/powerpoint/2010/main" val="1721971962"/>
+        <p14:creationId xmlns:p14="http://schemas.microsoft.com/office/powerpoint/2010/main" val="2865305571"/>
       </p:ext>
     </p:extLst>
   </p:cSld>
@@ -4726,7 +5074,7 @@
     </p:spTree>
     <p:extLst>
       <p:ext uri="{BB962C8B-B14F-4D97-AF65-F5344CB8AC3E}">
-        <p14:creationId xmlns:p14="http://schemas.microsoft.com/office/powerpoint/2010/main" val="448772159"/>
+        <p14:creationId xmlns:p14="http://schemas.microsoft.com/office/powerpoint/2010/main" val="982326890"/>
       </p:ext>
     </p:extLst>
   </p:cSld>
@@ -4808,42 +5156,286 @@
         <p:spPr/>
         <p:txBody>
           <a:bodyPr/>
-          <a:lstStyle/>
-          <a:p>
-            <a:pPr lvl="0"/>
-            <a:r>
-              <a:rPr lang="en-US" smtClean="0"/>
-              <a:t>Click to edit Master text styles</a:t>
-            </a:r>
-          </a:p>
-          <a:p>
-            <a:pPr lvl="1"/>
-            <a:r>
-              <a:rPr lang="en-US" smtClean="0"/>
+          <a:lstStyle>
+            <a:lvl1pPr marL="0" marR="0" indent="0" algn="l" defTabSz="914400" rtl="0" eaLnBrk="1" fontAlgn="auto" latinLnBrk="0" hangingPunct="1">
+              <a:lnSpc>
+                <a:spcPct val="90000"/>
+              </a:lnSpc>
+              <a:spcBef>
+                <a:spcPts val="1000"/>
+              </a:spcBef>
+              <a:spcAft>
+                <a:spcPts val="0"/>
+              </a:spcAft>
+              <a:buClrTx/>
+              <a:buSzTx/>
+              <a:buFont typeface="Arial" panose="020B0604020202020204" pitchFamily="34" charset="0"/>
+              <a:buNone/>
+              <a:tabLst/>
+              <a:defRPr/>
+            </a:lvl1pPr>
+            <a:lvl2pPr marL="685800" marR="0" indent="-228600" algn="l" defTabSz="914400" rtl="0" eaLnBrk="1" fontAlgn="auto" latinLnBrk="0" hangingPunct="1">
+              <a:lnSpc>
+                <a:spcPct val="90000"/>
+              </a:lnSpc>
+              <a:spcBef>
+                <a:spcPts val="500"/>
+              </a:spcBef>
+              <a:spcAft>
+                <a:spcPts val="0"/>
+              </a:spcAft>
+              <a:buClrTx/>
+              <a:buSzTx/>
+              <a:buFont typeface="Arial" panose="020B0604020202020204" pitchFamily="34" charset="0"/>
+              <a:buChar char="•"/>
+              <a:tabLst/>
+              <a:defRPr/>
+            </a:lvl2pPr>
+            <a:lvl3pPr marL="1143000" marR="0" indent="-228600" algn="l" defTabSz="914400" rtl="0" eaLnBrk="1" fontAlgn="auto" latinLnBrk="0" hangingPunct="1">
+              <a:lnSpc>
+                <a:spcPct val="90000"/>
+              </a:lnSpc>
+              <a:spcBef>
+                <a:spcPts val="500"/>
+              </a:spcBef>
+              <a:spcAft>
+                <a:spcPts val="0"/>
+              </a:spcAft>
+              <a:buClrTx/>
+              <a:buSzTx/>
+              <a:buFont typeface="Arial" panose="020B0604020202020204" pitchFamily="34" charset="0"/>
+              <a:buChar char="•"/>
+              <a:tabLst/>
+              <a:defRPr/>
+            </a:lvl3pPr>
+            <a:lvl4pPr marL="1600200" marR="0" indent="-228600" algn="l" defTabSz="914400" rtl="0" eaLnBrk="1" fontAlgn="auto" latinLnBrk="0" hangingPunct="1">
+              <a:lnSpc>
+                <a:spcPct val="90000"/>
+              </a:lnSpc>
+              <a:spcBef>
+                <a:spcPts val="500"/>
+              </a:spcBef>
+              <a:spcAft>
+                <a:spcPts val="0"/>
+              </a:spcAft>
+              <a:buClrTx/>
+              <a:buSzTx/>
+              <a:buFont typeface="Arial" panose="020B0604020202020204" pitchFamily="34" charset="0"/>
+              <a:buChar char="•"/>
+              <a:tabLst/>
+              <a:defRPr/>
+            </a:lvl4pPr>
+            <a:lvl5pPr marL="2057400" marR="0" indent="-228600" algn="l" defTabSz="914400" rtl="0" eaLnBrk="1" fontAlgn="auto" latinLnBrk="0" hangingPunct="1">
+              <a:lnSpc>
+                <a:spcPct val="90000"/>
+              </a:lnSpc>
+              <a:spcBef>
+                <a:spcPts val="500"/>
+              </a:spcBef>
+              <a:spcAft>
+                <a:spcPts val="0"/>
+              </a:spcAft>
+              <a:buClrTx/>
+              <a:buSzTx/>
+              <a:buFont typeface="Arial" panose="020B0604020202020204" pitchFamily="34" charset="0"/>
+              <a:buChar char="•"/>
+              <a:tabLst/>
+              <a:defRPr/>
+            </a:lvl5pPr>
+          </a:lstStyle>
+          <a:p>
+            <a:pPr marL="0" marR="0" lvl="0" indent="0" algn="l" defTabSz="914400" rtl="0" eaLnBrk="1" fontAlgn="auto" latinLnBrk="0" hangingPunct="1">
+              <a:lnSpc>
+                <a:spcPct val="90000"/>
+              </a:lnSpc>
+              <a:spcBef>
+                <a:spcPts val="1000"/>
+              </a:spcBef>
+              <a:spcAft>
+                <a:spcPts val="0"/>
+              </a:spcAft>
+              <a:buClrTx/>
+              <a:buSzTx/>
+              <a:buFont typeface="Arial" panose="020B0604020202020204" pitchFamily="34" charset="0"/>
+              <a:buNone/>
+              <a:tabLst/>
+              <a:defRPr/>
+            </a:pPr>
+            <a:r>
+              <a:rPr kumimoji="0" lang="en-US" sz="2400" b="0" i="0" u="none" strike="noStrike" kern="1200" cap="none" spc="0" normalizeH="0" baseline="0" noProof="0" smtClean="0">
+                <a:ln>
+                  <a:noFill/>
+                </a:ln>
+                <a:solidFill>
+                  <a:prstClr val="black"/>
+                </a:solidFill>
+                <a:effectLst/>
+                <a:uLnTx/>
+                <a:uFillTx/>
+                <a:latin typeface="Arial" panose="020B0604020202020204" pitchFamily="34" charset="0"/>
+                <a:cs typeface="Arial" panose="020B0604020202020204" pitchFamily="34" charset="0"/>
+                <a:sym typeface="Roboto"/>
+              </a:rPr>
+              <a:t>Edit Master text styles</a:t>
+            </a:r>
+          </a:p>
+          <a:p>
+            <a:pPr marL="0" marR="0" lvl="1" indent="0" algn="l" defTabSz="914400" rtl="0" eaLnBrk="1" fontAlgn="auto" latinLnBrk="0" hangingPunct="1">
+              <a:lnSpc>
+                <a:spcPct val="90000"/>
+              </a:lnSpc>
+              <a:spcBef>
+                <a:spcPts val="1000"/>
+              </a:spcBef>
+              <a:spcAft>
+                <a:spcPts val="0"/>
+              </a:spcAft>
+              <a:buClrTx/>
+              <a:buSzTx/>
+              <a:buFont typeface="Arial" panose="020B0604020202020204" pitchFamily="34" charset="0"/>
+              <a:buNone/>
+              <a:tabLst/>
+              <a:defRPr/>
+            </a:pPr>
+            <a:r>
+              <a:rPr kumimoji="0" lang="en-US" sz="2400" b="0" i="0" u="none" strike="noStrike" kern="1200" cap="none" spc="0" normalizeH="0" baseline="0" noProof="0" smtClean="0">
+                <a:ln>
+                  <a:noFill/>
+                </a:ln>
+                <a:solidFill>
+                  <a:prstClr val="black"/>
+                </a:solidFill>
+                <a:effectLst/>
+                <a:uLnTx/>
+                <a:uFillTx/>
+                <a:latin typeface="Arial" panose="020B0604020202020204" pitchFamily="34" charset="0"/>
+                <a:cs typeface="Arial" panose="020B0604020202020204" pitchFamily="34" charset="0"/>
+                <a:sym typeface="Roboto"/>
+              </a:rPr>
               <a:t>Second level</a:t>
             </a:r>
           </a:p>
           <a:p>
-            <a:pPr lvl="2"/>
-            <a:r>
-              <a:rPr lang="en-US" smtClean="0"/>
+            <a:pPr marL="0" marR="0" lvl="2" indent="0" algn="l" defTabSz="914400" rtl="0" eaLnBrk="1" fontAlgn="auto" latinLnBrk="0" hangingPunct="1">
+              <a:lnSpc>
+                <a:spcPct val="90000"/>
+              </a:lnSpc>
+              <a:spcBef>
+                <a:spcPts val="1000"/>
+              </a:spcBef>
+              <a:spcAft>
+                <a:spcPts val="0"/>
+              </a:spcAft>
+              <a:buClrTx/>
+              <a:buSzTx/>
+              <a:buFont typeface="Arial" panose="020B0604020202020204" pitchFamily="34" charset="0"/>
+              <a:buNone/>
+              <a:tabLst/>
+              <a:defRPr/>
+            </a:pPr>
+            <a:r>
+              <a:rPr kumimoji="0" lang="en-US" sz="2400" b="0" i="0" u="none" strike="noStrike" kern="1200" cap="none" spc="0" normalizeH="0" baseline="0" noProof="0" smtClean="0">
+                <a:ln>
+                  <a:noFill/>
+                </a:ln>
+                <a:solidFill>
+                  <a:prstClr val="black"/>
+                </a:solidFill>
+                <a:effectLst/>
+                <a:uLnTx/>
+                <a:uFillTx/>
+                <a:latin typeface="Arial" panose="020B0604020202020204" pitchFamily="34" charset="0"/>
+                <a:cs typeface="Arial" panose="020B0604020202020204" pitchFamily="34" charset="0"/>
+                <a:sym typeface="Roboto"/>
+              </a:rPr>
               <a:t>Third level</a:t>
             </a:r>
           </a:p>
           <a:p>
-            <a:pPr lvl="3"/>
-            <a:r>
-              <a:rPr lang="en-US" smtClean="0"/>
+            <a:pPr marL="0" marR="0" lvl="3" indent="0" algn="l" defTabSz="914400" rtl="0" eaLnBrk="1" fontAlgn="auto" latinLnBrk="0" hangingPunct="1">
+              <a:lnSpc>
+                <a:spcPct val="90000"/>
+              </a:lnSpc>
+              <a:spcBef>
+                <a:spcPts val="1000"/>
+              </a:spcBef>
+              <a:spcAft>
+                <a:spcPts val="0"/>
+              </a:spcAft>
+              <a:buClrTx/>
+              <a:buSzTx/>
+              <a:buFont typeface="Arial" panose="020B0604020202020204" pitchFamily="34" charset="0"/>
+              <a:buNone/>
+              <a:tabLst/>
+              <a:defRPr/>
+            </a:pPr>
+            <a:r>
+              <a:rPr kumimoji="0" lang="en-US" sz="2400" b="0" i="0" u="none" strike="noStrike" kern="1200" cap="none" spc="0" normalizeH="0" baseline="0" noProof="0" smtClean="0">
+                <a:ln>
+                  <a:noFill/>
+                </a:ln>
+                <a:solidFill>
+                  <a:prstClr val="black"/>
+                </a:solidFill>
+                <a:effectLst/>
+                <a:uLnTx/>
+                <a:uFillTx/>
+                <a:latin typeface="Arial" panose="020B0604020202020204" pitchFamily="34" charset="0"/>
+                <a:cs typeface="Arial" panose="020B0604020202020204" pitchFamily="34" charset="0"/>
+                <a:sym typeface="Roboto"/>
+              </a:rPr>
               <a:t>Fourth level</a:t>
             </a:r>
           </a:p>
           <a:p>
-            <a:pPr lvl="4"/>
-            <a:r>
-              <a:rPr lang="en-US" smtClean="0"/>
+            <a:pPr marL="0" marR="0" lvl="4" indent="0" algn="l" defTabSz="914400" rtl="0" eaLnBrk="1" fontAlgn="auto" latinLnBrk="0" hangingPunct="1">
+              <a:lnSpc>
+                <a:spcPct val="90000"/>
+              </a:lnSpc>
+              <a:spcBef>
+                <a:spcPts val="1000"/>
+              </a:spcBef>
+              <a:spcAft>
+                <a:spcPts val="0"/>
+              </a:spcAft>
+              <a:buClrTx/>
+              <a:buSzTx/>
+              <a:buFont typeface="Arial" panose="020B0604020202020204" pitchFamily="34" charset="0"/>
+              <a:buNone/>
+              <a:tabLst/>
+              <a:defRPr/>
+            </a:pPr>
+            <a:r>
+              <a:rPr kumimoji="0" lang="en-US" sz="2400" b="0" i="0" u="none" strike="noStrike" kern="1200" cap="none" spc="0" normalizeH="0" baseline="0" noProof="0" smtClean="0">
+                <a:ln>
+                  <a:noFill/>
+                </a:ln>
+                <a:solidFill>
+                  <a:prstClr val="black"/>
+                </a:solidFill>
+                <a:effectLst/>
+                <a:uLnTx/>
+                <a:uFillTx/>
+                <a:latin typeface="Arial" panose="020B0604020202020204" pitchFamily="34" charset="0"/>
+                <a:cs typeface="Arial" panose="020B0604020202020204" pitchFamily="34" charset="0"/>
+                <a:sym typeface="Roboto"/>
+              </a:rPr>
               <a:t>Fifth level</a:t>
             </a:r>
-            <a:endParaRPr lang="en-US"/>
+            <a:endParaRPr kumimoji="0" lang="en-GB" sz="1600" b="0" i="0" u="none" strike="noStrike" kern="1200" cap="none" spc="0" normalizeH="0" baseline="0" noProof="0" dirty="0" smtClean="0">
+              <a:ln>
+                <a:noFill/>
+              </a:ln>
+              <a:solidFill>
+                <a:prstClr val="black"/>
+              </a:solidFill>
+              <a:effectLst/>
+              <a:uLnTx/>
+              <a:uFillTx/>
+              <a:latin typeface="Arial" panose="020B0604020202020204" pitchFamily="34" charset="0"/>
+              <a:cs typeface="Arial" panose="020B0604020202020204" pitchFamily="34" charset="0"/>
+              <a:sym typeface="Roboto"/>
+            </a:endParaRPr>
           </a:p>
         </p:txBody>
       </p:sp>
@@ -4864,7 +5456,7 @@
           <a:p>
             <a:fld id="{241EB5C9-1307-BA42-ABA2-0BC069CD8E7F}" type="datetimeFigureOut">
               <a:rPr lang="en-US" smtClean="0"/>
-              <a:t>8/30/2021</a:t>
+              <a:t>9/14/2021</a:t>
             </a:fld>
             <a:endParaRPr lang="en-US"/>
           </a:p>
@@ -4915,7 +5507,7 @@
     </p:spTree>
     <p:extLst>
       <p:ext uri="{BB962C8B-B14F-4D97-AF65-F5344CB8AC3E}">
-        <p14:creationId xmlns:p14="http://schemas.microsoft.com/office/powerpoint/2010/main" val="2098429434"/>
+        <p14:creationId xmlns:p14="http://schemas.microsoft.com/office/powerpoint/2010/main" val="2669944346"/>
       </p:ext>
     </p:extLst>
   </p:cSld>
@@ -5185,22 +5777,180 @@
               <a:defRPr/>
             </a:pPr>
             <a:r>
-              <a:rPr kumimoji="0" lang="en-US" sz="2000" b="0" i="0" u="none" strike="noStrike" kern="0" cap="none" spc="0" normalizeH="0" baseline="0" noProof="0" smtClean="0">
+              <a:rPr kumimoji="0" lang="en-US" sz="2400" b="0" i="0" u="none" strike="noStrike" kern="1200" cap="none" spc="0" normalizeH="0" baseline="0" noProof="0" smtClean="0">
                 <a:ln>
                   <a:noFill/>
                 </a:ln>
                 <a:solidFill>
-                  <a:srgbClr val="000000"/>
+                  <a:prstClr val="black"/>
                 </a:solidFill>
                 <a:effectLst/>
                 <a:uLnTx/>
                 <a:uFillTx/>
-                <a:latin typeface="Arial"/>
-                <a:cs typeface="Arial"/>
-                <a:sym typeface="Arial"/>
+                <a:latin typeface="Arial" panose="020B0604020202020204" pitchFamily="34" charset="0"/>
+                <a:cs typeface="Arial" panose="020B0604020202020204" pitchFamily="34" charset="0"/>
+                <a:sym typeface="Roboto"/>
               </a:rPr>
               <a:t>Edit Master text styles</a:t>
             </a:r>
+          </a:p>
+          <a:p>
+            <a:pPr marL="0" marR="0" lvl="1" indent="0" algn="l" defTabSz="914400" rtl="0" eaLnBrk="1" fontAlgn="auto" latinLnBrk="0" hangingPunct="1">
+              <a:lnSpc>
+                <a:spcPct val="90000"/>
+              </a:lnSpc>
+              <a:spcBef>
+                <a:spcPts val="1000"/>
+              </a:spcBef>
+              <a:spcAft>
+                <a:spcPts val="0"/>
+              </a:spcAft>
+              <a:buClrTx/>
+              <a:buSzTx/>
+              <a:buFont typeface="Arial" panose="020B0604020202020204" pitchFamily="34" charset="0"/>
+              <a:buNone/>
+              <a:tabLst/>
+              <a:defRPr/>
+            </a:pPr>
+            <a:r>
+              <a:rPr kumimoji="0" lang="en-US" sz="2400" b="0" i="0" u="none" strike="noStrike" kern="1200" cap="none" spc="0" normalizeH="0" baseline="0" noProof="0" smtClean="0">
+                <a:ln>
+                  <a:noFill/>
+                </a:ln>
+                <a:solidFill>
+                  <a:prstClr val="black"/>
+                </a:solidFill>
+                <a:effectLst/>
+                <a:uLnTx/>
+                <a:uFillTx/>
+                <a:latin typeface="Arial" panose="020B0604020202020204" pitchFamily="34" charset="0"/>
+                <a:cs typeface="Arial" panose="020B0604020202020204" pitchFamily="34" charset="0"/>
+                <a:sym typeface="Roboto"/>
+              </a:rPr>
+              <a:t>Second level</a:t>
+            </a:r>
+          </a:p>
+          <a:p>
+            <a:pPr marL="0" marR="0" lvl="2" indent="0" algn="l" defTabSz="914400" rtl="0" eaLnBrk="1" fontAlgn="auto" latinLnBrk="0" hangingPunct="1">
+              <a:lnSpc>
+                <a:spcPct val="90000"/>
+              </a:lnSpc>
+              <a:spcBef>
+                <a:spcPts val="1000"/>
+              </a:spcBef>
+              <a:spcAft>
+                <a:spcPts val="0"/>
+              </a:spcAft>
+              <a:buClrTx/>
+              <a:buSzTx/>
+              <a:buFont typeface="Arial" panose="020B0604020202020204" pitchFamily="34" charset="0"/>
+              <a:buNone/>
+              <a:tabLst/>
+              <a:defRPr/>
+            </a:pPr>
+            <a:r>
+              <a:rPr kumimoji="0" lang="en-US" sz="2400" b="0" i="0" u="none" strike="noStrike" kern="1200" cap="none" spc="0" normalizeH="0" baseline="0" noProof="0" smtClean="0">
+                <a:ln>
+                  <a:noFill/>
+                </a:ln>
+                <a:solidFill>
+                  <a:prstClr val="black"/>
+                </a:solidFill>
+                <a:effectLst/>
+                <a:uLnTx/>
+                <a:uFillTx/>
+                <a:latin typeface="Arial" panose="020B0604020202020204" pitchFamily="34" charset="0"/>
+                <a:cs typeface="Arial" panose="020B0604020202020204" pitchFamily="34" charset="0"/>
+                <a:sym typeface="Roboto"/>
+              </a:rPr>
+              <a:t>Third level</a:t>
+            </a:r>
+          </a:p>
+          <a:p>
+            <a:pPr marL="0" marR="0" lvl="3" indent="0" algn="l" defTabSz="914400" rtl="0" eaLnBrk="1" fontAlgn="auto" latinLnBrk="0" hangingPunct="1">
+              <a:lnSpc>
+                <a:spcPct val="90000"/>
+              </a:lnSpc>
+              <a:spcBef>
+                <a:spcPts val="1000"/>
+              </a:spcBef>
+              <a:spcAft>
+                <a:spcPts val="0"/>
+              </a:spcAft>
+              <a:buClrTx/>
+              <a:buSzTx/>
+              <a:buFont typeface="Arial" panose="020B0604020202020204" pitchFamily="34" charset="0"/>
+              <a:buNone/>
+              <a:tabLst/>
+              <a:defRPr/>
+            </a:pPr>
+            <a:r>
+              <a:rPr kumimoji="0" lang="en-US" sz="2400" b="0" i="0" u="none" strike="noStrike" kern="1200" cap="none" spc="0" normalizeH="0" baseline="0" noProof="0" smtClean="0">
+                <a:ln>
+                  <a:noFill/>
+                </a:ln>
+                <a:solidFill>
+                  <a:prstClr val="black"/>
+                </a:solidFill>
+                <a:effectLst/>
+                <a:uLnTx/>
+                <a:uFillTx/>
+                <a:latin typeface="Arial" panose="020B0604020202020204" pitchFamily="34" charset="0"/>
+                <a:cs typeface="Arial" panose="020B0604020202020204" pitchFamily="34" charset="0"/>
+                <a:sym typeface="Roboto"/>
+              </a:rPr>
+              <a:t>Fourth level</a:t>
+            </a:r>
+          </a:p>
+          <a:p>
+            <a:pPr marL="0" marR="0" lvl="4" indent="0" algn="l" defTabSz="914400" rtl="0" eaLnBrk="1" fontAlgn="auto" latinLnBrk="0" hangingPunct="1">
+              <a:lnSpc>
+                <a:spcPct val="90000"/>
+              </a:lnSpc>
+              <a:spcBef>
+                <a:spcPts val="1000"/>
+              </a:spcBef>
+              <a:spcAft>
+                <a:spcPts val="0"/>
+              </a:spcAft>
+              <a:buClrTx/>
+              <a:buSzTx/>
+              <a:buFont typeface="Arial" panose="020B0604020202020204" pitchFamily="34" charset="0"/>
+              <a:buNone/>
+              <a:tabLst/>
+              <a:defRPr/>
+            </a:pPr>
+            <a:r>
+              <a:rPr kumimoji="0" lang="en-US" sz="2400" b="0" i="0" u="none" strike="noStrike" kern="1200" cap="none" spc="0" normalizeH="0" baseline="0" noProof="0" smtClean="0">
+                <a:ln>
+                  <a:noFill/>
+                </a:ln>
+                <a:solidFill>
+                  <a:prstClr val="black"/>
+                </a:solidFill>
+                <a:effectLst/>
+                <a:uLnTx/>
+                <a:uFillTx/>
+                <a:latin typeface="Arial" panose="020B0604020202020204" pitchFamily="34" charset="0"/>
+                <a:cs typeface="Arial" panose="020B0604020202020204" pitchFamily="34" charset="0"/>
+                <a:sym typeface="Roboto"/>
+              </a:rPr>
+              <a:t>Fifth level</a:t>
+            </a:r>
+            <a:endParaRPr kumimoji="0" lang="en-GB" sz="1600" b="0" i="0" u="none" strike="noStrike" kern="1200" cap="none" spc="0" normalizeH="0" baseline="0" noProof="0" dirty="0" smtClean="0">
+              <a:ln>
+                <a:noFill/>
+              </a:ln>
+              <a:solidFill>
+                <a:prstClr val="black"/>
+              </a:solidFill>
+              <a:effectLst/>
+              <a:uLnTx/>
+              <a:uFillTx/>
+              <a:latin typeface="Arial" panose="020B0604020202020204" pitchFamily="34" charset="0"/>
+              <a:cs typeface="Arial" panose="020B0604020202020204" pitchFamily="34" charset="0"/>
+              <a:sym typeface="Roboto"/>
+            </a:endParaRPr>
           </a:p>
         </p:txBody>
       </p:sp>
@@ -5440,7 +6190,7 @@
     </p:spTree>
     <p:extLst>
       <p:ext uri="{BB962C8B-B14F-4D97-AF65-F5344CB8AC3E}">
-        <p14:creationId xmlns:p14="http://schemas.microsoft.com/office/powerpoint/2010/main" val="1962956289"/>
+        <p14:creationId xmlns:p14="http://schemas.microsoft.com/office/powerpoint/2010/main" val="2499764762"/>
       </p:ext>
     </p:extLst>
   </p:cSld>
@@ -5578,42 +6328,92 @@
         <p:txBody>
           <a:bodyPr lIns="91425" tIns="91425" rIns="91425" bIns="91425" anchor="t" anchorCtr="0"/>
           <a:lstStyle>
-            <a:lvl1pPr lvl="0">
-              <a:spcBef>
-                <a:spcPts val="0"/>
-              </a:spcBef>
-              <a:buSzPct val="100000"/>
+            <a:lvl1pPr marL="0" marR="0" lvl="0" indent="0" algn="l" defTabSz="914400" rtl="0" eaLnBrk="1" fontAlgn="auto" latinLnBrk="0" hangingPunct="1">
+              <a:lnSpc>
+                <a:spcPct val="90000"/>
+              </a:lnSpc>
+              <a:spcBef>
+                <a:spcPts val="1000"/>
+              </a:spcBef>
+              <a:spcAft>
+                <a:spcPts val="0"/>
+              </a:spcAft>
+              <a:buClrTx/>
+              <a:buSzTx/>
+              <a:buFont typeface="Arial" panose="020B0604020202020204" pitchFamily="34" charset="0"/>
+              <a:buNone/>
+              <a:tabLst/>
               <a:defRPr sz="2000">
                 <a:latin typeface="Arial" panose="020B0604020202020204" pitchFamily="34" charset="0"/>
                 <a:cs typeface="Arial" panose="020B0604020202020204" pitchFamily="34" charset="0"/>
               </a:defRPr>
             </a:lvl1pPr>
-            <a:lvl2pPr lvl="1">
-              <a:spcBef>
-                <a:spcPts val="0"/>
-              </a:spcBef>
-              <a:buSzPct val="100000"/>
+            <a:lvl2pPr marL="685800" marR="0" lvl="1" indent="-228600" algn="l" defTabSz="914400" rtl="0" eaLnBrk="1" fontAlgn="auto" latinLnBrk="0" hangingPunct="1">
+              <a:lnSpc>
+                <a:spcPct val="90000"/>
+              </a:lnSpc>
+              <a:spcBef>
+                <a:spcPts val="500"/>
+              </a:spcBef>
+              <a:spcAft>
+                <a:spcPts val="0"/>
+              </a:spcAft>
+              <a:buClrTx/>
+              <a:buSzTx/>
+              <a:buFont typeface="Arial" panose="020B0604020202020204" pitchFamily="34" charset="0"/>
+              <a:buChar char="•"/>
+              <a:tabLst/>
               <a:defRPr sz="1600"/>
             </a:lvl2pPr>
-            <a:lvl3pPr lvl="2">
-              <a:spcBef>
-                <a:spcPts val="0"/>
-              </a:spcBef>
-              <a:buSzPct val="100000"/>
+            <a:lvl3pPr marL="1143000" marR="0" lvl="2" indent="-228600" algn="l" defTabSz="914400" rtl="0" eaLnBrk="1" fontAlgn="auto" latinLnBrk="0" hangingPunct="1">
+              <a:lnSpc>
+                <a:spcPct val="90000"/>
+              </a:lnSpc>
+              <a:spcBef>
+                <a:spcPts val="500"/>
+              </a:spcBef>
+              <a:spcAft>
+                <a:spcPts val="0"/>
+              </a:spcAft>
+              <a:buClrTx/>
+              <a:buSzTx/>
+              <a:buFont typeface="Arial" panose="020B0604020202020204" pitchFamily="34" charset="0"/>
+              <a:buChar char="•"/>
+              <a:tabLst/>
               <a:defRPr sz="1600"/>
             </a:lvl3pPr>
-            <a:lvl4pPr lvl="3">
-              <a:spcBef>
-                <a:spcPts val="0"/>
-              </a:spcBef>
-              <a:buSzPct val="100000"/>
+            <a:lvl4pPr marL="1600200" marR="0" lvl="3" indent="-228600" algn="l" defTabSz="914400" rtl="0" eaLnBrk="1" fontAlgn="auto" latinLnBrk="0" hangingPunct="1">
+              <a:lnSpc>
+                <a:spcPct val="90000"/>
+              </a:lnSpc>
+              <a:spcBef>
+                <a:spcPts val="500"/>
+              </a:spcBef>
+              <a:spcAft>
+                <a:spcPts val="0"/>
+              </a:spcAft>
+              <a:buClrTx/>
+              <a:buSzTx/>
+              <a:buFont typeface="Arial" panose="020B0604020202020204" pitchFamily="34" charset="0"/>
+              <a:buChar char="•"/>
+              <a:tabLst/>
               <a:defRPr sz="1600"/>
             </a:lvl4pPr>
-            <a:lvl5pPr lvl="4">
-              <a:spcBef>
-                <a:spcPts val="0"/>
-              </a:spcBef>
-              <a:buSzPct val="100000"/>
+            <a:lvl5pPr marL="2057400" marR="0" lvl="4" indent="-228600" algn="l" defTabSz="914400" rtl="0" eaLnBrk="1" fontAlgn="auto" latinLnBrk="0" hangingPunct="1">
+              <a:lnSpc>
+                <a:spcPct val="90000"/>
+              </a:lnSpc>
+              <a:spcBef>
+                <a:spcPts val="500"/>
+              </a:spcBef>
+              <a:spcAft>
+                <a:spcPts val="0"/>
+              </a:spcAft>
+              <a:buClrTx/>
+              <a:buSzTx/>
+              <a:buFont typeface="Arial" panose="020B0604020202020204" pitchFamily="34" charset="0"/>
+              <a:buChar char="•"/>
+              <a:tabLst/>
               <a:defRPr sz="1600"/>
             </a:lvl5pPr>
             <a:lvl6pPr lvl="5">
@@ -5646,11 +6446,198 @@
             </a:lvl9pPr>
           </a:lstStyle>
           <a:p>
-            <a:pPr lvl="0"/>
-            <a:r>
-              <a:rPr lang="en-US" smtClean="0"/>
+            <a:pPr marL="0" marR="0" lvl="0" indent="0" algn="l" defTabSz="914400" rtl="0" eaLnBrk="1" fontAlgn="auto" latinLnBrk="0" hangingPunct="1">
+              <a:lnSpc>
+                <a:spcPct val="90000"/>
+              </a:lnSpc>
+              <a:spcBef>
+                <a:spcPts val="1000"/>
+              </a:spcBef>
+              <a:spcAft>
+                <a:spcPts val="0"/>
+              </a:spcAft>
+              <a:buClrTx/>
+              <a:buSzTx/>
+              <a:buFont typeface="Arial" panose="020B0604020202020204" pitchFamily="34" charset="0"/>
+              <a:buNone/>
+              <a:tabLst/>
+              <a:defRPr/>
+            </a:pPr>
+            <a:r>
+              <a:rPr kumimoji="0" lang="en-US" sz="2400" b="0" i="0" u="none" strike="noStrike" kern="1200" cap="none" spc="0" normalizeH="0" baseline="0" noProof="0" smtClean="0">
+                <a:ln>
+                  <a:noFill/>
+                </a:ln>
+                <a:solidFill>
+                  <a:prstClr val="black"/>
+                </a:solidFill>
+                <a:effectLst/>
+                <a:uLnTx/>
+                <a:uFillTx/>
+                <a:latin typeface="Arial" panose="020B0604020202020204" pitchFamily="34" charset="0"/>
+                <a:cs typeface="Arial" panose="020B0604020202020204" pitchFamily="34" charset="0"/>
+                <a:sym typeface="Roboto"/>
+              </a:rPr>
               <a:t>Edit Master text styles</a:t>
             </a:r>
+          </a:p>
+          <a:p>
+            <a:pPr marL="0" marR="0" lvl="1" indent="0" algn="l" defTabSz="914400" rtl="0" eaLnBrk="1" fontAlgn="auto" latinLnBrk="0" hangingPunct="1">
+              <a:lnSpc>
+                <a:spcPct val="90000"/>
+              </a:lnSpc>
+              <a:spcBef>
+                <a:spcPts val="1000"/>
+              </a:spcBef>
+              <a:spcAft>
+                <a:spcPts val="0"/>
+              </a:spcAft>
+              <a:buClrTx/>
+              <a:buSzTx/>
+              <a:buFont typeface="Arial" panose="020B0604020202020204" pitchFamily="34" charset="0"/>
+              <a:buNone/>
+              <a:tabLst/>
+              <a:defRPr/>
+            </a:pPr>
+            <a:r>
+              <a:rPr kumimoji="0" lang="en-US" sz="2400" b="0" i="0" u="none" strike="noStrike" kern="1200" cap="none" spc="0" normalizeH="0" baseline="0" noProof="0" smtClean="0">
+                <a:ln>
+                  <a:noFill/>
+                </a:ln>
+                <a:solidFill>
+                  <a:prstClr val="black"/>
+                </a:solidFill>
+                <a:effectLst/>
+                <a:uLnTx/>
+                <a:uFillTx/>
+                <a:latin typeface="Arial" panose="020B0604020202020204" pitchFamily="34" charset="0"/>
+                <a:cs typeface="Arial" panose="020B0604020202020204" pitchFamily="34" charset="0"/>
+                <a:sym typeface="Roboto"/>
+              </a:rPr>
+              <a:t>Second level</a:t>
+            </a:r>
+          </a:p>
+          <a:p>
+            <a:pPr marL="0" marR="0" lvl="2" indent="0" algn="l" defTabSz="914400" rtl="0" eaLnBrk="1" fontAlgn="auto" latinLnBrk="0" hangingPunct="1">
+              <a:lnSpc>
+                <a:spcPct val="90000"/>
+              </a:lnSpc>
+              <a:spcBef>
+                <a:spcPts val="1000"/>
+              </a:spcBef>
+              <a:spcAft>
+                <a:spcPts val="0"/>
+              </a:spcAft>
+              <a:buClrTx/>
+              <a:buSzTx/>
+              <a:buFont typeface="Arial" panose="020B0604020202020204" pitchFamily="34" charset="0"/>
+              <a:buNone/>
+              <a:tabLst/>
+              <a:defRPr/>
+            </a:pPr>
+            <a:r>
+              <a:rPr kumimoji="0" lang="en-US" sz="2400" b="0" i="0" u="none" strike="noStrike" kern="1200" cap="none" spc="0" normalizeH="0" baseline="0" noProof="0" smtClean="0">
+                <a:ln>
+                  <a:noFill/>
+                </a:ln>
+                <a:solidFill>
+                  <a:prstClr val="black"/>
+                </a:solidFill>
+                <a:effectLst/>
+                <a:uLnTx/>
+                <a:uFillTx/>
+                <a:latin typeface="Arial" panose="020B0604020202020204" pitchFamily="34" charset="0"/>
+                <a:cs typeface="Arial" panose="020B0604020202020204" pitchFamily="34" charset="0"/>
+                <a:sym typeface="Roboto"/>
+              </a:rPr>
+              <a:t>Third level</a:t>
+            </a:r>
+          </a:p>
+          <a:p>
+            <a:pPr marL="0" marR="0" lvl="3" indent="0" algn="l" defTabSz="914400" rtl="0" eaLnBrk="1" fontAlgn="auto" latinLnBrk="0" hangingPunct="1">
+              <a:lnSpc>
+                <a:spcPct val="90000"/>
+              </a:lnSpc>
+              <a:spcBef>
+                <a:spcPts val="1000"/>
+              </a:spcBef>
+              <a:spcAft>
+                <a:spcPts val="0"/>
+              </a:spcAft>
+              <a:buClrTx/>
+              <a:buSzTx/>
+              <a:buFont typeface="Arial" panose="020B0604020202020204" pitchFamily="34" charset="0"/>
+              <a:buNone/>
+              <a:tabLst/>
+              <a:defRPr/>
+            </a:pPr>
+            <a:r>
+              <a:rPr kumimoji="0" lang="en-US" sz="2400" b="0" i="0" u="none" strike="noStrike" kern="1200" cap="none" spc="0" normalizeH="0" baseline="0" noProof="0" smtClean="0">
+                <a:ln>
+                  <a:noFill/>
+                </a:ln>
+                <a:solidFill>
+                  <a:prstClr val="black"/>
+                </a:solidFill>
+                <a:effectLst/>
+                <a:uLnTx/>
+                <a:uFillTx/>
+                <a:latin typeface="Arial" panose="020B0604020202020204" pitchFamily="34" charset="0"/>
+                <a:cs typeface="Arial" panose="020B0604020202020204" pitchFamily="34" charset="0"/>
+                <a:sym typeface="Roboto"/>
+              </a:rPr>
+              <a:t>Fourth level</a:t>
+            </a:r>
+          </a:p>
+          <a:p>
+            <a:pPr marL="0" marR="0" lvl="4" indent="0" algn="l" defTabSz="914400" rtl="0" eaLnBrk="1" fontAlgn="auto" latinLnBrk="0" hangingPunct="1">
+              <a:lnSpc>
+                <a:spcPct val="90000"/>
+              </a:lnSpc>
+              <a:spcBef>
+                <a:spcPts val="1000"/>
+              </a:spcBef>
+              <a:spcAft>
+                <a:spcPts val="0"/>
+              </a:spcAft>
+              <a:buClrTx/>
+              <a:buSzTx/>
+              <a:buFont typeface="Arial" panose="020B0604020202020204" pitchFamily="34" charset="0"/>
+              <a:buNone/>
+              <a:tabLst/>
+              <a:defRPr/>
+            </a:pPr>
+            <a:r>
+              <a:rPr kumimoji="0" lang="en-US" sz="2400" b="0" i="0" u="none" strike="noStrike" kern="1200" cap="none" spc="0" normalizeH="0" baseline="0" noProof="0" smtClean="0">
+                <a:ln>
+                  <a:noFill/>
+                </a:ln>
+                <a:solidFill>
+                  <a:prstClr val="black"/>
+                </a:solidFill>
+                <a:effectLst/>
+                <a:uLnTx/>
+                <a:uFillTx/>
+                <a:latin typeface="Arial" panose="020B0604020202020204" pitchFamily="34" charset="0"/>
+                <a:cs typeface="Arial" panose="020B0604020202020204" pitchFamily="34" charset="0"/>
+                <a:sym typeface="Roboto"/>
+              </a:rPr>
+              <a:t>Fifth level</a:t>
+            </a:r>
+            <a:endParaRPr kumimoji="0" lang="en-GB" sz="1600" b="0" i="0" u="none" strike="noStrike" kern="1200" cap="none" spc="0" normalizeH="0" baseline="0" noProof="0" dirty="0" smtClean="0">
+              <a:ln>
+                <a:noFill/>
+              </a:ln>
+              <a:solidFill>
+                <a:prstClr val="black"/>
+              </a:solidFill>
+              <a:effectLst/>
+              <a:uLnTx/>
+              <a:uFillTx/>
+              <a:latin typeface="Arial" panose="020B0604020202020204" pitchFamily="34" charset="0"/>
+              <a:cs typeface="Arial" panose="020B0604020202020204" pitchFamily="34" charset="0"/>
+              <a:sym typeface="Roboto"/>
+            </a:endParaRPr>
           </a:p>
         </p:txBody>
       </p:sp>
@@ -5676,42 +6663,92 @@
         <p:txBody>
           <a:bodyPr lIns="91425" tIns="91425" rIns="91425" bIns="91425" anchor="t" anchorCtr="0"/>
           <a:lstStyle>
-            <a:lvl1pPr lvl="0">
-              <a:spcBef>
-                <a:spcPts val="0"/>
-              </a:spcBef>
-              <a:buSzPct val="100000"/>
+            <a:lvl1pPr marL="0" marR="0" lvl="0" indent="0" algn="l" defTabSz="914400" rtl="0" eaLnBrk="1" fontAlgn="auto" latinLnBrk="0" hangingPunct="1">
+              <a:lnSpc>
+                <a:spcPct val="90000"/>
+              </a:lnSpc>
+              <a:spcBef>
+                <a:spcPts val="1000"/>
+              </a:spcBef>
+              <a:spcAft>
+                <a:spcPts val="0"/>
+              </a:spcAft>
+              <a:buClrTx/>
+              <a:buSzTx/>
+              <a:buFont typeface="Arial" panose="020B0604020202020204" pitchFamily="34" charset="0"/>
+              <a:buNone/>
+              <a:tabLst/>
               <a:defRPr sz="2000">
                 <a:latin typeface="Arial" panose="020B0604020202020204" pitchFamily="34" charset="0"/>
                 <a:cs typeface="Arial" panose="020B0604020202020204" pitchFamily="34" charset="0"/>
               </a:defRPr>
             </a:lvl1pPr>
-            <a:lvl2pPr lvl="1">
-              <a:spcBef>
-                <a:spcPts val="0"/>
-              </a:spcBef>
-              <a:buSzPct val="100000"/>
+            <a:lvl2pPr marL="685800" marR="0" lvl="1" indent="-228600" algn="l" defTabSz="914400" rtl="0" eaLnBrk="1" fontAlgn="auto" latinLnBrk="0" hangingPunct="1">
+              <a:lnSpc>
+                <a:spcPct val="90000"/>
+              </a:lnSpc>
+              <a:spcBef>
+                <a:spcPts val="500"/>
+              </a:spcBef>
+              <a:spcAft>
+                <a:spcPts val="0"/>
+              </a:spcAft>
+              <a:buClrTx/>
+              <a:buSzTx/>
+              <a:buFont typeface="Arial" panose="020B0604020202020204" pitchFamily="34" charset="0"/>
+              <a:buChar char="•"/>
+              <a:tabLst/>
               <a:defRPr sz="1600"/>
             </a:lvl2pPr>
-            <a:lvl3pPr lvl="2">
-              <a:spcBef>
-                <a:spcPts val="0"/>
-              </a:spcBef>
-              <a:buSzPct val="100000"/>
+            <a:lvl3pPr marL="1143000" marR="0" lvl="2" indent="-228600" algn="l" defTabSz="914400" rtl="0" eaLnBrk="1" fontAlgn="auto" latinLnBrk="0" hangingPunct="1">
+              <a:lnSpc>
+                <a:spcPct val="90000"/>
+              </a:lnSpc>
+              <a:spcBef>
+                <a:spcPts val="500"/>
+              </a:spcBef>
+              <a:spcAft>
+                <a:spcPts val="0"/>
+              </a:spcAft>
+              <a:buClrTx/>
+              <a:buSzTx/>
+              <a:buFont typeface="Arial" panose="020B0604020202020204" pitchFamily="34" charset="0"/>
+              <a:buChar char="•"/>
+              <a:tabLst/>
               <a:defRPr sz="1600"/>
             </a:lvl3pPr>
-            <a:lvl4pPr lvl="3">
-              <a:spcBef>
-                <a:spcPts val="0"/>
-              </a:spcBef>
-              <a:buSzPct val="100000"/>
+            <a:lvl4pPr marL="1600200" marR="0" lvl="3" indent="-228600" algn="l" defTabSz="914400" rtl="0" eaLnBrk="1" fontAlgn="auto" latinLnBrk="0" hangingPunct="1">
+              <a:lnSpc>
+                <a:spcPct val="90000"/>
+              </a:lnSpc>
+              <a:spcBef>
+                <a:spcPts val="500"/>
+              </a:spcBef>
+              <a:spcAft>
+                <a:spcPts val="0"/>
+              </a:spcAft>
+              <a:buClrTx/>
+              <a:buSzTx/>
+              <a:buFont typeface="Arial" panose="020B0604020202020204" pitchFamily="34" charset="0"/>
+              <a:buChar char="•"/>
+              <a:tabLst/>
               <a:defRPr sz="1600"/>
             </a:lvl4pPr>
-            <a:lvl5pPr lvl="4">
-              <a:spcBef>
-                <a:spcPts val="0"/>
-              </a:spcBef>
-              <a:buSzPct val="100000"/>
+            <a:lvl5pPr marL="2057400" marR="0" lvl="4" indent="-228600" algn="l" defTabSz="914400" rtl="0" eaLnBrk="1" fontAlgn="auto" latinLnBrk="0" hangingPunct="1">
+              <a:lnSpc>
+                <a:spcPct val="90000"/>
+              </a:lnSpc>
+              <a:spcBef>
+                <a:spcPts val="500"/>
+              </a:spcBef>
+              <a:spcAft>
+                <a:spcPts val="0"/>
+              </a:spcAft>
+              <a:buClrTx/>
+              <a:buSzTx/>
+              <a:buFont typeface="Arial" panose="020B0604020202020204" pitchFamily="34" charset="0"/>
+              <a:buChar char="•"/>
+              <a:tabLst/>
               <a:defRPr sz="1600"/>
             </a:lvl5pPr>
             <a:lvl6pPr lvl="5">
@@ -5744,18 +6781,205 @@
             </a:lvl9pPr>
           </a:lstStyle>
           <a:p>
-            <a:pPr lvl="0"/>
-            <a:r>
-              <a:rPr lang="en-US" smtClean="0"/>
+            <a:pPr marL="0" marR="0" lvl="0" indent="0" algn="l" defTabSz="914400" rtl="0" eaLnBrk="1" fontAlgn="auto" latinLnBrk="0" hangingPunct="1">
+              <a:lnSpc>
+                <a:spcPct val="90000"/>
+              </a:lnSpc>
+              <a:spcBef>
+                <a:spcPts val="1000"/>
+              </a:spcBef>
+              <a:spcAft>
+                <a:spcPts val="0"/>
+              </a:spcAft>
+              <a:buClrTx/>
+              <a:buSzTx/>
+              <a:buFont typeface="Arial" panose="020B0604020202020204" pitchFamily="34" charset="0"/>
+              <a:buNone/>
+              <a:tabLst/>
+              <a:defRPr/>
+            </a:pPr>
+            <a:r>
+              <a:rPr kumimoji="0" lang="en-US" sz="2400" b="0" i="0" u="none" strike="noStrike" kern="1200" cap="none" spc="0" normalizeH="0" baseline="0" noProof="0" smtClean="0">
+                <a:ln>
+                  <a:noFill/>
+                </a:ln>
+                <a:solidFill>
+                  <a:prstClr val="black"/>
+                </a:solidFill>
+                <a:effectLst/>
+                <a:uLnTx/>
+                <a:uFillTx/>
+                <a:latin typeface="Arial" panose="020B0604020202020204" pitchFamily="34" charset="0"/>
+                <a:cs typeface="Arial" panose="020B0604020202020204" pitchFamily="34" charset="0"/>
+                <a:sym typeface="Roboto"/>
+              </a:rPr>
               <a:t>Edit Master text styles</a:t>
             </a:r>
+          </a:p>
+          <a:p>
+            <a:pPr marL="0" marR="0" lvl="1" indent="0" algn="l" defTabSz="914400" rtl="0" eaLnBrk="1" fontAlgn="auto" latinLnBrk="0" hangingPunct="1">
+              <a:lnSpc>
+                <a:spcPct val="90000"/>
+              </a:lnSpc>
+              <a:spcBef>
+                <a:spcPts val="1000"/>
+              </a:spcBef>
+              <a:spcAft>
+                <a:spcPts val="0"/>
+              </a:spcAft>
+              <a:buClrTx/>
+              <a:buSzTx/>
+              <a:buFont typeface="Arial" panose="020B0604020202020204" pitchFamily="34" charset="0"/>
+              <a:buNone/>
+              <a:tabLst/>
+              <a:defRPr/>
+            </a:pPr>
+            <a:r>
+              <a:rPr kumimoji="0" lang="en-US" sz="2400" b="0" i="0" u="none" strike="noStrike" kern="1200" cap="none" spc="0" normalizeH="0" baseline="0" noProof="0" smtClean="0">
+                <a:ln>
+                  <a:noFill/>
+                </a:ln>
+                <a:solidFill>
+                  <a:prstClr val="black"/>
+                </a:solidFill>
+                <a:effectLst/>
+                <a:uLnTx/>
+                <a:uFillTx/>
+                <a:latin typeface="Arial" panose="020B0604020202020204" pitchFamily="34" charset="0"/>
+                <a:cs typeface="Arial" panose="020B0604020202020204" pitchFamily="34" charset="0"/>
+                <a:sym typeface="Roboto"/>
+              </a:rPr>
+              <a:t>Second level</a:t>
+            </a:r>
+          </a:p>
+          <a:p>
+            <a:pPr marL="0" marR="0" lvl="2" indent="0" algn="l" defTabSz="914400" rtl="0" eaLnBrk="1" fontAlgn="auto" latinLnBrk="0" hangingPunct="1">
+              <a:lnSpc>
+                <a:spcPct val="90000"/>
+              </a:lnSpc>
+              <a:spcBef>
+                <a:spcPts val="1000"/>
+              </a:spcBef>
+              <a:spcAft>
+                <a:spcPts val="0"/>
+              </a:spcAft>
+              <a:buClrTx/>
+              <a:buSzTx/>
+              <a:buFont typeface="Arial" panose="020B0604020202020204" pitchFamily="34" charset="0"/>
+              <a:buNone/>
+              <a:tabLst/>
+              <a:defRPr/>
+            </a:pPr>
+            <a:r>
+              <a:rPr kumimoji="0" lang="en-US" sz="2400" b="0" i="0" u="none" strike="noStrike" kern="1200" cap="none" spc="0" normalizeH="0" baseline="0" noProof="0" smtClean="0">
+                <a:ln>
+                  <a:noFill/>
+                </a:ln>
+                <a:solidFill>
+                  <a:prstClr val="black"/>
+                </a:solidFill>
+                <a:effectLst/>
+                <a:uLnTx/>
+                <a:uFillTx/>
+                <a:latin typeface="Arial" panose="020B0604020202020204" pitchFamily="34" charset="0"/>
+                <a:cs typeface="Arial" panose="020B0604020202020204" pitchFamily="34" charset="0"/>
+                <a:sym typeface="Roboto"/>
+              </a:rPr>
+              <a:t>Third level</a:t>
+            </a:r>
+          </a:p>
+          <a:p>
+            <a:pPr marL="0" marR="0" lvl="3" indent="0" algn="l" defTabSz="914400" rtl="0" eaLnBrk="1" fontAlgn="auto" latinLnBrk="0" hangingPunct="1">
+              <a:lnSpc>
+                <a:spcPct val="90000"/>
+              </a:lnSpc>
+              <a:spcBef>
+                <a:spcPts val="1000"/>
+              </a:spcBef>
+              <a:spcAft>
+                <a:spcPts val="0"/>
+              </a:spcAft>
+              <a:buClrTx/>
+              <a:buSzTx/>
+              <a:buFont typeface="Arial" panose="020B0604020202020204" pitchFamily="34" charset="0"/>
+              <a:buNone/>
+              <a:tabLst/>
+              <a:defRPr/>
+            </a:pPr>
+            <a:r>
+              <a:rPr kumimoji="0" lang="en-US" sz="2400" b="0" i="0" u="none" strike="noStrike" kern="1200" cap="none" spc="0" normalizeH="0" baseline="0" noProof="0" smtClean="0">
+                <a:ln>
+                  <a:noFill/>
+                </a:ln>
+                <a:solidFill>
+                  <a:prstClr val="black"/>
+                </a:solidFill>
+                <a:effectLst/>
+                <a:uLnTx/>
+                <a:uFillTx/>
+                <a:latin typeface="Arial" panose="020B0604020202020204" pitchFamily="34" charset="0"/>
+                <a:cs typeface="Arial" panose="020B0604020202020204" pitchFamily="34" charset="0"/>
+                <a:sym typeface="Roboto"/>
+              </a:rPr>
+              <a:t>Fourth level</a:t>
+            </a:r>
+          </a:p>
+          <a:p>
+            <a:pPr marL="0" marR="0" lvl="4" indent="0" algn="l" defTabSz="914400" rtl="0" eaLnBrk="1" fontAlgn="auto" latinLnBrk="0" hangingPunct="1">
+              <a:lnSpc>
+                <a:spcPct val="90000"/>
+              </a:lnSpc>
+              <a:spcBef>
+                <a:spcPts val="1000"/>
+              </a:spcBef>
+              <a:spcAft>
+                <a:spcPts val="0"/>
+              </a:spcAft>
+              <a:buClrTx/>
+              <a:buSzTx/>
+              <a:buFont typeface="Arial" panose="020B0604020202020204" pitchFamily="34" charset="0"/>
+              <a:buNone/>
+              <a:tabLst/>
+              <a:defRPr/>
+            </a:pPr>
+            <a:r>
+              <a:rPr kumimoji="0" lang="en-US" sz="2400" b="0" i="0" u="none" strike="noStrike" kern="1200" cap="none" spc="0" normalizeH="0" baseline="0" noProof="0" smtClean="0">
+                <a:ln>
+                  <a:noFill/>
+                </a:ln>
+                <a:solidFill>
+                  <a:prstClr val="black"/>
+                </a:solidFill>
+                <a:effectLst/>
+                <a:uLnTx/>
+                <a:uFillTx/>
+                <a:latin typeface="Arial" panose="020B0604020202020204" pitchFamily="34" charset="0"/>
+                <a:cs typeface="Arial" panose="020B0604020202020204" pitchFamily="34" charset="0"/>
+                <a:sym typeface="Roboto"/>
+              </a:rPr>
+              <a:t>Fifth level</a:t>
+            </a:r>
+            <a:endParaRPr kumimoji="0" lang="en-GB" sz="1600" b="0" i="0" u="none" strike="noStrike" kern="1200" cap="none" spc="0" normalizeH="0" baseline="0" noProof="0" dirty="0" smtClean="0">
+              <a:ln>
+                <a:noFill/>
+              </a:ln>
+              <a:solidFill>
+                <a:prstClr val="black"/>
+              </a:solidFill>
+              <a:effectLst/>
+              <a:uLnTx/>
+              <a:uFillTx/>
+              <a:latin typeface="Arial" panose="020B0604020202020204" pitchFamily="34" charset="0"/>
+              <a:cs typeface="Arial" panose="020B0604020202020204" pitchFamily="34" charset="0"/>
+              <a:sym typeface="Roboto"/>
+            </a:endParaRPr>
           </a:p>
         </p:txBody>
       </p:sp>
     </p:spTree>
     <p:extLst>
       <p:ext uri="{BB962C8B-B14F-4D97-AF65-F5344CB8AC3E}">
-        <p14:creationId xmlns:p14="http://schemas.microsoft.com/office/powerpoint/2010/main" val="1369854720"/>
+        <p14:creationId xmlns:p14="http://schemas.microsoft.com/office/powerpoint/2010/main" val="1230961259"/>
       </p:ext>
     </p:extLst>
   </p:cSld>
@@ -5871,7 +7095,7 @@
     </p:spTree>
     <p:extLst>
       <p:ext uri="{BB962C8B-B14F-4D97-AF65-F5344CB8AC3E}">
-        <p14:creationId xmlns:p14="http://schemas.microsoft.com/office/powerpoint/2010/main" val="361625532"/>
+        <p14:creationId xmlns:p14="http://schemas.microsoft.com/office/powerpoint/2010/main" val="3556150842"/>
       </p:ext>
     </p:extLst>
   </p:cSld>
@@ -6037,42 +7261,92 @@
         <p:txBody>
           <a:bodyPr lIns="91425" tIns="91425" rIns="91425" bIns="91425" anchor="t" anchorCtr="0"/>
           <a:lstStyle>
-            <a:lvl1pPr lvl="0">
-              <a:spcBef>
-                <a:spcPts val="0"/>
-              </a:spcBef>
-              <a:buSzPct val="100000"/>
+            <a:lvl1pPr marL="0" marR="0" lvl="0" indent="0" algn="l" defTabSz="914400" rtl="0" eaLnBrk="1" fontAlgn="auto" latinLnBrk="0" hangingPunct="1">
+              <a:lnSpc>
+                <a:spcPct val="90000"/>
+              </a:lnSpc>
+              <a:spcBef>
+                <a:spcPts val="1000"/>
+              </a:spcBef>
+              <a:spcAft>
+                <a:spcPts val="0"/>
+              </a:spcAft>
+              <a:buClrTx/>
+              <a:buSzTx/>
+              <a:buFont typeface="Arial" panose="020B0604020202020204" pitchFamily="34" charset="0"/>
+              <a:buNone/>
+              <a:tabLst/>
               <a:defRPr sz="2000">
                 <a:latin typeface="Arial" panose="020B0604020202020204" pitchFamily="34" charset="0"/>
                 <a:cs typeface="Arial" panose="020B0604020202020204" pitchFamily="34" charset="0"/>
               </a:defRPr>
             </a:lvl1pPr>
-            <a:lvl2pPr lvl="1">
-              <a:spcBef>
-                <a:spcPts val="0"/>
-              </a:spcBef>
-              <a:buSzPct val="100000"/>
+            <a:lvl2pPr marL="685800" marR="0" lvl="1" indent="-228600" algn="l" defTabSz="914400" rtl="0" eaLnBrk="1" fontAlgn="auto" latinLnBrk="0" hangingPunct="1">
+              <a:lnSpc>
+                <a:spcPct val="90000"/>
+              </a:lnSpc>
+              <a:spcBef>
+                <a:spcPts val="500"/>
+              </a:spcBef>
+              <a:spcAft>
+                <a:spcPts val="0"/>
+              </a:spcAft>
+              <a:buClrTx/>
+              <a:buSzTx/>
+              <a:buFont typeface="Arial" panose="020B0604020202020204" pitchFamily="34" charset="0"/>
+              <a:buChar char="•"/>
+              <a:tabLst/>
               <a:defRPr sz="1600"/>
             </a:lvl2pPr>
-            <a:lvl3pPr lvl="2">
-              <a:spcBef>
-                <a:spcPts val="0"/>
-              </a:spcBef>
-              <a:buSzPct val="100000"/>
+            <a:lvl3pPr marL="1143000" marR="0" lvl="2" indent="-228600" algn="l" defTabSz="914400" rtl="0" eaLnBrk="1" fontAlgn="auto" latinLnBrk="0" hangingPunct="1">
+              <a:lnSpc>
+                <a:spcPct val="90000"/>
+              </a:lnSpc>
+              <a:spcBef>
+                <a:spcPts val="500"/>
+              </a:spcBef>
+              <a:spcAft>
+                <a:spcPts val="0"/>
+              </a:spcAft>
+              <a:buClrTx/>
+              <a:buSzTx/>
+              <a:buFont typeface="Arial" panose="020B0604020202020204" pitchFamily="34" charset="0"/>
+              <a:buChar char="•"/>
+              <a:tabLst/>
               <a:defRPr sz="1600"/>
             </a:lvl3pPr>
-            <a:lvl4pPr lvl="3">
-              <a:spcBef>
-                <a:spcPts val="0"/>
-              </a:spcBef>
-              <a:buSzPct val="100000"/>
+            <a:lvl4pPr marL="1600200" marR="0" lvl="3" indent="-228600" algn="l" defTabSz="914400" rtl="0" eaLnBrk="1" fontAlgn="auto" latinLnBrk="0" hangingPunct="1">
+              <a:lnSpc>
+                <a:spcPct val="90000"/>
+              </a:lnSpc>
+              <a:spcBef>
+                <a:spcPts val="500"/>
+              </a:spcBef>
+              <a:spcAft>
+                <a:spcPts val="0"/>
+              </a:spcAft>
+              <a:buClrTx/>
+              <a:buSzTx/>
+              <a:buFont typeface="Arial" panose="020B0604020202020204" pitchFamily="34" charset="0"/>
+              <a:buChar char="•"/>
+              <a:tabLst/>
               <a:defRPr sz="1600"/>
             </a:lvl4pPr>
-            <a:lvl5pPr lvl="4">
-              <a:spcBef>
-                <a:spcPts val="0"/>
-              </a:spcBef>
-              <a:buSzPct val="100000"/>
+            <a:lvl5pPr marL="2057400" marR="0" lvl="4" indent="-228600" algn="l" defTabSz="914400" rtl="0" eaLnBrk="1" fontAlgn="auto" latinLnBrk="0" hangingPunct="1">
+              <a:lnSpc>
+                <a:spcPct val="90000"/>
+              </a:lnSpc>
+              <a:spcBef>
+                <a:spcPts val="500"/>
+              </a:spcBef>
+              <a:spcAft>
+                <a:spcPts val="0"/>
+              </a:spcAft>
+              <a:buClrTx/>
+              <a:buSzTx/>
+              <a:buFont typeface="Arial" panose="020B0604020202020204" pitchFamily="34" charset="0"/>
+              <a:buChar char="•"/>
+              <a:tabLst/>
               <a:defRPr sz="1600"/>
             </a:lvl5pPr>
             <a:lvl6pPr lvl="5">
@@ -6105,18 +7379,205 @@
             </a:lvl9pPr>
           </a:lstStyle>
           <a:p>
-            <a:pPr lvl="0"/>
-            <a:r>
-              <a:rPr lang="en-US" smtClean="0"/>
+            <a:pPr marL="0" marR="0" lvl="0" indent="0" algn="l" defTabSz="914400" rtl="0" eaLnBrk="1" fontAlgn="auto" latinLnBrk="0" hangingPunct="1">
+              <a:lnSpc>
+                <a:spcPct val="90000"/>
+              </a:lnSpc>
+              <a:spcBef>
+                <a:spcPts val="1000"/>
+              </a:spcBef>
+              <a:spcAft>
+                <a:spcPts val="0"/>
+              </a:spcAft>
+              <a:buClrTx/>
+              <a:buSzTx/>
+              <a:buFont typeface="Arial" panose="020B0604020202020204" pitchFamily="34" charset="0"/>
+              <a:buNone/>
+              <a:tabLst/>
+              <a:defRPr/>
+            </a:pPr>
+            <a:r>
+              <a:rPr kumimoji="0" lang="en-US" sz="2400" b="0" i="0" u="none" strike="noStrike" kern="1200" cap="none" spc="0" normalizeH="0" baseline="0" noProof="0" smtClean="0">
+                <a:ln>
+                  <a:noFill/>
+                </a:ln>
+                <a:solidFill>
+                  <a:prstClr val="black"/>
+                </a:solidFill>
+                <a:effectLst/>
+                <a:uLnTx/>
+                <a:uFillTx/>
+                <a:latin typeface="Arial" panose="020B0604020202020204" pitchFamily="34" charset="0"/>
+                <a:cs typeface="Arial" panose="020B0604020202020204" pitchFamily="34" charset="0"/>
+                <a:sym typeface="Roboto"/>
+              </a:rPr>
               <a:t>Edit Master text styles</a:t>
             </a:r>
+          </a:p>
+          <a:p>
+            <a:pPr marL="0" marR="0" lvl="1" indent="0" algn="l" defTabSz="914400" rtl="0" eaLnBrk="1" fontAlgn="auto" latinLnBrk="0" hangingPunct="1">
+              <a:lnSpc>
+                <a:spcPct val="90000"/>
+              </a:lnSpc>
+              <a:spcBef>
+                <a:spcPts val="1000"/>
+              </a:spcBef>
+              <a:spcAft>
+                <a:spcPts val="0"/>
+              </a:spcAft>
+              <a:buClrTx/>
+              <a:buSzTx/>
+              <a:buFont typeface="Arial" panose="020B0604020202020204" pitchFamily="34" charset="0"/>
+              <a:buNone/>
+              <a:tabLst/>
+              <a:defRPr/>
+            </a:pPr>
+            <a:r>
+              <a:rPr kumimoji="0" lang="en-US" sz="2400" b="0" i="0" u="none" strike="noStrike" kern="1200" cap="none" spc="0" normalizeH="0" baseline="0" noProof="0" smtClean="0">
+                <a:ln>
+                  <a:noFill/>
+                </a:ln>
+                <a:solidFill>
+                  <a:prstClr val="black"/>
+                </a:solidFill>
+                <a:effectLst/>
+                <a:uLnTx/>
+                <a:uFillTx/>
+                <a:latin typeface="Arial" panose="020B0604020202020204" pitchFamily="34" charset="0"/>
+                <a:cs typeface="Arial" panose="020B0604020202020204" pitchFamily="34" charset="0"/>
+                <a:sym typeface="Roboto"/>
+              </a:rPr>
+              <a:t>Second level</a:t>
+            </a:r>
+          </a:p>
+          <a:p>
+            <a:pPr marL="0" marR="0" lvl="2" indent="0" algn="l" defTabSz="914400" rtl="0" eaLnBrk="1" fontAlgn="auto" latinLnBrk="0" hangingPunct="1">
+              <a:lnSpc>
+                <a:spcPct val="90000"/>
+              </a:lnSpc>
+              <a:spcBef>
+                <a:spcPts val="1000"/>
+              </a:spcBef>
+              <a:spcAft>
+                <a:spcPts val="0"/>
+              </a:spcAft>
+              <a:buClrTx/>
+              <a:buSzTx/>
+              <a:buFont typeface="Arial" panose="020B0604020202020204" pitchFamily="34" charset="0"/>
+              <a:buNone/>
+              <a:tabLst/>
+              <a:defRPr/>
+            </a:pPr>
+            <a:r>
+              <a:rPr kumimoji="0" lang="en-US" sz="2400" b="0" i="0" u="none" strike="noStrike" kern="1200" cap="none" spc="0" normalizeH="0" baseline="0" noProof="0" smtClean="0">
+                <a:ln>
+                  <a:noFill/>
+                </a:ln>
+                <a:solidFill>
+                  <a:prstClr val="black"/>
+                </a:solidFill>
+                <a:effectLst/>
+                <a:uLnTx/>
+                <a:uFillTx/>
+                <a:latin typeface="Arial" panose="020B0604020202020204" pitchFamily="34" charset="0"/>
+                <a:cs typeface="Arial" panose="020B0604020202020204" pitchFamily="34" charset="0"/>
+                <a:sym typeface="Roboto"/>
+              </a:rPr>
+              <a:t>Third level</a:t>
+            </a:r>
+          </a:p>
+          <a:p>
+            <a:pPr marL="0" marR="0" lvl="3" indent="0" algn="l" defTabSz="914400" rtl="0" eaLnBrk="1" fontAlgn="auto" latinLnBrk="0" hangingPunct="1">
+              <a:lnSpc>
+                <a:spcPct val="90000"/>
+              </a:lnSpc>
+              <a:spcBef>
+                <a:spcPts val="1000"/>
+              </a:spcBef>
+              <a:spcAft>
+                <a:spcPts val="0"/>
+              </a:spcAft>
+              <a:buClrTx/>
+              <a:buSzTx/>
+              <a:buFont typeface="Arial" panose="020B0604020202020204" pitchFamily="34" charset="0"/>
+              <a:buNone/>
+              <a:tabLst/>
+              <a:defRPr/>
+            </a:pPr>
+            <a:r>
+              <a:rPr kumimoji="0" lang="en-US" sz="2400" b="0" i="0" u="none" strike="noStrike" kern="1200" cap="none" spc="0" normalizeH="0" baseline="0" noProof="0" smtClean="0">
+                <a:ln>
+                  <a:noFill/>
+                </a:ln>
+                <a:solidFill>
+                  <a:prstClr val="black"/>
+                </a:solidFill>
+                <a:effectLst/>
+                <a:uLnTx/>
+                <a:uFillTx/>
+                <a:latin typeface="Arial" panose="020B0604020202020204" pitchFamily="34" charset="0"/>
+                <a:cs typeface="Arial" panose="020B0604020202020204" pitchFamily="34" charset="0"/>
+                <a:sym typeface="Roboto"/>
+              </a:rPr>
+              <a:t>Fourth level</a:t>
+            </a:r>
+          </a:p>
+          <a:p>
+            <a:pPr marL="0" marR="0" lvl="4" indent="0" algn="l" defTabSz="914400" rtl="0" eaLnBrk="1" fontAlgn="auto" latinLnBrk="0" hangingPunct="1">
+              <a:lnSpc>
+                <a:spcPct val="90000"/>
+              </a:lnSpc>
+              <a:spcBef>
+                <a:spcPts val="1000"/>
+              </a:spcBef>
+              <a:spcAft>
+                <a:spcPts val="0"/>
+              </a:spcAft>
+              <a:buClrTx/>
+              <a:buSzTx/>
+              <a:buFont typeface="Arial" panose="020B0604020202020204" pitchFamily="34" charset="0"/>
+              <a:buNone/>
+              <a:tabLst/>
+              <a:defRPr/>
+            </a:pPr>
+            <a:r>
+              <a:rPr kumimoji="0" lang="en-US" sz="2400" b="0" i="0" u="none" strike="noStrike" kern="1200" cap="none" spc="0" normalizeH="0" baseline="0" noProof="0" smtClean="0">
+                <a:ln>
+                  <a:noFill/>
+                </a:ln>
+                <a:solidFill>
+                  <a:prstClr val="black"/>
+                </a:solidFill>
+                <a:effectLst/>
+                <a:uLnTx/>
+                <a:uFillTx/>
+                <a:latin typeface="Arial" panose="020B0604020202020204" pitchFamily="34" charset="0"/>
+                <a:cs typeface="Arial" panose="020B0604020202020204" pitchFamily="34" charset="0"/>
+                <a:sym typeface="Roboto"/>
+              </a:rPr>
+              <a:t>Fifth level</a:t>
+            </a:r>
+            <a:endParaRPr kumimoji="0" lang="en-GB" sz="1600" b="0" i="0" u="none" strike="noStrike" kern="1200" cap="none" spc="0" normalizeH="0" baseline="0" noProof="0" dirty="0" smtClean="0">
+              <a:ln>
+                <a:noFill/>
+              </a:ln>
+              <a:solidFill>
+                <a:prstClr val="black"/>
+              </a:solidFill>
+              <a:effectLst/>
+              <a:uLnTx/>
+              <a:uFillTx/>
+              <a:latin typeface="Arial" panose="020B0604020202020204" pitchFamily="34" charset="0"/>
+              <a:cs typeface="Arial" panose="020B0604020202020204" pitchFamily="34" charset="0"/>
+              <a:sym typeface="Roboto"/>
+            </a:endParaRPr>
           </a:p>
         </p:txBody>
       </p:sp>
     </p:spTree>
     <p:extLst>
       <p:ext uri="{BB962C8B-B14F-4D97-AF65-F5344CB8AC3E}">
-        <p14:creationId xmlns:p14="http://schemas.microsoft.com/office/powerpoint/2010/main" val="2701562560"/>
+        <p14:creationId xmlns:p14="http://schemas.microsoft.com/office/powerpoint/2010/main" val="2275465688"/>
       </p:ext>
     </p:extLst>
   </p:cSld>
@@ -6549,7 +8010,7 @@
     </p:spTree>
     <p:extLst>
       <p:ext uri="{BB962C8B-B14F-4D97-AF65-F5344CB8AC3E}">
-        <p14:creationId xmlns:p14="http://schemas.microsoft.com/office/powerpoint/2010/main" val="3034677631"/>
+        <p14:creationId xmlns:p14="http://schemas.microsoft.com/office/powerpoint/2010/main" val="1250140366"/>
       </p:ext>
     </p:extLst>
   </p:cSld>
@@ -7252,7 +8713,7 @@
     </p:spTree>
     <p:extLst>
       <p:ext uri="{BB962C8B-B14F-4D97-AF65-F5344CB8AC3E}">
-        <p14:creationId xmlns:p14="http://schemas.microsoft.com/office/powerpoint/2010/main" val="3411708384"/>
+        <p14:creationId xmlns:p14="http://schemas.microsoft.com/office/powerpoint/2010/main" val="3657846142"/>
       </p:ext>
     </p:extLst>
   </p:cSld>
@@ -7330,7 +8791,7 @@
     </p:spTree>
     <p:extLst>
       <p:ext uri="{BB962C8B-B14F-4D97-AF65-F5344CB8AC3E}">
-        <p14:creationId xmlns:p14="http://schemas.microsoft.com/office/powerpoint/2010/main" val="2432215435"/>
+        <p14:creationId xmlns:p14="http://schemas.microsoft.com/office/powerpoint/2010/main" val="2128477106"/>
       </p:ext>
     </p:extLst>
   </p:cSld>
@@ -7912,7 +9373,7 @@
     </p:spTree>
     <p:extLst>
       <p:ext uri="{BB962C8B-B14F-4D97-AF65-F5344CB8AC3E}">
-        <p14:creationId xmlns:p14="http://schemas.microsoft.com/office/powerpoint/2010/main" val="4199034409"/>
+        <p14:creationId xmlns:p14="http://schemas.microsoft.com/office/powerpoint/2010/main" val="1500362206"/>
       </p:ext>
     </p:extLst>
   </p:cSld>
@@ -8833,7 +10294,7 @@
     </p:spTree>
     <p:extLst>
       <p:ext uri="{BB962C8B-B14F-4D97-AF65-F5344CB8AC3E}">
-        <p14:creationId xmlns:p14="http://schemas.microsoft.com/office/powerpoint/2010/main" val="1606138335"/>
+        <p14:creationId xmlns:p14="http://schemas.microsoft.com/office/powerpoint/2010/main" val="4088730228"/>
       </p:ext>
     </p:extLst>
   </p:cSld>
@@ -9506,7 +10967,7 @@
           <a:p>
             <a:pPr lvl="1"/>
             <a:r>
-              <a:rPr/>
+              <a:rPr sz="2400" dirty="0"/>
               <a:t>Ask your learners to take a little time to read the biography they were given. Share with your learners that they should adopt the “personality” of the tracker listed on their card. Once the activity begins, they will have two minutes to learn meet and get to know the others in the room.</a:t>
             </a:r>
           </a:p>
@@ -9569,7 +11030,12 @@
             <p:ph idx="1"/>
           </p:nvPr>
         </p:nvSpPr>
-        <p:spPr/>
+        <p:spPr>
+          <a:xfrm>
+            <a:off x="415601" y="1639833"/>
+            <a:ext cx="5983472" cy="4452000"/>
+          </a:xfrm>
+        </p:spPr>
         <p:txBody>
           <a:bodyPr/>
           <a:lstStyle/>
@@ -9581,26 +11047,55 @@
               <a:buNone/>
             </a:pPr>
             <a:r>
-              <a:rPr b="1"/>
+              <a:rPr sz="2400" b="1" dirty="0"/>
               <a:t>Online Activity: Changing Your Privacy Settings</a:t>
             </a:r>
           </a:p>
           <a:p>
             <a:pPr lvl="1"/>
             <a:r>
-              <a:rPr/>
+              <a:rPr sz="2400" dirty="0"/>
               <a:t>Browser Privacy Checklist</a:t>
             </a:r>
           </a:p>
           <a:p>
             <a:pPr lvl="1"/>
             <a:r>
-              <a:rPr/>
+              <a:rPr sz="2400" dirty="0"/>
               <a:t>Use this checklist to guide you through the process of updating the privacy settings in your browser!</a:t>
             </a:r>
           </a:p>
         </p:txBody>
       </p:sp>
+      <p:pic>
+        <p:nvPicPr>
+          <p:cNvPr id="4" name="Picture 3" descr="../images/worksheet2.png"/>
+          <p:cNvPicPr>
+            <a:picLocks noGrp="1" noChangeAspect="1"/>
+          </p:cNvPicPr>
+          <p:nvPr/>
+        </p:nvPicPr>
+        <p:blipFill rotWithShape="1">
+          <a:blip r:embed="rId3"/>
+          <a:srcRect l="3549" t="3469" r="2590" b="2285"/>
+          <a:stretch/>
+        </p:blipFill>
+        <p:spPr bwMode="auto">
+          <a:xfrm>
+            <a:off x="6399073" y="1496291"/>
+            <a:ext cx="4490599" cy="4059382"/>
+          </a:xfrm>
+          <a:prstGeom prst="rect">
+            <a:avLst/>
+          </a:prstGeom>
+          <a:noFill/>
+          <a:ln w="9525">
+            <a:noFill/>
+            <a:headEnd/>
+            <a:tailEnd/>
+          </a:ln>
+        </p:spPr>
+      </p:pic>
     </p:spTree>
   </p:cSld>
   <p:clrMapOvr>
@@ -9610,7 +11105,7 @@
 </file>
 
 <file path=ppt/slides/slide12.xml><?xml version="1.0" encoding="utf-8"?>
-<p:sld xmlns:a="http://schemas.openxmlformats.org/drawingml/2006/main" xmlns:r="http://schemas.openxmlformats.org/officeDocument/2006/relationships" xmlns:p="http://schemas.openxmlformats.org/presentationml/2006/main">
+<p:sld xmlns:a="http://schemas.openxmlformats.org/drawingml/2006/main" xmlns:r="http://schemas.openxmlformats.org/officeDocument/2006/relationships" xmlns:p="http://schemas.openxmlformats.org/presentationml/2006/main" show="0">
   <p:cSld>
     <p:spTree>
       <p:nvGrpSpPr>
@@ -9689,10 +11184,127 @@
   <p:clrMapOvr>
     <a:masterClrMapping/>
   </p:clrMapOvr>
+  <mc:AlternateContent xmlns:mc="http://schemas.openxmlformats.org/markup-compatibility/2006" xmlns:p14="http://schemas.microsoft.com/office/powerpoint/2010/main">
+    <mc:Choice Requires="p14">
+      <p:transition spd="med" p14:dur="700">
+        <p:fade/>
+      </p:transition>
+    </mc:Choice>
+    <mc:Fallback xmlns="">
+      <p:transition spd="med">
+        <p:fade/>
+      </p:transition>
+    </mc:Fallback>
+  </mc:AlternateContent>
 </p:sld>
 </file>
 
 <file path=ppt/slides/slide13.xml><?xml version="1.0" encoding="utf-8"?>
+<p:sld xmlns:a="http://schemas.openxmlformats.org/drawingml/2006/main" xmlns:r="http://schemas.openxmlformats.org/officeDocument/2006/relationships" xmlns:p="http://schemas.openxmlformats.org/presentationml/2006/main">
+  <p:cSld>
+    <p:spTree>
+      <p:nvGrpSpPr>
+        <p:cNvPr id="1" name=""/>
+        <p:cNvGrpSpPr/>
+        <p:nvPr/>
+      </p:nvGrpSpPr>
+      <p:grpSpPr>
+        <a:xfrm>
+          <a:off x="0" y="0"/>
+          <a:ext cx="0" cy="0"/>
+          <a:chOff x="0" y="0"/>
+          <a:chExt cx="0" cy="0"/>
+        </a:xfrm>
+      </p:grpSpPr>
+      <p:sp>
+        <p:nvSpPr>
+          <p:cNvPr id="2" name="Title 1"/>
+          <p:cNvSpPr>
+            <a:spLocks noGrp="1"/>
+          </p:cNvSpPr>
+          <p:nvPr>
+            <p:ph type="title"/>
+          </p:nvPr>
+        </p:nvSpPr>
+        <p:spPr/>
+        <p:txBody>
+          <a:bodyPr/>
+          <a:lstStyle/>
+          <a:p>
+            <a:r>
+              <a:rPr lang="en-GB" dirty="0"/>
+              <a:t>Offline Activity: Creating Strong Passwords</a:t>
+            </a:r>
+            <a:br>
+              <a:rPr lang="en-GB" dirty="0"/>
+            </a:br>
+            <a:endParaRPr lang="en-GB" dirty="0"/>
+          </a:p>
+        </p:txBody>
+      </p:sp>
+      <p:sp>
+        <p:nvSpPr>
+          <p:cNvPr id="5" name="Content Placeholder 4"/>
+          <p:cNvSpPr>
+            <a:spLocks noGrp="1"/>
+          </p:cNvSpPr>
+          <p:nvPr>
+            <p:ph idx="1"/>
+          </p:nvPr>
+        </p:nvSpPr>
+        <p:spPr/>
+        <p:txBody>
+          <a:bodyPr/>
+          <a:lstStyle/>
+          <a:p>
+            <a:endParaRPr lang="en-GB" dirty="0"/>
+          </a:p>
+        </p:txBody>
+      </p:sp>
+      <p:pic>
+        <p:nvPicPr>
+          <p:cNvPr id="4" name="Picture 3" descr="../images/xkcd.png"/>
+          <p:cNvPicPr>
+            <a:picLocks noGrp="1" noChangeAspect="1"/>
+          </p:cNvPicPr>
+          <p:nvPr/>
+        </p:nvPicPr>
+        <p:blipFill>
+          <a:blip r:embed="rId3"/>
+          <a:stretch>
+            <a:fillRect/>
+          </a:stretch>
+        </p:blipFill>
+        <p:spPr bwMode="auto">
+          <a:xfrm>
+            <a:off x="419095" y="1600200"/>
+            <a:ext cx="6216592" cy="5049982"/>
+          </a:xfrm>
+          <a:prstGeom prst="rect">
+            <a:avLst/>
+          </a:prstGeom>
+          <a:noFill/>
+          <a:ln w="9525">
+            <a:noFill/>
+            <a:headEnd/>
+            <a:tailEnd/>
+          </a:ln>
+        </p:spPr>
+      </p:pic>
+    </p:spTree>
+    <p:extLst>
+      <p:ext uri="{BB962C8B-B14F-4D97-AF65-F5344CB8AC3E}">
+        <p14:creationId xmlns:p14="http://schemas.microsoft.com/office/powerpoint/2010/main" val="1130448861"/>
+      </p:ext>
+    </p:extLst>
+  </p:cSld>
+  <p:clrMapOvr>
+    <a:masterClrMapping/>
+  </p:clrMapOvr>
+</p:sld>
+</file>
+
+<file path=ppt/slides/slide14.xml><?xml version="1.0" encoding="utf-8"?>
 <p:sld xmlns:a="http://schemas.openxmlformats.org/drawingml/2006/main" xmlns:r="http://schemas.openxmlformats.org/officeDocument/2006/relationships" xmlns:p="http://schemas.openxmlformats.org/presentationml/2006/main">
   <p:cSld>
     <p:spTree>
@@ -9731,7 +11343,7 @@
               <a:buNone/>
             </a:pPr>
             <a:r>
-              <a:rPr b="1"/>
+              <a:rPr b="1" dirty="0"/>
               <a:t>Offline Activity: Creating Strong Passwords</a:t>
             </a:r>
           </a:p>
@@ -9745,7 +11357,7 @@
 </p:sld>
 </file>
 
-<file path=ppt/slides/slide14.xml><?xml version="1.0" encoding="utf-8"?>
+<file path=ppt/slides/slide15.xml><?xml version="1.0" encoding="utf-8"?>
 <p:sld xmlns:a="http://schemas.openxmlformats.org/drawingml/2006/main" xmlns:r="http://schemas.openxmlformats.org/officeDocument/2006/relationships" xmlns:p="http://schemas.openxmlformats.org/presentationml/2006/main">
   <p:cSld>
     <p:spTree>
@@ -9828,8 +11440,129 @@
 </p:sld>
 </file>
 
-<file path=ppt/slides/slide15.xml><?xml version="1.0" encoding="utf-8"?>
+<file path=ppt/slides/slide16.xml><?xml version="1.0" encoding="utf-8"?>
 <p:sld xmlns:a="http://schemas.openxmlformats.org/drawingml/2006/main" xmlns:r="http://schemas.openxmlformats.org/officeDocument/2006/relationships" xmlns:p="http://schemas.openxmlformats.org/presentationml/2006/main">
+  <p:cSld>
+    <p:spTree>
+      <p:nvGrpSpPr>
+        <p:cNvPr id="1" name=""/>
+        <p:cNvGrpSpPr/>
+        <p:nvPr/>
+      </p:nvGrpSpPr>
+      <p:grpSpPr>
+        <a:xfrm>
+          <a:off x="0" y="0"/>
+          <a:ext cx="0" cy="0"/>
+          <a:chOff x="0" y="0"/>
+          <a:chExt cx="0" cy="0"/>
+        </a:xfrm>
+      </p:grpSpPr>
+      <p:sp>
+        <p:nvSpPr>
+          <p:cNvPr id="4" name="Title 3"/>
+          <p:cNvSpPr>
+            <a:spLocks noGrp="1"/>
+          </p:cNvSpPr>
+          <p:nvPr>
+            <p:ph type="title"/>
+          </p:nvPr>
+        </p:nvSpPr>
+        <p:spPr/>
+        <p:txBody>
+          <a:bodyPr/>
+          <a:lstStyle/>
+          <a:p>
+            <a:r>
+              <a:rPr lang="en-GB" dirty="0" smtClean="0"/>
+              <a:t>Pass Phrases</a:t>
+            </a:r>
+            <a:endParaRPr lang="en-GB" dirty="0"/>
+          </a:p>
+        </p:txBody>
+      </p:sp>
+      <p:sp>
+        <p:nvSpPr>
+          <p:cNvPr id="3" name="Content Placeholder 2"/>
+          <p:cNvSpPr>
+            <a:spLocks noGrp="1"/>
+          </p:cNvSpPr>
+          <p:nvPr>
+            <p:ph idx="1"/>
+          </p:nvPr>
+        </p:nvSpPr>
+        <p:spPr/>
+        <p:txBody>
+          <a:bodyPr/>
+          <a:lstStyle/>
+          <a:p>
+            <a:r>
+              <a:rPr lang="en-GB" sz="2400" dirty="0" smtClean="0"/>
+              <a:t>try this </a:t>
+            </a:r>
+            <a:r>
+              <a:rPr lang="en-GB" sz="2400" dirty="0" smtClean="0">
+                <a:hlinkClick r:id="rId3"/>
+              </a:rPr>
+              <a:t>passphrase generator</a:t>
+            </a:r>
+            <a:r>
+              <a:rPr lang="en-GB" sz="2400" dirty="0" smtClean="0"/>
+              <a:t>.</a:t>
+            </a:r>
+          </a:p>
+          <a:p>
+            <a:pPr lvl="2"/>
+            <a:r>
+              <a:rPr lang="en-GB" sz="2400" dirty="0" smtClean="0"/>
+              <a:t>Which passphrases are easier to remember? Why?</a:t>
+            </a:r>
+          </a:p>
+          <a:p>
+            <a:pPr lvl="2"/>
+            <a:r>
+              <a:rPr lang="en-GB" sz="2400" dirty="0" smtClean="0"/>
+              <a:t>Which might be easier to guess? Why?</a:t>
+            </a:r>
+          </a:p>
+          <a:p>
+            <a:pPr lvl="2"/>
+            <a:r>
+              <a:rPr lang="en-GB" sz="2400" dirty="0" smtClean="0"/>
+              <a:t>What other tips might you have about protecting your online accounts?</a:t>
+            </a:r>
+          </a:p>
+          <a:p>
+            <a:pPr lvl="3"/>
+            <a:r>
+              <a:rPr lang="en-GB" sz="2400" dirty="0" smtClean="0"/>
+              <a:t>Enabling 2-factor identification</a:t>
+            </a:r>
+          </a:p>
+          <a:p>
+            <a:pPr lvl="3"/>
+            <a:r>
+              <a:rPr lang="en-GB" sz="2400" dirty="0" smtClean="0"/>
+              <a:t>Using password managers</a:t>
+            </a:r>
+            <a:endParaRPr lang="en-GB" sz="2400" dirty="0"/>
+          </a:p>
+        </p:txBody>
+      </p:sp>
+    </p:spTree>
+    <p:extLst>
+      <p:ext uri="{BB962C8B-B14F-4D97-AF65-F5344CB8AC3E}">
+        <p14:creationId xmlns:p14="http://schemas.microsoft.com/office/powerpoint/2010/main" val="3307287405"/>
+      </p:ext>
+    </p:extLst>
+  </p:cSld>
+  <p:clrMapOvr>
+    <a:masterClrMapping/>
+  </p:clrMapOvr>
+</p:sld>
+</file>
+
+<file path=ppt/slides/slide17.xml><?xml version="1.0" encoding="utf-8"?>
+<p:sld xmlns:a="http://schemas.openxmlformats.org/drawingml/2006/main" xmlns:r="http://schemas.openxmlformats.org/officeDocument/2006/relationships" xmlns:p="http://schemas.openxmlformats.org/presentationml/2006/main" show="0">
   <p:cSld>
     <p:spTree>
       <p:nvGrpSpPr>
@@ -9858,7 +11591,7 @@
         <p:spPr/>
         <p:txBody>
           <a:bodyPr>
-            <a:normAutofit fontScale="47500" lnSpcReduction="20000"/>
+            <a:normAutofit fontScale="77500" lnSpcReduction="20000"/>
           </a:bodyPr>
           <a:lstStyle/>
           <a:p>
@@ -9954,10 +11687,117 @@
   <p:clrMapOvr>
     <a:masterClrMapping/>
   </p:clrMapOvr>
+  <mc:AlternateContent xmlns:mc="http://schemas.openxmlformats.org/markup-compatibility/2006" xmlns:p14="http://schemas.microsoft.com/office/powerpoint/2010/main">
+    <mc:Choice Requires="p14">
+      <p:transition spd="med" p14:dur="700">
+        <p:fade/>
+      </p:transition>
+    </mc:Choice>
+    <mc:Fallback xmlns="">
+      <p:transition spd="med">
+        <p:fade/>
+      </p:transition>
+    </mc:Fallback>
+  </mc:AlternateContent>
 </p:sld>
 </file>
 
-<file path=ppt/slides/slide16.xml><?xml version="1.0" encoding="utf-8"?>
+<file path=ppt/slides/slide18.xml><?xml version="1.0" encoding="utf-8"?>
+<p:sld xmlns:a="http://schemas.openxmlformats.org/drawingml/2006/main" xmlns:r="http://schemas.openxmlformats.org/officeDocument/2006/relationships" xmlns:p="http://schemas.openxmlformats.org/presentationml/2006/main" show="0">
+  <p:cSld>
+    <p:spTree>
+      <p:nvGrpSpPr>
+        <p:cNvPr id="1" name=""/>
+        <p:cNvGrpSpPr/>
+        <p:nvPr/>
+      </p:nvGrpSpPr>
+      <p:grpSpPr>
+        <a:xfrm>
+          <a:off x="0" y="0"/>
+          <a:ext cx="0" cy="0"/>
+          <a:chOff x="0" y="0"/>
+          <a:chExt cx="0" cy="0"/>
+        </a:xfrm>
+      </p:grpSpPr>
+      <p:sp>
+        <p:nvSpPr>
+          <p:cNvPr id="2" name="Title 1"/>
+          <p:cNvSpPr>
+            <a:spLocks noGrp="1"/>
+          </p:cNvSpPr>
+          <p:nvPr>
+            <p:ph type="title"/>
+          </p:nvPr>
+        </p:nvSpPr>
+        <p:spPr/>
+        <p:txBody>
+          <a:bodyPr/>
+          <a:lstStyle/>
+          <a:p>
+            <a:r>
+              <a:rPr/>
+              <a:t>Hacker Cards</a:t>
+            </a:r>
+          </a:p>
+        </p:txBody>
+      </p:sp>
+      <p:sp>
+        <p:nvSpPr>
+          <p:cNvPr id="3" name="Content Placeholder 2"/>
+          <p:cNvSpPr>
+            <a:spLocks noGrp="1"/>
+          </p:cNvSpPr>
+          <p:nvPr>
+            <p:ph idx="1"/>
+          </p:nvPr>
+        </p:nvSpPr>
+        <p:spPr/>
+        <p:txBody>
+          <a:bodyPr/>
+          <a:lstStyle/>
+          <a:p>
+            <a:pPr marL="0" indent="0">
+              <a:buNone/>
+            </a:pPr>
+            <a:r>
+              <a:rPr>
+                <a:hlinkClick r:id="rId3"/>
+              </a:rPr>
+              <a:t>https://thimbleprojects.org/mozillalearning/308795/</a:t>
+            </a:r>
+          </a:p>
+          <a:p>
+            <a:pPr marL="0" indent="0">
+              <a:buNone/>
+            </a:pPr>
+            <a:r>
+              <a:rPr/>
+              <a:t>If they come across a card they’d like to discuss, ask them to raise their hand.</a:t>
+            </a:r>
+          </a:p>
+        </p:txBody>
+      </p:sp>
+    </p:spTree>
+  </p:cSld>
+  <p:clrMapOvr>
+    <a:masterClrMapping/>
+  </p:clrMapOvr>
+  <mc:AlternateContent xmlns:mc="http://schemas.openxmlformats.org/markup-compatibility/2006" xmlns:p14="http://schemas.microsoft.com/office/powerpoint/2010/main">
+    <mc:Choice Requires="p14">
+      <p:transition spd="med" p14:dur="700">
+        <p:fade/>
+      </p:transition>
+    </mc:Choice>
+    <mc:Fallback xmlns="">
+      <p:transition spd="med">
+        <p:fade/>
+      </p:transition>
+    </mc:Fallback>
+  </mc:AlternateContent>
+</p:sld>
+</file>
+
+<file path=ppt/slides/slide19.xml><?xml version="1.0" encoding="utf-8"?>
 <p:sld xmlns:a="http://schemas.openxmlformats.org/drawingml/2006/main" xmlns:r="http://schemas.openxmlformats.org/officeDocument/2006/relationships" xmlns:p="http://schemas.openxmlformats.org/presentationml/2006/main">
   <p:cSld>
     <p:spTree>
@@ -9991,7 +11831,7 @@
           <a:p>
             <a:r>
               <a:rPr/>
-              <a:t>Hacker Cards</a:t>
+              <a:t>Wrap-Up and Reflection</a:t>
             </a:r>
           </a:p>
         </p:txBody>
@@ -10011,178 +11851,45 @@
           <a:bodyPr/>
           <a:lstStyle/>
           <a:p>
-            <a:pPr marL="0" indent="0">
-              <a:buNone/>
-            </a:pPr>
-            <a:r>
-              <a:rPr>
-                <a:hlinkClick r:id="rId3"/>
-              </a:rPr>
-              <a:t>https://thimbleprojects.org/mozillalearning/308795/</a:t>
-            </a:r>
-          </a:p>
-          <a:p>
-            <a:pPr marL="0" indent="0">
-              <a:buNone/>
-            </a:pPr>
-            <a:r>
-              <a:rPr/>
-              <a:t>If they come across a card they’d like to discuss, ask them to raise their hand.</a:t>
-            </a:r>
-          </a:p>
-        </p:txBody>
-      </p:sp>
-    </p:spTree>
-  </p:cSld>
-  <p:clrMapOvr>
-    <a:masterClrMapping/>
-  </p:clrMapOvr>
-</p:sld>
-</file>
-
-<file path=ppt/slides/slide17.xml><?xml version="1.0" encoding="utf-8"?>
-<p:sld xmlns:a="http://schemas.openxmlformats.org/drawingml/2006/main" xmlns:r="http://schemas.openxmlformats.org/officeDocument/2006/relationships" xmlns:p="http://schemas.openxmlformats.org/presentationml/2006/main">
-  <p:cSld>
-    <p:spTree>
-      <p:nvGrpSpPr>
-        <p:cNvPr id="1" name=""/>
-        <p:cNvGrpSpPr/>
-        <p:nvPr/>
-      </p:nvGrpSpPr>
-      <p:grpSpPr>
-        <a:xfrm>
-          <a:off x="0" y="0"/>
-          <a:ext cx="0" cy="0"/>
-          <a:chOff x="0" y="0"/>
-          <a:chExt cx="0" cy="0"/>
-        </a:xfrm>
-      </p:grpSpPr>
-      <p:sp>
-        <p:nvSpPr>
-          <p:cNvPr id="2" name="Title 1"/>
-          <p:cNvSpPr>
-            <a:spLocks noGrp="1"/>
-          </p:cNvSpPr>
-          <p:nvPr>
-            <p:ph type="title"/>
-          </p:nvPr>
-        </p:nvSpPr>
-        <p:spPr/>
-        <p:txBody>
-          <a:bodyPr/>
-          <a:lstStyle/>
-          <a:p>
-            <a:r>
-              <a:rPr/>
-              <a:t>Wrap-Up and Reflection</a:t>
-            </a:r>
-          </a:p>
-        </p:txBody>
-      </p:sp>
-      <p:sp>
-        <p:nvSpPr>
-          <p:cNvPr id="3" name="Content Placeholder 2"/>
-          <p:cNvSpPr>
-            <a:spLocks noGrp="1"/>
-          </p:cNvSpPr>
-          <p:nvPr>
-            <p:ph idx="1"/>
-          </p:nvPr>
-        </p:nvSpPr>
-        <p:spPr/>
-        <p:txBody>
-          <a:bodyPr/>
-          <a:lstStyle/>
-          <a:p>
             <a:pPr lvl="1"/>
             <a:r>
-              <a:rPr/>
-              <a:t>What do you learn did you did not know before?</a:t>
+              <a:rPr sz="2400" dirty="0"/>
+              <a:t>What </a:t>
+            </a:r>
+            <a:r>
+              <a:rPr lang="en-GB" sz="2400" dirty="0" smtClean="0"/>
+              <a:t>did</a:t>
+            </a:r>
+            <a:r>
+              <a:rPr sz="2400" dirty="0" smtClean="0"/>
+              <a:t> </a:t>
+            </a:r>
+            <a:r>
+              <a:rPr sz="2400" dirty="0"/>
+              <a:t>you </a:t>
+            </a:r>
+            <a:r>
+              <a:rPr sz="2400" dirty="0" smtClean="0"/>
+              <a:t>learn </a:t>
+            </a:r>
+            <a:r>
+              <a:rPr lang="en-GB" sz="2400" dirty="0" smtClean="0"/>
+              <a:t>that </a:t>
+            </a:r>
+            <a:r>
+              <a:rPr sz="2400" dirty="0" smtClean="0"/>
+              <a:t>you </a:t>
+            </a:r>
+            <a:r>
+              <a:rPr sz="2400" dirty="0"/>
+              <a:t>did not know before?</a:t>
             </a:r>
           </a:p>
           <a:p>
             <a:pPr lvl="1"/>
             <a:r>
-              <a:rPr/>
+              <a:rPr sz="2400" dirty="0"/>
               <a:t>What surprised you?</a:t>
-            </a:r>
-          </a:p>
-        </p:txBody>
-      </p:sp>
-    </p:spTree>
-  </p:cSld>
-  <p:clrMapOvr>
-    <a:masterClrMapping/>
-  </p:clrMapOvr>
-</p:sld>
-</file>
-
-<file path=ppt/slides/slide18.xml><?xml version="1.0" encoding="utf-8"?>
-<p:sld xmlns:a="http://schemas.openxmlformats.org/drawingml/2006/main" xmlns:r="http://schemas.openxmlformats.org/officeDocument/2006/relationships" xmlns:p="http://schemas.openxmlformats.org/presentationml/2006/main">
-  <p:cSld>
-    <p:spTree>
-      <p:nvGrpSpPr>
-        <p:cNvPr id="1" name=""/>
-        <p:cNvGrpSpPr/>
-        <p:nvPr/>
-      </p:nvGrpSpPr>
-      <p:grpSpPr>
-        <a:xfrm>
-          <a:off x="0" y="0"/>
-          <a:ext cx="0" cy="0"/>
-          <a:chOff x="0" y="0"/>
-          <a:chExt cx="0" cy="0"/>
-        </a:xfrm>
-      </p:grpSpPr>
-      <p:sp>
-        <p:nvSpPr>
-          <p:cNvPr id="2" name="Title 1"/>
-          <p:cNvSpPr>
-            <a:spLocks noGrp="1"/>
-          </p:cNvSpPr>
-          <p:nvPr>
-            <p:ph type="title"/>
-          </p:nvPr>
-        </p:nvSpPr>
-        <p:spPr/>
-        <p:txBody>
-          <a:bodyPr/>
-          <a:lstStyle/>
-          <a:p>
-            <a:r>
-              <a:rPr/>
-              <a:t>mozilla</a:t>
-            </a:r>
-          </a:p>
-        </p:txBody>
-      </p:sp>
-      <p:sp>
-        <p:nvSpPr>
-          <p:cNvPr id="3" name="Content Placeholder 2"/>
-          <p:cNvSpPr>
-            <a:spLocks noGrp="1"/>
-          </p:cNvSpPr>
-          <p:nvPr>
-            <p:ph idx="1"/>
-          </p:nvPr>
-        </p:nvSpPr>
-        <p:spPr/>
-        <p:txBody>
-          <a:bodyPr/>
-          <a:lstStyle/>
-          <a:p>
-            <a:pPr marL="0" indent="0">
-              <a:buNone/>
-            </a:pPr>
-            <a:r>
-              <a:rPr/>
-              <a:t>Mozilla is a global non-profit dedicated to putting you in control of your online experience and shaping the future of the web for the public good. Visit us at </a:t>
-            </a:r>
-            <a:r>
-              <a:rPr>
-                <a:hlinkClick r:id="rId2"/>
-              </a:rPr>
-              <a:t>mozilla.org</a:t>
             </a:r>
           </a:p>
         </p:txBody>
@@ -10278,6 +11985,84 @@
 </p:sld>
 </file>
 
+<file path=ppt/slides/slide20.xml><?xml version="1.0" encoding="utf-8"?>
+<p:sld xmlns:a="http://schemas.openxmlformats.org/drawingml/2006/main" xmlns:r="http://schemas.openxmlformats.org/officeDocument/2006/relationships" xmlns:p="http://schemas.openxmlformats.org/presentationml/2006/main">
+  <p:cSld>
+    <p:spTree>
+      <p:nvGrpSpPr>
+        <p:cNvPr id="1" name=""/>
+        <p:cNvGrpSpPr/>
+        <p:nvPr/>
+      </p:nvGrpSpPr>
+      <p:grpSpPr>
+        <a:xfrm>
+          <a:off x="0" y="0"/>
+          <a:ext cx="0" cy="0"/>
+          <a:chOff x="0" y="0"/>
+          <a:chExt cx="0" cy="0"/>
+        </a:xfrm>
+      </p:grpSpPr>
+      <p:sp>
+        <p:nvSpPr>
+          <p:cNvPr id="2" name="Title 1"/>
+          <p:cNvSpPr>
+            <a:spLocks noGrp="1"/>
+          </p:cNvSpPr>
+          <p:nvPr>
+            <p:ph type="title"/>
+          </p:nvPr>
+        </p:nvSpPr>
+        <p:spPr/>
+        <p:txBody>
+          <a:bodyPr/>
+          <a:lstStyle/>
+          <a:p>
+            <a:r>
+              <a:rPr/>
+              <a:t>mozilla</a:t>
+            </a:r>
+          </a:p>
+        </p:txBody>
+      </p:sp>
+      <p:sp>
+        <p:nvSpPr>
+          <p:cNvPr id="3" name="Content Placeholder 2"/>
+          <p:cNvSpPr>
+            <a:spLocks noGrp="1"/>
+          </p:cNvSpPr>
+          <p:nvPr>
+            <p:ph idx="1"/>
+          </p:nvPr>
+        </p:nvSpPr>
+        <p:spPr/>
+        <p:txBody>
+          <a:bodyPr/>
+          <a:lstStyle/>
+          <a:p>
+            <a:pPr marL="0" indent="0">
+              <a:buNone/>
+            </a:pPr>
+            <a:r>
+              <a:rPr/>
+              <a:t>Mozilla is a global non-profit dedicated to putting you in control of your online experience and shaping the future of the web for the public good. Visit us at </a:t>
+            </a:r>
+            <a:r>
+              <a:rPr>
+                <a:hlinkClick r:id="rId2"/>
+              </a:rPr>
+              <a:t>mozilla.org</a:t>
+            </a:r>
+          </a:p>
+        </p:txBody>
+      </p:sp>
+    </p:spTree>
+  </p:cSld>
+  <p:clrMapOvr>
+    <a:masterClrMapping/>
+  </p:clrMapOvr>
+</p:sld>
+</file>
+
 <file path=ppt/slides/slide3.xml><?xml version="1.0" encoding="utf-8"?>
 <p:sld xmlns:a="http://schemas.openxmlformats.org/drawingml/2006/main" xmlns:r="http://schemas.openxmlformats.org/officeDocument/2006/relationships" xmlns:p="http://schemas.openxmlformats.org/presentationml/2006/main">
   <p:cSld>
@@ -10334,21 +12119,21 @@
           <a:p>
             <a:pPr lvl="1"/>
             <a:r>
-              <a:rPr/>
+              <a:rPr sz="2400" dirty="0"/>
               <a:t>Identify privacy choices you make everyday.</a:t>
             </a:r>
           </a:p>
           <a:p>
             <a:pPr lvl="1"/>
             <a:r>
-              <a:rPr/>
+              <a:rPr sz="2400" dirty="0"/>
               <a:t>Explain how cookies and third parties can track you online.</a:t>
             </a:r>
           </a:p>
           <a:p>
             <a:pPr lvl="1"/>
             <a:r>
-              <a:rPr/>
+              <a:rPr sz="2400" dirty="0"/>
               <a:t>Identify three ways you can limit online tracking in your browser and build better passwords.</a:t>
             </a:r>
           </a:p>
@@ -10418,35 +12203,35 @@
           <a:p>
             <a:pPr lvl="1"/>
             <a:r>
-              <a:rPr/>
+              <a:rPr sz="2400" dirty="0"/>
               <a:t>When you hear the word “privacy,” what do you think about?</a:t>
             </a:r>
           </a:p>
           <a:p>
             <a:pPr lvl="1"/>
             <a:r>
-              <a:rPr/>
+              <a:rPr sz="2400" dirty="0"/>
               <a:t>How does the concept of privacy apply to your everyday life?</a:t>
             </a:r>
           </a:p>
           <a:p>
             <a:pPr lvl="1"/>
             <a:r>
-              <a:rPr/>
+              <a:rPr sz="2400" dirty="0"/>
               <a:t>How do the notions of privacy we just discussed work in the context of what we do on the web?</a:t>
             </a:r>
           </a:p>
           <a:p>
             <a:pPr lvl="1"/>
             <a:r>
-              <a:rPr/>
+              <a:rPr sz="2400" dirty="0"/>
               <a:t>Does privacy apply equally to your offline life and your time on the web? Why / why not?</a:t>
             </a:r>
           </a:p>
           <a:p>
             <a:pPr lvl="1"/>
             <a:r>
-              <a:rPr/>
+              <a:rPr sz="2400" dirty="0"/>
               <a:t>What are you doing already to protect your privacy?</a:t>
             </a:r>
           </a:p>
@@ -10521,22 +12306,36 @@
               <a:buNone/>
             </a:pPr>
             <a:r>
-              <a:rPr b="1"/>
+              <a:rPr sz="2400" b="1" dirty="0"/>
               <a:t>Offline Activity: Data Trails Timeline</a:t>
             </a:r>
           </a:p>
           <a:p>
             <a:pPr lvl="1"/>
             <a:r>
-              <a:rPr/>
-              <a:t>We’re going to do a quick recap of their day so far today.</a:t>
-            </a:r>
-          </a:p>
-          <a:p>
-            <a:pPr lvl="1"/>
-            <a:r>
-              <a:rPr/>
-              <a:t>Think through all the things you did, from waking up to making it here to this session.</a:t>
+              <a:rPr sz="2400" dirty="0"/>
+              <a:t>List all the things you did yesterday on your whiteboard</a:t>
+            </a:r>
+          </a:p>
+          <a:p>
+            <a:pPr lvl="2"/>
+            <a:r>
+              <a:rPr sz="2400" dirty="0"/>
+              <a:t>What did you do?</a:t>
+            </a:r>
+          </a:p>
+          <a:p>
+            <a:pPr lvl="2"/>
+            <a:r>
+              <a:rPr sz="2400" dirty="0"/>
+              <a:t>When?</a:t>
+            </a:r>
+          </a:p>
+          <a:p>
+            <a:pPr lvl="2"/>
+            <a:r>
+              <a:rPr sz="2400" dirty="0"/>
+              <a:t>What device / website did I use?</a:t>
             </a:r>
           </a:p>
         </p:txBody>
@@ -10605,35 +12404,35 @@
           <a:p>
             <a:pPr lvl="1"/>
             <a:r>
-              <a:rPr/>
+              <a:rPr sz="2400" dirty="0"/>
               <a:t>How many of my actions today included technology?</a:t>
             </a:r>
           </a:p>
           <a:p>
             <a:pPr lvl="1"/>
             <a:r>
-              <a:rPr/>
+              <a:rPr sz="2400" dirty="0"/>
               <a:t>How many of my actions today required the use of a website?</a:t>
             </a:r>
           </a:p>
           <a:p>
             <a:pPr lvl="1"/>
             <a:r>
-              <a:rPr/>
+              <a:rPr sz="2400" dirty="0"/>
               <a:t>Who might notice how often I’m using my technology to do day-to-day tasks?</a:t>
             </a:r>
           </a:p>
           <a:p>
             <a:pPr lvl="1"/>
             <a:r>
-              <a:rPr/>
+              <a:rPr sz="2400" dirty="0"/>
               <a:t>What could they find out about my online habits?</a:t>
             </a:r>
           </a:p>
           <a:p>
             <a:pPr lvl="1"/>
             <a:r>
-              <a:rPr/>
+              <a:rPr sz="2400" dirty="0"/>
               <a:t>What could they find out about where I am in the real world?</a:t>
             </a:r>
           </a:p>
@@ -10703,28 +12502,28 @@
           <a:p>
             <a:pPr lvl="1"/>
             <a:r>
-              <a:rPr/>
+              <a:rPr sz="2400" dirty="0"/>
               <a:t>Did the number of tasks for which you relied on technology surprise you?</a:t>
             </a:r>
           </a:p>
           <a:p>
             <a:pPr lvl="1"/>
             <a:r>
-              <a:rPr/>
+              <a:rPr sz="2400" dirty="0"/>
               <a:t>Who do you think might be noticing your online habits?</a:t>
             </a:r>
           </a:p>
           <a:p>
             <a:pPr lvl="1"/>
             <a:r>
-              <a:rPr/>
+              <a:rPr sz="2400" dirty="0"/>
               <a:t>What do you think these entities might be able to learn about you?</a:t>
             </a:r>
           </a:p>
           <a:p>
             <a:pPr lvl="1"/>
             <a:r>
-              <a:rPr/>
+              <a:rPr sz="2400" dirty="0"/>
               <a:t>Which of this information would you like to protect?</a:t>
             </a:r>
           </a:p>
@@ -10799,7 +12598,7 @@
               <a:buNone/>
             </a:pPr>
             <a:r>
-              <a:rPr b="1"/>
+              <a:rPr sz="2000" b="1" dirty="0"/>
               <a:t>Discussion &amp; Online Activity: What Information Can Be Collected?</a:t>
             </a:r>
           </a:p>
@@ -10808,49 +12607,49 @@
               <a:buNone/>
             </a:pPr>
             <a:r>
-              <a:rPr/>
+              <a:rPr sz="2000" dirty="0"/>
               <a:t>Metadata is data about data.</a:t>
             </a:r>
           </a:p>
           <a:p>
             <a:pPr lvl="1"/>
             <a:r>
-              <a:rPr/>
+              <a:rPr sz="2000" dirty="0"/>
               <a:t>An image file may include metadata :</a:t>
             </a:r>
           </a:p>
           <a:p>
             <a:pPr lvl="2"/>
             <a:r>
-              <a:rPr/>
+              <a:rPr sz="2000" dirty="0"/>
               <a:t>large the picture is,</a:t>
             </a:r>
           </a:p>
           <a:p>
             <a:pPr lvl="2"/>
             <a:r>
-              <a:rPr/>
+              <a:rPr sz="2000" dirty="0"/>
               <a:t>the color depth,</a:t>
             </a:r>
           </a:p>
           <a:p>
             <a:pPr lvl="2"/>
             <a:r>
-              <a:rPr/>
+              <a:rPr sz="2000" dirty="0"/>
               <a:t>the image resolution,</a:t>
             </a:r>
           </a:p>
           <a:p>
             <a:pPr lvl="2"/>
             <a:r>
-              <a:rPr/>
+              <a:rPr sz="2000" dirty="0"/>
               <a:t>when the image was created,</a:t>
             </a:r>
           </a:p>
           <a:p>
             <a:pPr lvl="2"/>
             <a:r>
-              <a:rPr/>
+              <a:rPr sz="2000" dirty="0"/>
               <a:t>location</a:t>
             </a:r>
           </a:p>
@@ -10922,7 +12721,7 @@
               <a:buNone/>
             </a:pPr>
             <a:r>
-              <a:rPr/>
+              <a:rPr sz="2000" dirty="0"/>
               <a:t>What do you think could be learned from collecting and analyzing these points of data about your communications?</a:t>
             </a:r>
           </a:p>
@@ -11216,7 +13015,7 @@
   <a:extraClrSchemeLst/>
   <a:extLst>
     <a:ext uri="{05A4C25C-085E-4340-85A3-A5531E510DB2}">
-      <thm15:themeFamily xmlns:thm15="http://schemas.microsoft.com/office/thememl/2012/main" name="UTC OLP Theme" id="{C0C126D0-4F54-4769-9F75-5B4DCF4C873F}" vid="{48618548-1CAA-4A8F-A36E-70E567843DE1}"/>
+      <thm15:themeFamily xmlns:thm15="http://schemas.microsoft.com/office/thememl/2012/main" name="UTC OLP Theme" id="{2E691D27-CD38-454E-AE9A-4400F5F3A1AC}" vid="{F3F5863D-53D2-4A14-96FD-2C3F501B15D6}"/>
     </a:ext>
   </a:extLst>
 </a:theme>

--- a/final ppt/11-safety-first.pptx
+++ b/final ppt/11-safety-first.pptx
@@ -334,7 +334,7 @@
           <a:p>
             <a:fld id="{0F9C1CCF-B725-44A7-AA57-5E433BD85C9F}" type="datetimeFigureOut">
               <a:rPr lang="en-US" smtClean="0"/>
-              <a:t>9/14/2021</a:t>
+              <a:t>9/16/2021</a:t>
             </a:fld>
             <a:endParaRPr lang="en-US"/>
           </a:p>
@@ -1881,8 +1881,32 @@
           <a:p>
             <a:pPr lvl="1"/>
             <a:r>
+              <a:rPr lang="en-GB" sz="1200" dirty="0" smtClean="0">
+                <a:hlinkClick r:id="rId3"/>
+              </a:rPr>
+              <a:t>http://</a:t>
+            </a:r>
+            <a:r>
+              <a:rPr lang="en-GB" sz="1200" smtClean="0">
+                <a:hlinkClick r:id="rId3"/>
+              </a:rPr>
+              <a:t>preshing.com/20110811/xkcd-password-generator/</a:t>
+            </a:r>
+            <a:endParaRPr lang="en-GB" sz="1200" smtClean="0"/>
+          </a:p>
+          <a:p>
+            <a:pPr lvl="1"/>
+            <a:endParaRPr lang="en-GB" dirty="0" smtClean="0"/>
+          </a:p>
+          <a:p>
+            <a:pPr lvl="1"/>
+            <a:r>
               <a:rPr lang="en-GB" dirty="0" smtClean="0"/>
-              <a:t>Have a discussion with your learners.</a:t>
+              <a:t>Have </a:t>
+            </a:r>
+            <a:r>
+              <a:rPr lang="en-GB" dirty="0" smtClean="0"/>
+              <a:t>a discussion with your learners.</a:t>
             </a:r>
           </a:p>
           <a:p>
@@ -5456,7 +5480,7 @@
           <a:p>
             <a:fld id="{241EB5C9-1307-BA42-ABA2-0BC069CD8E7F}" type="datetimeFigureOut">
               <a:rPr lang="en-US" smtClean="0"/>
-              <a:t>9/14/2021</a:t>
+              <a:t>9/16/2021</a:t>
             </a:fld>
             <a:endParaRPr lang="en-US"/>
           </a:p>
@@ -10978,6 +11002,13 @@
   <p:clrMapOvr>
     <a:masterClrMapping/>
   </p:clrMapOvr>
+  <p:timing>
+    <p:tnLst>
+      <p:par>
+        <p:cTn id="1" dur="indefinite" restart="never" nodeType="tmRoot"/>
+      </p:par>
+    </p:tnLst>
+  </p:timing>
 </p:sld>
 </file>
 
@@ -11101,6 +11132,13 @@
   <p:clrMapOvr>
     <a:masterClrMapping/>
   </p:clrMapOvr>
+  <p:timing>
+    <p:tnLst>
+      <p:par>
+        <p:cTn id="1" dur="indefinite" restart="never" nodeType="tmRoot"/>
+      </p:par>
+    </p:tnLst>
+  </p:timing>
 </p:sld>
 </file>
 
@@ -11196,6 +11234,13 @@
       </p:transition>
     </mc:Fallback>
   </mc:AlternateContent>
+  <p:timing>
+    <p:tnLst>
+      <p:par>
+        <p:cTn id="1" dur="indefinite" restart="never" nodeType="tmRoot"/>
+      </p:par>
+    </p:tnLst>
+  </p:timing>
 </p:sld>
 </file>
 
@@ -11301,11 +11346,18 @@
   <p:clrMapOvr>
     <a:masterClrMapping/>
   </p:clrMapOvr>
+  <p:timing>
+    <p:tnLst>
+      <p:par>
+        <p:cTn id="1" dur="indefinite" restart="never" nodeType="tmRoot"/>
+      </p:par>
+    </p:tnLst>
+  </p:timing>
 </p:sld>
 </file>
 
 <file path=ppt/slides/slide14.xml><?xml version="1.0" encoding="utf-8"?>
-<p:sld xmlns:a="http://schemas.openxmlformats.org/drawingml/2006/main" xmlns:r="http://schemas.openxmlformats.org/officeDocument/2006/relationships" xmlns:p="http://schemas.openxmlformats.org/presentationml/2006/main">
+<p:sld xmlns:a="http://schemas.openxmlformats.org/drawingml/2006/main" xmlns:r="http://schemas.openxmlformats.org/officeDocument/2006/relationships" xmlns:p="http://schemas.openxmlformats.org/presentationml/2006/main" show="0">
   <p:cSld>
     <p:spTree>
       <p:nvGrpSpPr>
@@ -11354,11 +11406,30 @@
   <p:clrMapOvr>
     <a:masterClrMapping/>
   </p:clrMapOvr>
+  <mc:AlternateContent xmlns:mc="http://schemas.openxmlformats.org/markup-compatibility/2006">
+    <mc:Choice xmlns:p14="http://schemas.microsoft.com/office/powerpoint/2010/main" Requires="p14">
+      <p:transition spd="med" p14:dur="700">
+        <p:fade/>
+      </p:transition>
+    </mc:Choice>
+    <mc:Fallback>
+      <p:transition spd="med">
+        <p:fade/>
+      </p:transition>
+    </mc:Fallback>
+  </mc:AlternateContent>
+  <p:timing>
+    <p:tnLst>
+      <p:par>
+        <p:cTn id="1" dur="indefinite" restart="never" nodeType="tmRoot"/>
+      </p:par>
+    </p:tnLst>
+  </p:timing>
 </p:sld>
 </file>
 
 <file path=ppt/slides/slide15.xml><?xml version="1.0" encoding="utf-8"?>
-<p:sld xmlns:a="http://schemas.openxmlformats.org/drawingml/2006/main" xmlns:r="http://schemas.openxmlformats.org/officeDocument/2006/relationships" xmlns:p="http://schemas.openxmlformats.org/presentationml/2006/main">
+<p:sld xmlns:a="http://schemas.openxmlformats.org/drawingml/2006/main" xmlns:r="http://schemas.openxmlformats.org/officeDocument/2006/relationships" xmlns:p="http://schemas.openxmlformats.org/presentationml/2006/main" show="0">
   <p:cSld>
     <p:spTree>
       <p:nvGrpSpPr>
@@ -11437,6 +11508,25 @@
   <p:clrMapOvr>
     <a:masterClrMapping/>
   </p:clrMapOvr>
+  <mc:AlternateContent xmlns:mc="http://schemas.openxmlformats.org/markup-compatibility/2006">
+    <mc:Choice xmlns:p14="http://schemas.microsoft.com/office/powerpoint/2010/main" Requires="p14">
+      <p:transition spd="med" p14:dur="700">
+        <p:fade/>
+      </p:transition>
+    </mc:Choice>
+    <mc:Fallback>
+      <p:transition spd="med">
+        <p:fade/>
+      </p:transition>
+    </mc:Fallback>
+  </mc:AlternateContent>
+  <p:timing>
+    <p:tnLst>
+      <p:par>
+        <p:cTn id="1" dur="indefinite" restart="never" nodeType="tmRoot"/>
+      </p:par>
+    </p:tnLst>
+  </p:timing>
 </p:sld>
 </file>
 
@@ -11503,12 +11593,15 @@
               <a:rPr lang="en-GB" sz="2400" dirty="0" smtClean="0">
                 <a:hlinkClick r:id="rId3"/>
               </a:rPr>
-              <a:t>passphrase generator</a:t>
-            </a:r>
-            <a:r>
-              <a:rPr lang="en-GB" sz="2400" dirty="0" smtClean="0"/>
-              <a:t>.</a:t>
-            </a:r>
+              <a:t>passphrase </a:t>
+            </a:r>
+            <a:r>
+              <a:rPr lang="en-GB" sz="2400" dirty="0" smtClean="0">
+                <a:hlinkClick r:id="rId3"/>
+              </a:rPr>
+              <a:t>generator</a:t>
+            </a:r>
+            <a:endParaRPr lang="en-GB" sz="2400" dirty="0" smtClean="0"/>
           </a:p>
           <a:p>
             <a:pPr lvl="2"/>
@@ -11558,6 +11651,13 @@
   <p:clrMapOvr>
     <a:masterClrMapping/>
   </p:clrMapOvr>
+  <p:timing>
+    <p:tnLst>
+      <p:par>
+        <p:cTn id="1" dur="indefinite" restart="never" nodeType="tmRoot"/>
+      </p:par>
+    </p:tnLst>
+  </p:timing>
 </p:sld>
 </file>
 
@@ -11699,6 +11799,13 @@
       </p:transition>
     </mc:Fallback>
   </mc:AlternateContent>
+  <p:timing>
+    <p:tnLst>
+      <p:par>
+        <p:cTn id="1" dur="indefinite" restart="never" nodeType="tmRoot"/>
+      </p:par>
+    </p:tnLst>
+  </p:timing>
 </p:sld>
 </file>
 
@@ -11899,6 +12006,13 @@
   <p:clrMapOvr>
     <a:masterClrMapping/>
   </p:clrMapOvr>
+  <p:timing>
+    <p:tnLst>
+      <p:par>
+        <p:cTn id="1" dur="indefinite" restart="never" nodeType="tmRoot"/>
+      </p:par>
+    </p:tnLst>
+  </p:timing>
 </p:sld>
 </file>
 
@@ -12598,7 +12712,7 @@
               <a:buNone/>
             </a:pPr>
             <a:r>
-              <a:rPr sz="2000" b="1" dirty="0"/>
+              <a:rPr sz="2400" b="1" dirty="0"/>
               <a:t>Discussion &amp; Online Activity: What Information Can Be Collected?</a:t>
             </a:r>
           </a:p>
@@ -12607,51 +12721,77 @@
               <a:buNone/>
             </a:pPr>
             <a:r>
-              <a:rPr sz="2000" dirty="0"/>
+              <a:rPr sz="2400" dirty="0"/>
               <a:t>Metadata is data about data.</a:t>
             </a:r>
           </a:p>
           <a:p>
             <a:pPr lvl="1"/>
             <a:r>
-              <a:rPr sz="2000" dirty="0"/>
+              <a:rPr sz="2400" dirty="0"/>
               <a:t>An image file may include metadata :</a:t>
             </a:r>
           </a:p>
           <a:p>
             <a:pPr lvl="2"/>
             <a:r>
-              <a:rPr sz="2000" dirty="0"/>
-              <a:t>large the picture is,</a:t>
-            </a:r>
+              <a:rPr lang="en-GB" sz="2400" dirty="0"/>
+              <a:t>t</a:t>
+            </a:r>
+            <a:r>
+              <a:rPr lang="en-GB" sz="2400" dirty="0" smtClean="0"/>
+              <a:t>he dimensions of </a:t>
+            </a:r>
+            <a:r>
+              <a:rPr sz="2400" dirty="0" smtClean="0"/>
+              <a:t>the picture,</a:t>
+            </a:r>
+            <a:endParaRPr sz="2400" dirty="0"/>
           </a:p>
           <a:p>
             <a:pPr lvl="2"/>
             <a:r>
-              <a:rPr sz="2000" dirty="0"/>
+              <a:rPr sz="2400" dirty="0"/>
               <a:t>the color depth,</a:t>
             </a:r>
           </a:p>
           <a:p>
             <a:pPr lvl="2"/>
             <a:r>
-              <a:rPr sz="2000" dirty="0"/>
+              <a:rPr sz="2400" dirty="0"/>
               <a:t>the image resolution,</a:t>
             </a:r>
           </a:p>
           <a:p>
             <a:pPr lvl="2"/>
             <a:r>
-              <a:rPr sz="2000" dirty="0"/>
-              <a:t>when the image was created,</a:t>
-            </a:r>
+              <a:rPr sz="2400" dirty="0"/>
+              <a:t>when the image was </a:t>
+            </a:r>
+            <a:r>
+              <a:rPr sz="2400" dirty="0" smtClean="0"/>
+              <a:t>created</a:t>
+            </a:r>
+            <a:endParaRPr lang="en-GB" sz="2400" dirty="0" smtClean="0"/>
           </a:p>
           <a:p>
             <a:pPr lvl="2"/>
             <a:r>
-              <a:rPr sz="2000" dirty="0"/>
+              <a:rPr sz="2400" dirty="0" smtClean="0"/>
               <a:t>location</a:t>
             </a:r>
+            <a:r>
+              <a:rPr lang="en-GB" sz="2400" dirty="0" smtClean="0"/>
+              <a:t> it was taken?</a:t>
+            </a:r>
+          </a:p>
+          <a:p>
+            <a:pPr lvl="2"/>
+            <a:r>
+              <a:rPr lang="en-GB" sz="2400" dirty="0" smtClean="0"/>
+              <a:t>equipment used</a:t>
+            </a:r>
+            <a:endParaRPr sz="2400" dirty="0"/>
           </a:p>
         </p:txBody>
       </p:sp>
@@ -12721,7 +12861,7 @@
               <a:buNone/>
             </a:pPr>
             <a:r>
-              <a:rPr sz="2000" dirty="0"/>
+              <a:rPr sz="2400" dirty="0"/>
               <a:t>What do you think could be learned from collecting and analyzing these points of data about your communications?</a:t>
             </a:r>
           </a:p>

--- a/final ppt/11-safety-first.pptx
+++ b/final ppt/11-safety-first.pptx
@@ -334,7 +334,7 @@
           <a:p>
             <a:fld id="{0F9C1CCF-B725-44A7-AA57-5E433BD85C9F}" type="datetimeFigureOut">
               <a:rPr lang="en-US" smtClean="0"/>
-              <a:t>9/16/2021</a:t>
+              <a:t>9/17/2021</a:t>
             </a:fld>
             <a:endParaRPr lang="en-US"/>
           </a:p>
@@ -658,7 +658,7 @@
               <a:buNone/>
             </a:pPr>
             <a:r>
-              <a:rPr b="1"/>
+              <a:rPr b="1" dirty="0"/>
               <a:t>Description</a:t>
             </a:r>
           </a:p>
@@ -666,14 +666,14 @@
             <a:pPr marL="0" lvl="0" indent="0">
               <a:buNone/>
             </a:pPr>
-            <a:endParaRPr b="1"/>
-          </a:p>
-          <a:p>
-            <a:pPr marL="0" lvl="0" indent="0">
-              <a:buNone/>
-            </a:pPr>
-            <a:r>
-              <a:rPr/>
+            <a:endParaRPr b="1" dirty="0"/>
+          </a:p>
+          <a:p>
+            <a:pPr marL="0" lvl="0" indent="0">
+              <a:buNone/>
+            </a:pPr>
+            <a:r>
+              <a:rPr dirty="0"/>
               <a:t>In this mix of online and offline activities, Safety First, Part 1 unpacks the ways in which our everyday online activities can be tracked. Learners will first work on a privacy audit, during which they will uncover the ways in which their personal activities can be viewed by external parties. Learners will learn about metadata and what it can reveal about us. Finally, learners will develop an awareness of the mechanisms in place for tracking our activities online.</a:t>
             </a:r>
           </a:p>
@@ -681,22 +681,30 @@
             <a:pPr marL="0" lvl="0" indent="0">
               <a:buNone/>
             </a:pPr>
-            <a:endParaRPr/>
-          </a:p>
-          <a:p>
-            <a:pPr marL="0" lvl="0" indent="0">
-              <a:buNone/>
-            </a:pPr>
-            <a:r>
-              <a:rPr/>
-              <a:t>In Part 2, learners will walk through recommended steps to protect their privacy online. They will learn how to set good passwords, secure their browsers, download privacy-enhancing extensions, practice good wifi hygiene, and protect their personal data.</a:t>
-            </a:r>
-          </a:p>
-          <a:p>
-            <a:pPr marL="0" lvl="0" indent="0">
-              <a:buNone/>
-            </a:pPr>
-            <a:endParaRPr/>
+            <a:endParaRPr dirty="0"/>
+          </a:p>
+          <a:p>
+            <a:pPr marL="0" lvl="0" indent="0">
+              <a:buNone/>
+            </a:pPr>
+            <a:r>
+              <a:rPr dirty="0"/>
+              <a:t>In Part 2, learners will walk through recommended steps to protect their privacy online. They will learn how to set good passwords, secure their browsers, download privacy-enhancing extensions, practice good </a:t>
+            </a:r>
+            <a:r>
+              <a:rPr dirty="0" err="1"/>
+              <a:t>wifi</a:t>
+            </a:r>
+            <a:r>
+              <a:rPr dirty="0"/>
+              <a:t> hygiene, and protect their personal data.</a:t>
+            </a:r>
+          </a:p>
+          <a:p>
+            <a:pPr marL="0" lvl="0" indent="0">
+              <a:buNone/>
+            </a:pPr>
+            <a:endParaRPr dirty="0"/>
           </a:p>
           <a:p>
             <a:pPr marL="0" lvl="0" indent="0">
@@ -706,7 +714,7 @@
               <a:buNone/>
             </a:pPr>
             <a:r>
-              <a:rPr b="1"/>
+              <a:rPr b="1" dirty="0"/>
               <a:t>Time Required</a:t>
             </a:r>
           </a:p>
@@ -714,14 +722,14 @@
             <a:pPr marL="0" lvl="0" indent="0">
               <a:buNone/>
             </a:pPr>
-            <a:endParaRPr b="1"/>
-          </a:p>
-          <a:p>
-            <a:pPr marL="0" lvl="0" indent="0">
-              <a:buNone/>
-            </a:pPr>
-            <a:r>
-              <a:rPr/>
+            <a:endParaRPr b="1" dirty="0"/>
+          </a:p>
+          <a:p>
+            <a:pPr marL="0" lvl="0" indent="0">
+              <a:buNone/>
+            </a:pPr>
+            <a:r>
+              <a:rPr dirty="0"/>
               <a:t>1 hour to 2 hours depending on group size</a:t>
             </a:r>
           </a:p>
@@ -729,7 +737,7 @@
             <a:pPr marL="0" lvl="0" indent="0">
               <a:buNone/>
             </a:pPr>
-            <a:endParaRPr/>
+            <a:endParaRPr dirty="0"/>
           </a:p>
           <a:p>
             <a:pPr marL="0" lvl="0" indent="0">
@@ -739,7 +747,7 @@
               <a:buNone/>
             </a:pPr>
             <a:r>
-              <a:rPr b="1"/>
+              <a:rPr b="1" dirty="0"/>
               <a:t>Audience</a:t>
             </a:r>
           </a:p>
@@ -747,14 +755,14 @@
             <a:pPr marL="0" lvl="0" indent="0">
               <a:buNone/>
             </a:pPr>
-            <a:endParaRPr b="1"/>
-          </a:p>
-          <a:p>
-            <a:pPr marL="0" lvl="0" indent="0">
-              <a:buNone/>
-            </a:pPr>
-            <a:r>
-              <a:rPr/>
+            <a:endParaRPr b="1" dirty="0"/>
+          </a:p>
+          <a:p>
+            <a:pPr marL="0" lvl="0" indent="0">
+              <a:buNone/>
+            </a:pPr>
+            <a:r>
+              <a:rPr dirty="0"/>
               <a:t>Can be tailored for audiences from 13 up; with varying levels of experience with the web.</a:t>
             </a:r>
           </a:p>
@@ -762,7 +770,7 @@
             <a:pPr marL="0" lvl="0" indent="0">
               <a:buNone/>
             </a:pPr>
-            <a:endParaRPr/>
+            <a:endParaRPr dirty="0"/>
           </a:p>
           <a:p>
             <a:pPr marL="0" lvl="0" indent="0">
@@ -772,7 +780,7 @@
               <a:buNone/>
             </a:pPr>
             <a:r>
-              <a:rPr b="1"/>
+              <a:rPr b="1" dirty="0"/>
               <a:t>Materials</a:t>
             </a:r>
           </a:p>
@@ -780,12 +788,12 @@
             <a:pPr marL="0" lvl="0" indent="0">
               <a:buNone/>
             </a:pPr>
-            <a:endParaRPr b="1"/>
+            <a:endParaRPr b="1" dirty="0"/>
           </a:p>
           <a:p>
             <a:pPr lvl="1"/>
             <a:r>
-              <a:rPr/>
+              <a:rPr dirty="0"/>
               <a:t>A computer/projector set up and internet connection</a:t>
             </a:r>
           </a:p>
@@ -793,12 +801,12 @@
             <a:pPr marL="0" lvl="0" indent="0">
               <a:buNone/>
             </a:pPr>
-            <a:endParaRPr/>
+            <a:endParaRPr dirty="0"/>
           </a:p>
           <a:p>
             <a:pPr lvl="1"/>
             <a:r>
-              <a:rPr/>
+              <a:rPr dirty="0"/>
               <a:t>A whiteboard, chalkboard, or flip chart pad for writing notes that the whole group can see</a:t>
             </a:r>
           </a:p>
@@ -806,12 +814,12 @@
             <a:pPr marL="0" lvl="0" indent="0">
               <a:buNone/>
             </a:pPr>
-            <a:endParaRPr/>
+            <a:endParaRPr dirty="0"/>
           </a:p>
           <a:p>
             <a:pPr lvl="1"/>
             <a:r>
-              <a:rPr/>
+              <a:rPr dirty="0"/>
               <a:t>highlighters, pen or pencil</a:t>
             </a:r>
           </a:p>
@@ -819,12 +827,12 @@
             <a:pPr marL="0" lvl="0" indent="0">
               <a:buNone/>
             </a:pPr>
-            <a:endParaRPr/>
+            <a:endParaRPr dirty="0"/>
           </a:p>
           <a:p>
             <a:pPr lvl="1"/>
             <a:r>
-              <a:rPr/>
+              <a:rPr dirty="0"/>
               <a:t>Create worksheets (content below) as needed</a:t>
             </a:r>
           </a:p>
@@ -832,12 +840,12 @@
             <a:pPr marL="0" lvl="0" indent="0">
               <a:buNone/>
             </a:pPr>
-            <a:endParaRPr/>
+            <a:endParaRPr dirty="0"/>
           </a:p>
           <a:p>
             <a:pPr lvl="1"/>
             <a:r>
-              <a:rPr/>
+              <a:rPr dirty="0"/>
               <a:t>Sticky notes</a:t>
             </a:r>
           </a:p>
@@ -845,7 +853,7 @@
             <a:pPr marL="0" lvl="0" indent="0">
               <a:buNone/>
             </a:pPr>
-            <a:endParaRPr/>
+            <a:endParaRPr dirty="0"/>
           </a:p>
           <a:p>
             <a:pPr marL="0" lvl="0" indent="0">
@@ -855,7 +863,7 @@
               <a:buNone/>
             </a:pPr>
             <a:r>
-              <a:rPr b="1"/>
+              <a:rPr b="1" dirty="0"/>
               <a:t>Web Literacy Skills</a:t>
             </a:r>
           </a:p>
@@ -863,12 +871,12 @@
             <a:pPr marL="0" lvl="0" indent="0">
               <a:buNone/>
             </a:pPr>
-            <a:endParaRPr b="1"/>
+            <a:endParaRPr b="1" dirty="0"/>
           </a:p>
           <a:p>
             <a:pPr lvl="1"/>
             <a:r>
-              <a:rPr/>
+              <a:rPr dirty="0"/>
               <a:t>Protect</a:t>
             </a:r>
           </a:p>
@@ -876,12 +884,12 @@
             <a:pPr marL="0" lvl="0" indent="0">
               <a:buNone/>
             </a:pPr>
-            <a:endParaRPr/>
+            <a:endParaRPr dirty="0"/>
           </a:p>
           <a:p>
             <a:pPr lvl="1"/>
             <a:r>
-              <a:rPr/>
+              <a:rPr dirty="0"/>
               <a:t>Search</a:t>
             </a:r>
           </a:p>
@@ -889,12 +897,12 @@
             <a:pPr marL="0" lvl="0" indent="0">
               <a:buNone/>
             </a:pPr>
-            <a:endParaRPr/>
+            <a:endParaRPr dirty="0"/>
           </a:p>
           <a:p>
             <a:pPr lvl="1"/>
             <a:r>
-              <a:rPr/>
+              <a:rPr dirty="0"/>
               <a:t>Navigate</a:t>
             </a:r>
           </a:p>
@@ -902,12 +910,12 @@
             <a:pPr marL="0" lvl="0" indent="0">
               <a:buNone/>
             </a:pPr>
-            <a:endParaRPr/>
+            <a:endParaRPr dirty="0"/>
           </a:p>
           <a:p>
             <a:pPr lvl="1"/>
             <a:r>
-              <a:rPr/>
+              <a:rPr dirty="0"/>
               <a:t>Evaluate</a:t>
             </a:r>
           </a:p>
@@ -915,12 +923,12 @@
             <a:pPr marL="0" lvl="0" indent="0">
               <a:buNone/>
             </a:pPr>
-            <a:endParaRPr/>
+            <a:endParaRPr dirty="0"/>
           </a:p>
           <a:p>
             <a:pPr lvl="1"/>
             <a:r>
-              <a:rPr/>
+              <a:rPr dirty="0"/>
               <a:t>Open Practice</a:t>
             </a:r>
           </a:p>
@@ -928,7 +936,7 @@
             <a:pPr marL="0" lvl="0" indent="0">
               <a:buNone/>
             </a:pPr>
-            <a:endParaRPr/>
+            <a:endParaRPr dirty="0"/>
           </a:p>
           <a:p>
             <a:pPr marL="0" lvl="0" indent="0">
@@ -938,7 +946,7 @@
               <a:buNone/>
             </a:pPr>
             <a:r>
-              <a:rPr b="1"/>
+              <a:rPr b="1" dirty="0"/>
               <a:t>21st Century Skills</a:t>
             </a:r>
           </a:p>
@@ -946,12 +954,12 @@
             <a:pPr marL="0" lvl="0" indent="0">
               <a:buNone/>
             </a:pPr>
-            <a:endParaRPr b="1"/>
+            <a:endParaRPr b="1" dirty="0"/>
           </a:p>
           <a:p>
             <a:pPr lvl="1"/>
             <a:r>
-              <a:rPr/>
+              <a:rPr dirty="0"/>
               <a:t>Communication</a:t>
             </a:r>
           </a:p>
@@ -959,12 +967,12 @@
             <a:pPr marL="0" lvl="0" indent="0">
               <a:buNone/>
             </a:pPr>
-            <a:endParaRPr/>
+            <a:endParaRPr dirty="0"/>
           </a:p>
           <a:p>
             <a:pPr lvl="1"/>
             <a:r>
-              <a:rPr/>
+              <a:rPr dirty="0"/>
               <a:t>Problem Solving</a:t>
             </a:r>
           </a:p>
@@ -972,7 +980,7 @@
             <a:pPr marL="0" lvl="0" indent="0">
               <a:buNone/>
             </a:pPr>
-            <a:endParaRPr/>
+            <a:endParaRPr dirty="0"/>
           </a:p>
           <a:p>
             <a:pPr marL="0" lvl="0" indent="0">
@@ -982,7 +990,7 @@
               <a:buNone/>
             </a:pPr>
             <a:r>
-              <a:rPr b="1"/>
+              <a:rPr b="1" dirty="0"/>
               <a:t>Earning Digital Badges</a:t>
             </a:r>
           </a:p>
@@ -990,15 +998,23 @@
             <a:pPr marL="0" lvl="0" indent="0">
               <a:buNone/>
             </a:pPr>
-            <a:endParaRPr b="1"/>
-          </a:p>
-          <a:p>
-            <a:pPr marL="0" lvl="0" indent="0">
-              <a:buNone/>
-            </a:pPr>
-            <a:r>
-              <a:rPr/>
-              <a:t>Digital badges capture the evidence and are the demonstration knowledge and achievement. Each Core Activity encompasses multiple web literacy skills. Completion of all Core Activities will enable anyone to earn all the web literacy and 21C skills badges. Thus, we encourage you to complete all the Core Activities, and earn badges to capture what you’ve learned. Digitalme is offering web literacy badges through the Open Badges Academy.</a:t>
+            <a:endParaRPr b="1" dirty="0"/>
+          </a:p>
+          <a:p>
+            <a:pPr marL="0" lvl="0" indent="0">
+              <a:buNone/>
+            </a:pPr>
+            <a:r>
+              <a:rPr dirty="0"/>
+              <a:t>Digital badges capture the evidence and are the demonstration knowledge and achievement. Each Core Activity encompasses multiple web literacy skills. Completion of all Core Activities will enable anyone to earn all the web literacy and 21C skills badges. Thus, we encourage you to complete all the Core Activities, and earn badges to capture what you’ve learned. </a:t>
+            </a:r>
+            <a:r>
+              <a:rPr dirty="0" err="1"/>
+              <a:t>Digitalme</a:t>
+            </a:r>
+            <a:r>
+              <a:rPr dirty="0"/>
+              <a:t> is offering web literacy badges through the Open Badges Academy.</a:t>
             </a:r>
           </a:p>
         </p:txBody>
@@ -1902,11 +1918,7 @@
             <a:pPr lvl="1"/>
             <a:r>
               <a:rPr lang="en-GB" dirty="0" smtClean="0"/>
-              <a:t>Have </a:t>
-            </a:r>
-            <a:r>
-              <a:rPr lang="en-GB" dirty="0" smtClean="0"/>
-              <a:t>a discussion with your learners.</a:t>
+              <a:t>Have a discussion with your learners.</a:t>
             </a:r>
           </a:p>
           <a:p>
@@ -2178,7 +2190,7 @@
               <a:buNone/>
             </a:pPr>
             <a:r>
-              <a:rPr/>
+              <a:rPr dirty="0"/>
               <a:t>[10 minutes]</a:t>
             </a:r>
           </a:p>
@@ -2186,12 +2198,12 @@
             <a:pPr marL="0" lvl="0" indent="0">
               <a:buNone/>
             </a:pPr>
-            <a:endParaRPr/>
+            <a:endParaRPr dirty="0"/>
           </a:p>
           <a:p>
             <a:pPr lvl="1"/>
             <a:r>
-              <a:rPr/>
+              <a:rPr dirty="0"/>
               <a:t>Now let’s put our knowledge to the test!</a:t>
             </a:r>
           </a:p>
@@ -2199,12 +2211,12 @@
             <a:pPr marL="0" lvl="0" indent="0">
               <a:buNone/>
             </a:pPr>
-            <a:endParaRPr/>
+            <a:endParaRPr dirty="0"/>
           </a:p>
           <a:p>
             <a:pPr lvl="1"/>
             <a:r>
-              <a:rPr/>
+              <a:rPr dirty="0"/>
               <a:t>Give this Privacy Card Game: https://thimbleprojects.org/mozillalearning/308795/</a:t>
             </a:r>
           </a:p>
@@ -2212,12 +2224,12 @@
             <a:pPr marL="0" lvl="0" indent="0">
               <a:buNone/>
             </a:pPr>
-            <a:endParaRPr/>
+            <a:endParaRPr dirty="0"/>
           </a:p>
           <a:p>
             <a:pPr lvl="1"/>
             <a:r>
-              <a:rPr/>
+              <a:rPr dirty="0"/>
               <a:t>Tell your learners they may encounter a concept we haven’t covered in class. If they come across a card they’d like to discuss, ask them to raise their hand.</a:t>
             </a:r>
           </a:p>
@@ -2225,14 +2237,14 @@
             <a:pPr marL="0" lvl="0" indent="0">
               <a:buNone/>
             </a:pPr>
-            <a:endParaRPr/>
+            <a:endParaRPr dirty="0"/>
           </a:p>
           <a:p>
             <a:pPr marL="1270000" lvl="0" indent="0">
               <a:buNone/>
             </a:pPr>
             <a:r>
-              <a:rPr sz="2000"/>
+              <a:rPr sz="2000" dirty="0"/>
               <a:t>Tip! If you’d prefer to accumulate questions for group discussion at the end of this activity, ask your users to jot their questions down.</a:t>
             </a:r>
           </a:p>
@@ -3476,7 +3488,7 @@
           <a:p>
             <a:pPr lvl="1"/>
             <a:r>
-              <a:rPr/>
+              <a:rPr dirty="0"/>
               <a:t>Ask learners: what do you think could be learned from collecting and analyzing these points of data about your communications?</a:t>
             </a:r>
           </a:p>
@@ -3484,12 +3496,12 @@
             <a:pPr marL="0" lvl="0" indent="0">
               <a:buNone/>
             </a:pPr>
-            <a:endParaRPr/>
+            <a:endParaRPr dirty="0"/>
           </a:p>
           <a:p>
             <a:pPr lvl="2"/>
             <a:r>
-              <a:rPr/>
+              <a:rPr dirty="0"/>
               <a:t>Who your friends and family are.</a:t>
             </a:r>
           </a:p>
@@ -3497,12 +3509,12 @@
             <a:pPr marL="0" lvl="0" indent="0">
               <a:buNone/>
             </a:pPr>
-            <a:endParaRPr/>
+            <a:endParaRPr dirty="0"/>
           </a:p>
           <a:p>
             <a:pPr lvl="2"/>
             <a:r>
-              <a:rPr/>
+              <a:rPr dirty="0"/>
               <a:t>Which of your friends you keep in contact with the most.</a:t>
             </a:r>
           </a:p>
@@ -3510,12 +3522,12 @@
             <a:pPr marL="0" lvl="0" indent="0">
               <a:buNone/>
             </a:pPr>
-            <a:endParaRPr/>
+            <a:endParaRPr dirty="0"/>
           </a:p>
           <a:p>
             <a:pPr lvl="2"/>
             <a:r>
-              <a:rPr/>
+              <a:rPr dirty="0"/>
               <a:t>How your friends and family are connected together.</a:t>
             </a:r>
           </a:p>
@@ -3523,12 +3535,12 @@
             <a:pPr marL="0" lvl="0" indent="0">
               <a:buNone/>
             </a:pPr>
-            <a:endParaRPr/>
+            <a:endParaRPr dirty="0"/>
           </a:p>
           <a:p>
             <a:pPr lvl="1"/>
             <a:r>
-              <a:rPr/>
+              <a:rPr dirty="0"/>
               <a:t>We can see this metadata in action with a tool MIT developed called Immersion. Let’s look at this demo of Tony Stark’s contacts: https://immersion.media.mit.edu/demo</a:t>
             </a:r>
           </a:p>
@@ -3536,12 +3548,12 @@
             <a:pPr marL="0" lvl="0" indent="0">
               <a:buNone/>
             </a:pPr>
-            <a:endParaRPr/>
+            <a:endParaRPr dirty="0"/>
           </a:p>
           <a:p>
             <a:pPr lvl="1"/>
             <a:r>
-              <a:rPr/>
+              <a:rPr dirty="0"/>
               <a:t>Notice that we can see who Tony’s “top collaborators” are</a:t>
             </a:r>
           </a:p>
@@ -3549,12 +3561,12 @@
             <a:pPr marL="0" lvl="0" indent="0">
               <a:buNone/>
             </a:pPr>
-            <a:endParaRPr/>
+            <a:endParaRPr dirty="0"/>
           </a:p>
           <a:p>
             <a:pPr lvl="1"/>
             <a:r>
-              <a:rPr/>
+              <a:rPr dirty="0"/>
               <a:t>We can see which individuals received group emails together. They form cluster representing our contact groups.</a:t>
             </a:r>
           </a:p>
@@ -3562,12 +3574,12 @@
             <a:pPr marL="0" lvl="0" indent="0">
               <a:buNone/>
             </a:pPr>
-            <a:endParaRPr/>
+            <a:endParaRPr dirty="0"/>
           </a:p>
           <a:p>
             <a:pPr lvl="1"/>
             <a:r>
-              <a:rPr/>
+              <a:rPr dirty="0"/>
               <a:t>We can also use the slider at the bottom of the page to view how our contacts have changed over time.</a:t>
             </a:r>
           </a:p>
@@ -3575,12 +3587,12 @@
             <a:pPr marL="0" lvl="0" indent="0">
               <a:buNone/>
             </a:pPr>
-            <a:endParaRPr/>
+            <a:endParaRPr dirty="0"/>
           </a:p>
           <a:p>
             <a:pPr lvl="1"/>
             <a:r>
-              <a:rPr/>
+              <a:rPr dirty="0"/>
               <a:t>Ask your learners: What else do you notice about Tony Stark’s profile?</a:t>
             </a:r>
           </a:p>
@@ -3588,12 +3600,12 @@
             <a:pPr marL="0" lvl="0" indent="0">
               <a:buNone/>
             </a:pPr>
-            <a:endParaRPr/>
+            <a:endParaRPr dirty="0"/>
           </a:p>
           <a:p>
             <a:pPr lvl="1"/>
             <a:r>
-              <a:rPr/>
+              <a:rPr dirty="0"/>
               <a:t>Feel free to try this at home. MIT provides a secure login for most email applications: https://immersion.media.mit.edu/</a:t>
             </a:r>
           </a:p>
@@ -3601,7 +3613,7 @@
             <a:pPr marL="0" lvl="0" indent="0">
               <a:buNone/>
             </a:pPr>
-            <a:endParaRPr/>
+            <a:endParaRPr dirty="0"/>
           </a:p>
           <a:p>
             <a:pPr marL="0" lvl="0" indent="0">
@@ -3611,66 +3623,90 @@
               <a:buNone/>
             </a:pPr>
             <a:r>
-              <a:rPr b="1"/>
-              <a:t>Online Activity: Using Lightbeam</a:t>
-            </a:r>
-          </a:p>
-          <a:p>
-            <a:pPr marL="0" lvl="0" indent="0">
-              <a:buNone/>
-            </a:pPr>
-            <a:endParaRPr b="1"/>
-          </a:p>
-          <a:p>
-            <a:pPr marL="0" lvl="0" indent="0">
-              <a:buNone/>
-            </a:pPr>
-            <a:r>
-              <a:rPr/>
-              <a:t>[15 mins]</a:t>
-            </a:r>
-          </a:p>
-          <a:p>
-            <a:pPr marL="0" lvl="0" indent="0">
-              <a:buNone/>
-            </a:pPr>
-            <a:endParaRPr/>
+              <a:rPr b="1" dirty="0"/>
+              <a:t>Online Activity: Using </a:t>
+            </a:r>
+            <a:r>
+              <a:rPr b="1" dirty="0" err="1"/>
+              <a:t>Lightbeam</a:t>
+            </a:r>
+            <a:endParaRPr b="1" dirty="0"/>
+          </a:p>
+          <a:p>
+            <a:pPr marL="0" lvl="0" indent="0">
+              <a:buNone/>
+            </a:pPr>
+            <a:endParaRPr b="1" dirty="0"/>
+          </a:p>
+          <a:p>
+            <a:pPr marL="0" lvl="0" indent="0">
+              <a:buNone/>
+            </a:pPr>
+            <a:r>
+              <a:rPr dirty="0"/>
+              <a:t>[15 </a:t>
+            </a:r>
+            <a:r>
+              <a:rPr dirty="0" err="1"/>
+              <a:t>mins</a:t>
+            </a:r>
+            <a:r>
+              <a:rPr dirty="0"/>
+              <a:t>]</a:t>
+            </a:r>
+          </a:p>
+          <a:p>
+            <a:pPr marL="0" lvl="0" indent="0">
+              <a:buNone/>
+            </a:pPr>
+            <a:endParaRPr dirty="0"/>
           </a:p>
           <a:p>
             <a:pPr lvl="1"/>
             <a:r>
-              <a:rPr/>
+              <a:rPr dirty="0"/>
               <a:t>Share with your learners that we’re going to take a look at who might be tracking us online.</a:t>
             </a:r>
             <a:r>
+              <a:rPr dirty="0"/>
               <a:t/>
             </a:r>
-            <a:br/>
-            <a:endParaRPr/>
-          </a:p>
-          <a:p>
-            <a:pPr marL="0" lvl="0" indent="0">
-              <a:buNone/>
-            </a:pPr>
-            <a:endParaRPr/>
+            <a:br>
+              <a:rPr dirty="0"/>
+            </a:br>
+            <a:endParaRPr dirty="0"/>
+          </a:p>
+          <a:p>
+            <a:pPr marL="0" lvl="0" indent="0">
+              <a:buNone/>
+            </a:pPr>
+            <a:endParaRPr dirty="0"/>
           </a:p>
           <a:p>
             <a:pPr lvl="1"/>
             <a:r>
-              <a:rPr/>
-              <a:t>Explain to learners that we will be using Mozilla’s Lightbeam to see how companies use “cookies” - or special files saved by your web browser - to follow you around online.</a:t>
-            </a:r>
-          </a:p>
-          <a:p>
-            <a:pPr marL="0" lvl="0" indent="0">
-              <a:buNone/>
-            </a:pPr>
-            <a:endParaRPr/>
+              <a:rPr dirty="0"/>
+              <a:t>Explain to learners that we will be using Mozilla’s </a:t>
+            </a:r>
+            <a:r>
+              <a:rPr dirty="0" err="1"/>
+              <a:t>Lightbeam</a:t>
+            </a:r>
+            <a:r>
+              <a:rPr dirty="0"/>
+              <a:t> to see how companies use “cookies” - or special files saved by your web browser - to follow you around online.</a:t>
+            </a:r>
+          </a:p>
+          <a:p>
+            <a:pPr marL="0" lvl="0" indent="0">
+              <a:buNone/>
+            </a:pPr>
+            <a:endParaRPr dirty="0"/>
           </a:p>
           <a:p>
             <a:pPr lvl="1"/>
             <a:r>
-              <a:rPr/>
+              <a:rPr dirty="0"/>
               <a:t>Provide an overview of cookies.</a:t>
             </a:r>
           </a:p>
@@ -3678,12 +3714,12 @@
             <a:pPr marL="0" lvl="0" indent="0">
               <a:buNone/>
             </a:pPr>
-            <a:endParaRPr/>
+            <a:endParaRPr dirty="0"/>
           </a:p>
           <a:p>
             <a:pPr lvl="1"/>
             <a:r>
-              <a:rPr/>
+              <a:rPr dirty="0"/>
               <a:t>A cookie is small piece of data sent from a website and stored on the user’s computer by the user’s web browser while the user is browsing.</a:t>
             </a:r>
           </a:p>
@@ -3691,12 +3727,12 @@
             <a:pPr marL="0" lvl="0" indent="0">
               <a:buNone/>
             </a:pPr>
-            <a:endParaRPr/>
+            <a:endParaRPr dirty="0"/>
           </a:p>
           <a:p>
             <a:pPr lvl="1"/>
             <a:r>
-              <a:rPr/>
+              <a:rPr dirty="0"/>
               <a:t>They were designed to help a website remember information like what’s in your shopping cart, whether or not a user is logged in, and remembering answers users entered in forms.</a:t>
             </a:r>
           </a:p>
@@ -3704,12 +3740,12 @@
             <a:pPr marL="0" lvl="0" indent="0">
               <a:buNone/>
             </a:pPr>
-            <a:endParaRPr/>
+            <a:endParaRPr dirty="0"/>
           </a:p>
           <a:p>
             <a:pPr lvl="1"/>
             <a:r>
-              <a:rPr/>
+              <a:rPr dirty="0"/>
               <a:t>There are many types of cookies, which we shall see in our Privacy Speed Dating activity.</a:t>
             </a:r>
           </a:p>
@@ -3717,12 +3753,12 @@
             <a:pPr marL="0" lvl="0" indent="0">
               <a:buNone/>
             </a:pPr>
-            <a:endParaRPr/>
+            <a:endParaRPr dirty="0"/>
           </a:p>
           <a:p>
             <a:pPr lvl="1"/>
             <a:r>
-              <a:rPr/>
+              <a:rPr dirty="0"/>
               <a:t>Make sure you and your learners are using Firefox.</a:t>
             </a:r>
           </a:p>
@@ -3730,25 +3766,33 @@
             <a:pPr marL="0" lvl="0" indent="0">
               <a:buNone/>
             </a:pPr>
-            <a:endParaRPr/>
+            <a:endParaRPr dirty="0"/>
           </a:p>
           <a:p>
             <a:pPr lvl="1"/>
             <a:r>
-              <a:rPr/>
-              <a:t>Demonstrate how to navigate to Firefox Add-ons, search for Lightbeam, and click to Add to Firefox. (https://addons.mozilla.org/en-US/firefox/addon/lightbeam/)</a:t>
-            </a:r>
-          </a:p>
-          <a:p>
-            <a:pPr marL="0" lvl="0" indent="0">
-              <a:buNone/>
-            </a:pPr>
-            <a:endParaRPr/>
+              <a:rPr dirty="0"/>
+              <a:t>Demonstrate how to navigate to Firefox Add-ons, search for </a:t>
+            </a:r>
+            <a:r>
+              <a:rPr dirty="0" err="1"/>
+              <a:t>Lightbeam</a:t>
+            </a:r>
+            <a:r>
+              <a:rPr dirty="0"/>
+              <a:t>, and click to Add to Firefox. (https://addons.mozilla.org/en-US/firefox/addon/lightbeam/)</a:t>
+            </a:r>
+          </a:p>
+          <a:p>
+            <a:pPr marL="0" lvl="0" indent="0">
+              <a:buNone/>
+            </a:pPr>
+            <a:endParaRPr dirty="0"/>
           </a:p>
           <a:p>
             <a:pPr lvl="1"/>
             <a:r>
-              <a:rPr/>
+              <a:rPr dirty="0"/>
               <a:t>Go around the room to answer any individual questions about this process.</a:t>
             </a:r>
           </a:p>
@@ -3756,14 +3800,14 @@
             <a:pPr marL="0" lvl="0" indent="0">
               <a:buNone/>
             </a:pPr>
-            <a:endParaRPr/>
+            <a:endParaRPr dirty="0"/>
           </a:p>
           <a:p>
             <a:pPr marL="1270000" lvl="0" indent="0">
               <a:buNone/>
             </a:pPr>
             <a:r>
-              <a:rPr sz="2000"/>
+              <a:rPr sz="2000" dirty="0"/>
               <a:t>Tip! If you’re working with a co-facilitator, this is a great way for them to help out.</a:t>
             </a:r>
           </a:p>
@@ -3771,77 +3815,141 @@
             <a:pPr marL="0" lvl="0" indent="0">
               <a:buNone/>
             </a:pPr>
-            <a:endParaRPr sz="2000"/>
+            <a:endParaRPr sz="2000" dirty="0"/>
           </a:p>
           <a:p>
             <a:pPr lvl="1"/>
             <a:r>
-              <a:rPr sz="2000"/>
-              <a:t>Explain that learners will need to click on the Lightbeam icon next to the navigation bar to see data.</a:t>
-            </a:r>
-          </a:p>
-          <a:p>
-            <a:pPr marL="0" lvl="0" indent="0">
-              <a:buNone/>
-            </a:pPr>
-            <a:endParaRPr sz="2000"/>
+              <a:rPr sz="2000" dirty="0"/>
+              <a:t>Explain that learners will need to click on the </a:t>
+            </a:r>
+            <a:r>
+              <a:rPr sz="2000" dirty="0" err="1"/>
+              <a:t>Lightbeam</a:t>
+            </a:r>
+            <a:r>
+              <a:rPr sz="2000" dirty="0"/>
+              <a:t> icon next to the navigation bar to see data.</a:t>
+            </a:r>
+          </a:p>
+          <a:p>
+            <a:pPr marL="0" lvl="0" indent="0">
+              <a:buNone/>
+            </a:pPr>
+            <a:endParaRPr sz="2000" dirty="0"/>
           </a:p>
           <a:p>
             <a:pPr lvl="1"/>
             <a:r>
-              <a:rPr sz="2000"/>
-              <a:t>Demo Lightbeam for your learners by visiting two or three community-appropriate sites you like in a new tab (for example, amazon.com, youtube.com, wikipedia.com). Then go back to your Lightbeam tab and show students how many trackers have followed you.</a:t>
-            </a:r>
-          </a:p>
-          <a:p>
-            <a:pPr marL="0" lvl="0" indent="0">
-              <a:buNone/>
-            </a:pPr>
-            <a:endParaRPr sz="2000"/>
+              <a:rPr sz="2000" dirty="0"/>
+              <a:t>Demo </a:t>
+            </a:r>
+            <a:r>
+              <a:rPr sz="2000" dirty="0" err="1"/>
+              <a:t>Lightbeam</a:t>
+            </a:r>
+            <a:r>
+              <a:rPr sz="2000" dirty="0"/>
+              <a:t> for your learners by visiting two or three community-appropriate sites you like in a new tab (for example, amazon.com, youtube.com, wikipedia.com). Then go back to your </a:t>
+            </a:r>
+            <a:r>
+              <a:rPr sz="2000" dirty="0" err="1"/>
+              <a:t>Lightbeam</a:t>
+            </a:r>
+            <a:r>
+              <a:rPr sz="2000" dirty="0"/>
+              <a:t> tab and show students how many trackers have followed you.</a:t>
+            </a:r>
+          </a:p>
+          <a:p>
+            <a:pPr marL="0" lvl="0" indent="0">
+              <a:buNone/>
+            </a:pPr>
+            <a:endParaRPr sz="2000" dirty="0"/>
           </a:p>
           <a:p>
             <a:pPr lvl="1"/>
             <a:r>
-              <a:rPr sz="2000"/>
-              <a:t>Share with your learners: As you visit more and more sites, Lightbeam will display other companies and organizations that are following you and tracking your cookies. Sites can follow you around the web by looking at your Cookies and seeing where you got them.”</a:t>
-            </a:r>
-          </a:p>
-          <a:p>
-            <a:pPr marL="0" lvl="0" indent="0">
-              <a:buNone/>
-            </a:pPr>
-            <a:endParaRPr sz="2000"/>
+              <a:rPr sz="2000" dirty="0"/>
+              <a:t>Share with your learners: As you visit more and more sites, </a:t>
+            </a:r>
+            <a:r>
+              <a:rPr sz="2000" dirty="0" err="1"/>
+              <a:t>Lightbeam</a:t>
+            </a:r>
+            <a:r>
+              <a:rPr sz="2000" dirty="0"/>
+              <a:t> will display other companies and organizations that are following you and tracking your cookies. Sites can follow you around the web by looking at your Cookies and seeing where you got them.”</a:t>
+            </a:r>
+          </a:p>
+          <a:p>
+            <a:pPr marL="0" lvl="0" indent="0">
+              <a:buNone/>
+            </a:pPr>
+            <a:endParaRPr sz="2000" dirty="0"/>
           </a:p>
           <a:p>
             <a:pPr lvl="1"/>
             <a:r>
-              <a:rPr sz="2000"/>
-              <a:t>Ask learners to explore the internet a little bit to let Lightbeam collect third-party tracking info.</a:t>
-            </a:r>
-          </a:p>
-          <a:p>
-            <a:pPr marL="0" lvl="0" indent="0">
-              <a:buNone/>
-            </a:pPr>
-            <a:endParaRPr sz="2000"/>
+              <a:rPr sz="2000" dirty="0"/>
+              <a:t>Ask learners to explore the internet a little bit to let </a:t>
+            </a:r>
+            <a:r>
+              <a:rPr sz="2000" dirty="0" err="1"/>
+              <a:t>Lightbeam</a:t>
+            </a:r>
+            <a:r>
+              <a:rPr sz="2000" dirty="0"/>
+              <a:t> collect third-party tracking info.</a:t>
+            </a:r>
+          </a:p>
+          <a:p>
+            <a:pPr marL="0" lvl="0" indent="0">
+              <a:buNone/>
+            </a:pPr>
+            <a:endParaRPr sz="2000" dirty="0"/>
           </a:p>
           <a:p>
             <a:pPr lvl="1"/>
             <a:r>
-              <a:rPr sz="2000"/>
-              <a:t>Then share with your learners: Now you try it! Open a new tab next to your Lightbeam tab. Visit four or five community-appropriate sites you like and go back to your Lightbeam tab each time you go to a new page. See how Lightbeam keeps track of how many sites are tracking you.</a:t>
-            </a:r>
-          </a:p>
-          <a:p>
-            <a:pPr marL="0" lvl="0" indent="0">
-              <a:buNone/>
-            </a:pPr>
-            <a:endParaRPr sz="2000"/>
+              <a:rPr sz="2000" dirty="0"/>
+              <a:t>Then share with your learners: Now you try it! Open a new tab next to your </a:t>
+            </a:r>
+            <a:r>
+              <a:rPr sz="2000" dirty="0" err="1"/>
+              <a:t>Lightbeam</a:t>
+            </a:r>
+            <a:r>
+              <a:rPr sz="2000" dirty="0"/>
+              <a:t> tab. Visit four or five community-appropriate sites you like and go back to your </a:t>
+            </a:r>
+            <a:r>
+              <a:rPr sz="2000" dirty="0" err="1"/>
+              <a:t>Lightbeam</a:t>
+            </a:r>
+            <a:r>
+              <a:rPr sz="2000" dirty="0"/>
+              <a:t> tab each time you go to a new page. See how </a:t>
+            </a:r>
+            <a:r>
+              <a:rPr sz="2000" dirty="0" err="1"/>
+              <a:t>Lightbeam</a:t>
+            </a:r>
+            <a:r>
+              <a:rPr sz="2000" dirty="0"/>
+              <a:t> keeps track of how many sites are tracking you.</a:t>
+            </a:r>
+          </a:p>
+          <a:p>
+            <a:pPr marL="0" lvl="0" indent="0">
+              <a:buNone/>
+            </a:pPr>
+            <a:endParaRPr sz="2000" dirty="0"/>
           </a:p>
           <a:p>
             <a:pPr lvl="1"/>
             <a:r>
-              <a:rPr sz="2000"/>
+              <a:rPr sz="2000" dirty="0"/>
               <a:t>Give your learners time to explore.</a:t>
             </a:r>
           </a:p>
@@ -3849,12 +3957,12 @@
             <a:pPr marL="0" lvl="0" indent="0">
               <a:buNone/>
             </a:pPr>
-            <a:endParaRPr sz="2000"/>
+            <a:endParaRPr sz="2000" dirty="0"/>
           </a:p>
           <a:p>
             <a:pPr lvl="1"/>
             <a:r>
-              <a:rPr sz="2000"/>
+              <a:rPr sz="2000" dirty="0"/>
               <a:t>Ask learners:</a:t>
             </a:r>
           </a:p>
@@ -3862,25 +3970,33 @@
             <a:pPr marL="0" lvl="0" indent="0">
               <a:buNone/>
             </a:pPr>
-            <a:endParaRPr sz="2000"/>
+            <a:endParaRPr sz="2000" dirty="0"/>
           </a:p>
           <a:p>
             <a:pPr lvl="1"/>
             <a:r>
-              <a:rPr sz="2000"/>
-              <a:t>What did you see in Lightbeam that surprised you about online tracking?</a:t>
-            </a:r>
-          </a:p>
-          <a:p>
-            <a:pPr marL="0" lvl="0" indent="0">
-              <a:buNone/>
-            </a:pPr>
-            <a:endParaRPr sz="2000"/>
+              <a:rPr sz="2000" dirty="0"/>
+              <a:t>What did you see in </a:t>
+            </a:r>
+            <a:r>
+              <a:rPr sz="2000" dirty="0" err="1"/>
+              <a:t>Lightbeam</a:t>
+            </a:r>
+            <a:r>
+              <a:rPr sz="2000" dirty="0"/>
+              <a:t> that surprised you about online tracking?</a:t>
+            </a:r>
+          </a:p>
+          <a:p>
+            <a:pPr marL="0" lvl="0" indent="0">
+              <a:buNone/>
+            </a:pPr>
+            <a:endParaRPr sz="2000" dirty="0"/>
           </a:p>
           <a:p>
             <a:pPr lvl="1"/>
             <a:r>
-              <a:rPr sz="2000"/>
+              <a:rPr sz="2000" dirty="0"/>
               <a:t>Did any of the sites you visited use common tracking software?</a:t>
             </a:r>
           </a:p>
@@ -3888,12 +4004,12 @@
             <a:pPr marL="0" lvl="0" indent="0">
               <a:buNone/>
             </a:pPr>
-            <a:endParaRPr sz="2000"/>
+            <a:endParaRPr sz="2000" dirty="0"/>
           </a:p>
           <a:p>
             <a:pPr lvl="1"/>
             <a:r>
-              <a:rPr sz="2000"/>
+              <a:rPr sz="2000" dirty="0"/>
               <a:t>Are there important, “good” reasons to track people online that are worth losing some privacy over?</a:t>
             </a:r>
           </a:p>
@@ -3983,20 +4099,28 @@
               <a:buNone/>
             </a:pPr>
             <a:r>
-              <a:rPr/>
-              <a:t>[20 mins]</a:t>
-            </a:r>
-          </a:p>
-          <a:p>
-            <a:pPr marL="0" lvl="0" indent="0">
-              <a:buNone/>
-            </a:pPr>
-            <a:endParaRPr/>
+              <a:rPr dirty="0"/>
+              <a:t>[20 </a:t>
+            </a:r>
+            <a:r>
+              <a:rPr dirty="0" err="1"/>
+              <a:t>mins</a:t>
+            </a:r>
+            <a:r>
+              <a:rPr dirty="0"/>
+              <a:t>]</a:t>
+            </a:r>
+          </a:p>
+          <a:p>
+            <a:pPr marL="0" lvl="0" indent="0">
+              <a:buNone/>
+            </a:pPr>
+            <a:endParaRPr dirty="0"/>
           </a:p>
           <a:p>
             <a:pPr lvl="1"/>
             <a:r>
-              <a:rPr/>
+              <a:rPr dirty="0"/>
               <a:t>Break your learners into groups of 6 or so.</a:t>
             </a:r>
           </a:p>
@@ -4004,12 +4128,12 @@
             <a:pPr marL="0" lvl="0" indent="0">
               <a:buNone/>
             </a:pPr>
-            <a:endParaRPr/>
+            <a:endParaRPr dirty="0"/>
           </a:p>
           <a:p>
             <a:pPr lvl="1"/>
             <a:r>
-              <a:rPr/>
+              <a:rPr dirty="0"/>
               <a:t>Provide your learners with “biographies” (see below) of various third party tracking devices.</a:t>
             </a:r>
           </a:p>
@@ -4017,12 +4141,12 @@
             <a:pPr marL="0" lvl="0" indent="0">
               <a:buNone/>
             </a:pPr>
-            <a:endParaRPr/>
+            <a:endParaRPr dirty="0"/>
           </a:p>
           <a:p>
             <a:pPr lvl="2"/>
             <a:r>
-              <a:rPr i="1"/>
+              <a:rPr i="1" dirty="0"/>
               <a:t>Analytics Tracking: I work for the website owner to see how many people are visiting the site (visits and unique visitors; new and returning), or where they’re coming from. I help a website owner understand a customer’s website experience. I’m a persistent, usually first party, cookie that is set the first time when you visit the website, and I remain there for the duration that the website determines, often 18 months.</a:t>
             </a:r>
           </a:p>
@@ -4030,12 +4154,12 @@
             <a:pPr marL="0" lvl="0" indent="0">
               <a:buNone/>
             </a:pPr>
-            <a:endParaRPr i="1"/>
+            <a:endParaRPr i="1" dirty="0"/>
           </a:p>
           <a:p>
             <a:pPr lvl="2"/>
             <a:r>
-              <a:rPr i="1"/>
+              <a:rPr i="1" dirty="0"/>
               <a:t>Session Management Tracking: I’m a cookie that is needed to make the website function technically. I’m set when you visit the site and I disappear when you leave. I’m a transient cookie, stored on the client side in temporary memory and not on your hard drive. I’m happy to date, but am not looking for a long-term relationship and I won’t invade your privacy.</a:t>
             </a:r>
           </a:p>
@@ -4043,12 +4167,12 @@
             <a:pPr marL="0" lvl="0" indent="0">
               <a:buNone/>
             </a:pPr>
-            <a:endParaRPr i="1"/>
+            <a:endParaRPr i="1" dirty="0"/>
           </a:p>
           <a:p>
             <a:pPr lvl="2"/>
             <a:r>
-              <a:rPr i="1"/>
+              <a:rPr i="1" dirty="0"/>
               <a:t>Ecommerce Tracking: I’m used for shopping cart management and “quick checkout” options when you buy something on your favorite website. My cookies store ID values that help the website keep track of you as you add different things to your cart. Everything you add to your cart gets stored with your ID value, so that when you check out, the website knows what is in your cart. I can be a session cookie that disappears when you leave, or a persistent cookie that keeps your shopping cart items for you when you return later. Without me, online shopping would be far less convenient.</a:t>
             </a:r>
           </a:p>
@@ -4056,51 +4180,75 @@
             <a:pPr marL="0" lvl="0" indent="0">
               <a:buNone/>
             </a:pPr>
-            <a:endParaRPr i="1"/>
+            <a:endParaRPr i="1" dirty="0"/>
           </a:p>
           <a:p>
             <a:pPr lvl="2"/>
             <a:r>
-              <a:rPr i="1"/>
-              <a:t>Location Tracking: I’m the spy in your pocket. I’m on your computers, mobile phones, and tablets. Since I often go with you, I can record your location all the time, even when you’re not connected to the Internet. I can can reveal not just where you live and work, but also where you visit. I can make your daily routine and any deviations from it clear. I can also be used to infer your relationships to other people.</a:t>
-            </a:r>
-          </a:p>
-          <a:p>
-            <a:pPr marL="0" lvl="0" indent="0">
-              <a:buNone/>
-            </a:pPr>
-            <a:endParaRPr i="1"/>
+              <a:rPr i="1" dirty="0"/>
+              <a:t>Location Tracking: I’m the spy in your pocket. I’m on your computers, mobile phones, and tablets. Since I often go with you, I can record your location all the time, even when you’re not connected to the Internet. I can </a:t>
+            </a:r>
+            <a:r>
+              <a:rPr i="1" dirty="0" err="1"/>
+              <a:t>can</a:t>
+            </a:r>
+            <a:r>
+              <a:rPr i="1" dirty="0"/>
+              <a:t> reveal not just where you live and work, but also where you visit. I can make your daily routine and any deviations from it clear. I can also be used to infer your relationships to other people.</a:t>
+            </a:r>
+          </a:p>
+          <a:p>
+            <a:pPr marL="0" lvl="0" indent="0">
+              <a:buNone/>
+            </a:pPr>
+            <a:endParaRPr i="1" dirty="0"/>
           </a:p>
           <a:p>
             <a:pPr lvl="2"/>
             <a:r>
-              <a:rPr i="1"/>
-              <a:t>Third Party Tracking: I get stored on your device when you visit a website. You often won’t know I’m there. The website decides how many of my friends are invited. I often have a lot of friends. There may be 60 of us or more on one page. But I’m sometimes seen alone or not seen at all. I like to track your browsing habits and tell others. I guess you could say I’m a bit of a gossip. One of my jobs is to work for companies who want to build up a profile of who you are: how old you are, where you live, what you read, and what you’re interested in. The companies I work for can package and sell this information to thers: advertisers, other companies, or governments. I’m often hidden, but when I work for well known companies, you can see me as a brightly colored button.</a:t>
-            </a:r>
-          </a:p>
-          <a:p>
-            <a:pPr marL="0" lvl="0" indent="0">
-              <a:buNone/>
-            </a:pPr>
-            <a:endParaRPr i="1"/>
+              <a:rPr i="1" dirty="0"/>
+              <a:t>Third Party Tracking: I get stored on your device when you visit a website. You often won’t know I’m there. The website decides how many of my friends are invited. I often have a lot of friends. There may be 60 of us or more on one page. But I’m sometimes seen alone or not seen at all. I like to track your browsing habits and tell others. I guess you could say I’m a bit of a gossip. One of my jobs is to work for companies who want to build up a profile of who you are: how old you are, where you live, what you read, and what you’re interested in. The companies I work for can package and sell this information to </a:t>
+            </a:r>
+            <a:r>
+              <a:rPr i="1" dirty="0" err="1"/>
+              <a:t>thers</a:t>
+            </a:r>
+            <a:r>
+              <a:rPr i="1" dirty="0"/>
+              <a:t>: advertisers, other companies, or governments. I’m often hidden, but when I work for well known companies, you can see me as a brightly colored button.</a:t>
+            </a:r>
+          </a:p>
+          <a:p>
+            <a:pPr marL="0" lvl="0" indent="0">
+              <a:buNone/>
+            </a:pPr>
+            <a:endParaRPr i="1" dirty="0"/>
           </a:p>
           <a:p>
             <a:pPr lvl="2"/>
             <a:r>
-              <a:rPr i="1"/>
-              <a:t>Browser Fingerprinting: I started out in banking to help prevent fraud, but now I work in lots of areas. My friends tell me things about you, like your IP address, browser history, screen size, time-zone, plug-ins, and operating system. I pull together information that alone doesn’t seem identifying, but because I put all these things together, I can identify you across the Internet and can be used as an alternative to cookies. The more uniquely your system is configured, the easier it for me to identify you. Don’t believe me? Try Panopticlick. EFF has been measuring me since 2010.</a:t>
-            </a:r>
-          </a:p>
-          <a:p>
-            <a:pPr marL="0" lvl="0" indent="0">
-              <a:buNone/>
-            </a:pPr>
-            <a:endParaRPr i="1"/>
+              <a:rPr i="1" dirty="0"/>
+              <a:t>Browser Fingerprinting: I started out in banking to help prevent fraud, but now I work in lots of areas. My friends tell me things about you, like your IP address, browser history, screen size, time-zone, plug-ins, and operating system. I pull together information that alone doesn’t seem identifying, but because I put all these things together, I can identify you across the Internet and can be used as an alternative to cookies. The more uniquely your system is configured, the easier it for me to identify you. Don’t believe me? Try </a:t>
+            </a:r>
+            <a:r>
+              <a:rPr i="1" dirty="0" err="1"/>
+              <a:t>Panopticlick</a:t>
+            </a:r>
+            <a:r>
+              <a:rPr i="1" dirty="0"/>
+              <a:t>. EFF has been measuring me since 2010.</a:t>
+            </a:r>
+          </a:p>
+          <a:p>
+            <a:pPr marL="0" lvl="0" indent="0">
+              <a:buNone/>
+            </a:pPr>
+            <a:endParaRPr i="1" dirty="0"/>
           </a:p>
           <a:p>
             <a:pPr lvl="1"/>
             <a:r>
-              <a:rPr/>
+              <a:rPr dirty="0"/>
               <a:t>Set a timer to 2 minute intervals. Start the timer and ask everyone to find a partner.</a:t>
             </a:r>
           </a:p>
@@ -4108,14 +4256,14 @@
             <a:pPr marL="0" lvl="0" indent="0">
               <a:buNone/>
             </a:pPr>
-            <a:endParaRPr/>
+            <a:endParaRPr dirty="0"/>
           </a:p>
           <a:p>
             <a:pPr marL="1270000" lvl="0" indent="0">
               <a:buNone/>
             </a:pPr>
             <a:r>
-              <a:rPr sz="2000"/>
+              <a:rPr sz="2000" dirty="0"/>
               <a:t>Tip! If there are an odd number of participants, let learners know that one group of three at a time is perfectly acceptable.</a:t>
             </a:r>
           </a:p>
@@ -4123,12 +4271,12 @@
             <a:pPr marL="0" lvl="0" indent="0">
               <a:buNone/>
             </a:pPr>
-            <a:endParaRPr sz="2000"/>
+            <a:endParaRPr sz="2000" dirty="0"/>
           </a:p>
           <a:p>
             <a:pPr lvl="1"/>
             <a:r>
-              <a:rPr/>
+              <a:rPr dirty="0"/>
               <a:t>Tell your learners that they have two minutes to introduce themselves to each other and ask each other any of the short questions below. After the two minutes is up ask them to find another person and do the same thing. Keep going until everyone has had a chance to meet each other.</a:t>
             </a:r>
           </a:p>
@@ -4136,12 +4284,12 @@
             <a:pPr marL="0" lvl="0" indent="0">
               <a:buNone/>
             </a:pPr>
-            <a:endParaRPr/>
+            <a:endParaRPr dirty="0"/>
           </a:p>
           <a:p>
             <a:pPr lvl="2"/>
             <a:r>
-              <a:rPr/>
+              <a:rPr dirty="0"/>
               <a:t>What do you do?</a:t>
             </a:r>
           </a:p>
@@ -4149,12 +4297,12 @@
             <a:pPr marL="0" lvl="0" indent="0">
               <a:buNone/>
             </a:pPr>
-            <a:endParaRPr/>
+            <a:endParaRPr dirty="0"/>
           </a:p>
           <a:p>
             <a:pPr lvl="2"/>
             <a:r>
-              <a:rPr/>
+              <a:rPr dirty="0"/>
               <a:t>What are your friends like?</a:t>
             </a:r>
           </a:p>
@@ -4162,12 +4310,12 @@
             <a:pPr marL="0" lvl="0" indent="0">
               <a:buNone/>
             </a:pPr>
-            <a:endParaRPr/>
+            <a:endParaRPr dirty="0"/>
           </a:p>
           <a:p>
             <a:pPr lvl="2"/>
             <a:r>
-              <a:rPr/>
+              <a:rPr dirty="0"/>
               <a:t>How do we connect?</a:t>
             </a:r>
           </a:p>
@@ -4175,12 +4323,12 @@
             <a:pPr marL="0" lvl="0" indent="0">
               <a:buNone/>
             </a:pPr>
-            <a:endParaRPr/>
+            <a:endParaRPr dirty="0"/>
           </a:p>
           <a:p>
             <a:pPr lvl="2"/>
             <a:r>
-              <a:rPr/>
+              <a:rPr dirty="0"/>
               <a:t>How old are you?</a:t>
             </a:r>
           </a:p>
@@ -4188,12 +4336,12 @@
             <a:pPr marL="0" lvl="0" indent="0">
               <a:buNone/>
             </a:pPr>
-            <a:endParaRPr/>
+            <a:endParaRPr dirty="0"/>
           </a:p>
           <a:p>
             <a:pPr lvl="2"/>
             <a:r>
-              <a:rPr/>
+              <a:rPr dirty="0"/>
               <a:t>Where are you from?</a:t>
             </a:r>
           </a:p>
@@ -4201,12 +4349,12 @@
             <a:pPr marL="0" lvl="0" indent="0">
               <a:buNone/>
             </a:pPr>
-            <a:endParaRPr/>
+            <a:endParaRPr dirty="0"/>
           </a:p>
           <a:p>
             <a:pPr lvl="1"/>
             <a:r>
-              <a:rPr/>
+              <a:rPr dirty="0"/>
               <a:t>After ten minutes, call your learners back to the big group.</a:t>
             </a:r>
           </a:p>
@@ -4214,12 +4362,12 @@
             <a:pPr marL="0" lvl="0" indent="0">
               <a:buNone/>
             </a:pPr>
-            <a:endParaRPr/>
+            <a:endParaRPr dirty="0"/>
           </a:p>
           <a:p>
             <a:pPr lvl="1"/>
             <a:r>
-              <a:rPr/>
+              <a:rPr dirty="0"/>
               <a:t>Have a discussion with your learners:</a:t>
             </a:r>
           </a:p>
@@ -4227,12 +4375,12 @@
             <a:pPr marL="0" lvl="0" indent="0">
               <a:buNone/>
             </a:pPr>
-            <a:endParaRPr/>
+            <a:endParaRPr dirty="0"/>
           </a:p>
           <a:p>
             <a:pPr lvl="2"/>
             <a:r>
-              <a:rPr/>
+              <a:rPr dirty="0"/>
               <a:t>What surprised you the most when it comes to these online trackers?</a:t>
             </a:r>
           </a:p>
@@ -4240,12 +4388,12 @@
             <a:pPr marL="0" lvl="0" indent="0">
               <a:buNone/>
             </a:pPr>
-            <a:endParaRPr/>
+            <a:endParaRPr dirty="0"/>
           </a:p>
           <a:p>
             <a:pPr lvl="2"/>
             <a:r>
-              <a:rPr/>
+              <a:rPr dirty="0"/>
               <a:t>When learning about a new type of tracker, could you see who might be benefitting from the information that is being picked up about your browsing habits?</a:t>
             </a:r>
           </a:p>
@@ -4253,12 +4401,12 @@
             <a:pPr marL="0" lvl="0" indent="0">
               <a:buNone/>
             </a:pPr>
-            <a:endParaRPr/>
+            <a:endParaRPr dirty="0"/>
           </a:p>
           <a:p>
             <a:pPr lvl="2"/>
             <a:r>
-              <a:rPr/>
+              <a:rPr dirty="0"/>
               <a:t>Are you concerned about the type of information that is being shared about you? Why or why not?</a:t>
             </a:r>
           </a:p>
@@ -4266,12 +4414,12 @@
             <a:pPr marL="0" lvl="0" indent="0">
               <a:buNone/>
             </a:pPr>
-            <a:endParaRPr/>
+            <a:endParaRPr dirty="0"/>
           </a:p>
           <a:p>
             <a:pPr lvl="2"/>
             <a:r>
-              <a:rPr/>
+              <a:rPr dirty="0"/>
               <a:t>Now that we’ve identified the problems, let’s talk solutions!</a:t>
             </a:r>
           </a:p>
@@ -4361,7 +4509,7 @@
               <a:buNone/>
             </a:pPr>
             <a:r>
-              <a:rPr/>
+              <a:rPr dirty="0"/>
               <a:t>[45 min-1 hour]</a:t>
             </a:r>
           </a:p>
@@ -4369,14 +4517,14 @@
             <a:pPr marL="0" lvl="0" indent="0">
               <a:buNone/>
             </a:pPr>
-            <a:endParaRPr/>
-          </a:p>
-          <a:p>
-            <a:pPr marL="0" lvl="0" indent="0">
-              <a:buNone/>
-            </a:pPr>
-            <a:r>
-              <a:rPr/>
+            <a:endParaRPr dirty="0"/>
+          </a:p>
+          <a:p>
+            <a:pPr marL="0" lvl="0" indent="0">
+              <a:buNone/>
+            </a:pPr>
+            <a:r>
+              <a:rPr dirty="0"/>
               <a:t>[20 minutes]</a:t>
             </a:r>
           </a:p>
@@ -4384,12 +4532,12 @@
             <a:pPr marL="0" lvl="0" indent="0">
               <a:buNone/>
             </a:pPr>
-            <a:endParaRPr/>
+            <a:endParaRPr dirty="0"/>
           </a:p>
           <a:p>
             <a:pPr lvl="1"/>
             <a:r>
-              <a:rPr/>
+              <a:rPr dirty="0"/>
               <a:t>Tell learners: your browser is your portal to the internet. It’s where your steps to address your personal privacy begin. We’re going to take some steps today to clear up our browser settings.</a:t>
             </a:r>
           </a:p>
@@ -4397,12 +4545,12 @@
             <a:pPr marL="0" lvl="0" indent="0">
               <a:buNone/>
             </a:pPr>
-            <a:endParaRPr/>
+            <a:endParaRPr dirty="0"/>
           </a:p>
           <a:p>
             <a:pPr lvl="1"/>
             <a:r>
-              <a:rPr/>
+              <a:rPr dirty="0"/>
               <a:t>Say to learners: By show of hands, please share which browser you use. We will be getting into groups according to the browsers we commonly use to see what we can do today to make them more secure.</a:t>
             </a:r>
           </a:p>
@@ -4410,14 +4558,14 @@
             <a:pPr marL="0" lvl="0" indent="0">
               <a:buNone/>
             </a:pPr>
-            <a:endParaRPr/>
+            <a:endParaRPr dirty="0"/>
           </a:p>
           <a:p>
             <a:pPr marL="1270000" lvl="0" indent="0">
               <a:buNone/>
             </a:pPr>
             <a:r>
-              <a:rPr sz="2000"/>
+              <a:rPr sz="2000" dirty="0"/>
               <a:t>Tip! This list assumes learners are able to bring their own device. This activity can be remixed for settings in which all participants are using a common browser.</a:t>
             </a:r>
           </a:p>
@@ -4425,12 +4573,12 @@
             <a:pPr marL="0" lvl="0" indent="0">
               <a:buNone/>
             </a:pPr>
-            <a:endParaRPr sz="2000"/>
+            <a:endParaRPr sz="2000" dirty="0"/>
           </a:p>
           <a:p>
             <a:pPr lvl="1"/>
             <a:r>
-              <a:rPr sz="2000"/>
+              <a:rPr sz="2000" dirty="0"/>
               <a:t>Google Chrome</a:t>
             </a:r>
           </a:p>
@@ -4438,12 +4586,12 @@
             <a:pPr marL="0" lvl="0" indent="0">
               <a:buNone/>
             </a:pPr>
-            <a:endParaRPr sz="2000"/>
+            <a:endParaRPr sz="2000" dirty="0"/>
           </a:p>
           <a:p>
             <a:pPr lvl="1"/>
             <a:r>
-              <a:rPr sz="2000"/>
+              <a:rPr sz="2000" dirty="0"/>
               <a:t>Mozilla Firefox</a:t>
             </a:r>
           </a:p>
@@ -4451,12 +4599,12 @@
             <a:pPr marL="0" lvl="0" indent="0">
               <a:buNone/>
             </a:pPr>
-            <a:endParaRPr sz="2000"/>
+            <a:endParaRPr sz="2000" dirty="0"/>
           </a:p>
           <a:p>
             <a:pPr lvl="1"/>
             <a:r>
-              <a:rPr sz="2000"/>
+              <a:rPr sz="2000" dirty="0"/>
               <a:t>Microsoft Internet Explorer</a:t>
             </a:r>
           </a:p>
@@ -4464,12 +4612,12 @@
             <a:pPr marL="0" lvl="0" indent="0">
               <a:buNone/>
             </a:pPr>
-            <a:endParaRPr sz="2000"/>
+            <a:endParaRPr sz="2000" dirty="0"/>
           </a:p>
           <a:p>
             <a:pPr lvl="1"/>
             <a:r>
-              <a:rPr sz="2000"/>
+              <a:rPr sz="2000" dirty="0"/>
               <a:t>Apple Safari</a:t>
             </a:r>
           </a:p>
@@ -4477,12 +4625,12 @@
             <a:pPr marL="0" lvl="0" indent="0">
               <a:buNone/>
             </a:pPr>
-            <a:endParaRPr sz="2000"/>
+            <a:endParaRPr sz="2000" dirty="0"/>
           </a:p>
           <a:p>
             <a:pPr lvl="1"/>
             <a:r>
-              <a:rPr sz="2000"/>
+              <a:rPr sz="2000" dirty="0"/>
               <a:t>Now let’s break into groups to work on our browser settings. Tip! Point to areas of the room where your groups should sit.</a:t>
             </a:r>
           </a:p>
@@ -4490,12 +4638,12 @@
             <a:pPr marL="0" lvl="0" indent="0">
               <a:buNone/>
             </a:pPr>
-            <a:endParaRPr sz="2000"/>
+            <a:endParaRPr sz="2000" dirty="0"/>
           </a:p>
           <a:p>
             <a:pPr lvl="1"/>
             <a:r>
-              <a:rPr/>
+              <a:rPr dirty="0"/>
               <a:t>Direct learners to online resources based on their groups:</a:t>
             </a:r>
           </a:p>
@@ -4503,12 +4651,12 @@
             <a:pPr marL="0" lvl="0" indent="0">
               <a:buNone/>
             </a:pPr>
-            <a:endParaRPr/>
+            <a:endParaRPr dirty="0"/>
           </a:p>
           <a:p>
             <a:pPr lvl="2"/>
             <a:r>
-              <a:rPr/>
+              <a:rPr dirty="0"/>
               <a:t>Google Chrome: https://myshadow.org/how-to-increase-your-privacy-on-chrome</a:t>
             </a:r>
           </a:p>
@@ -4516,12 +4664,12 @@
             <a:pPr marL="0" lvl="0" indent="0">
               <a:buNone/>
             </a:pPr>
-            <a:endParaRPr/>
+            <a:endParaRPr dirty="0"/>
           </a:p>
           <a:p>
             <a:pPr lvl="2"/>
             <a:r>
-              <a:rPr/>
+              <a:rPr dirty="0"/>
               <a:t>Mozilla Firefox: https://myshadow.org/how-to-increase-your-privacy-on-firefox</a:t>
             </a:r>
           </a:p>
@@ -4529,12 +4677,12 @@
             <a:pPr marL="0" lvl="0" indent="0">
               <a:buNone/>
             </a:pPr>
-            <a:endParaRPr/>
+            <a:endParaRPr dirty="0"/>
           </a:p>
           <a:p>
             <a:pPr lvl="2"/>
             <a:r>
-              <a:rPr/>
+              <a:rPr dirty="0"/>
               <a:t>Microsoft Internet Explorer: https://support.microsoft.com/en-us/help/17479/windows-internet-explorer-11-change-security-privacy-settings</a:t>
             </a:r>
           </a:p>
@@ -4542,12 +4690,12 @@
             <a:pPr marL="0" lvl="0" indent="0">
               <a:buNone/>
             </a:pPr>
-            <a:endParaRPr/>
+            <a:endParaRPr dirty="0"/>
           </a:p>
           <a:p>
             <a:pPr lvl="2"/>
             <a:r>
-              <a:rPr/>
+              <a:rPr dirty="0"/>
               <a:t>Apple Safari: https://support.apple.com/guide/safari/privacy-preferences-sfri35610/mac</a:t>
             </a:r>
           </a:p>
@@ -4555,12 +4703,12 @@
             <a:pPr marL="0" lvl="0" indent="0">
               <a:buNone/>
             </a:pPr>
-            <a:endParaRPr/>
+            <a:endParaRPr dirty="0"/>
           </a:p>
           <a:p>
             <a:pPr lvl="1"/>
             <a:r>
-              <a:rPr/>
+              <a:rPr dirty="0"/>
               <a:t>Provide each group with the below Browser Privacy Checklist. Reminder users that, while they may see additional security tips on the web pages they have been assigned, they should plan to working on the worksheet only at this time, as we will be going through other steps as a group.</a:t>
             </a:r>
           </a:p>
@@ -4568,14 +4716,14 @@
             <a:pPr marL="0" lvl="0" indent="0">
               <a:buNone/>
             </a:pPr>
-            <a:endParaRPr/>
+            <a:endParaRPr dirty="0"/>
           </a:p>
           <a:p>
             <a:pPr marL="1270000" lvl="0" indent="0">
               <a:buNone/>
             </a:pPr>
             <a:r>
-              <a:rPr sz="2000"/>
+              <a:rPr sz="2000" dirty="0"/>
               <a:t>Tip! Review and remix this worksheet, as settings are apt to change. Tip! Remix this worksheet to reflect settings in which everyone is using the same browser by removing the second column and adjusting tasks so that they suit the browser in question.</a:t>
             </a:r>
           </a:p>
@@ -5480,7 +5628,7 @@
           <a:p>
             <a:fld id="{241EB5C9-1307-BA42-ABA2-0BC069CD8E7F}" type="datetimeFigureOut">
               <a:rPr lang="en-US" smtClean="0"/>
-              <a:t>9/16/2021</a:t>
+              <a:t>9/17/2021</a:t>
             </a:fld>
             <a:endParaRPr lang="en-US"/>
           </a:p>
@@ -10932,6 +11080,13 @@
       </p:transition>
     </mc:Fallback>
   </mc:AlternateContent>
+  <p:timing>
+    <p:tnLst>
+      <p:par>
+        <p:cTn id="1" dur="indefinite" restart="never" nodeType="tmRoot"/>
+      </p:par>
+    </p:tnLst>
+  </p:timing>
 </p:sld>
 </file>
 
@@ -11045,7 +11200,7 @@
           <a:lstStyle/>
           <a:p>
             <a:r>
-              <a:rPr/>
+              <a:rPr dirty="0"/>
               <a:t>Part 2: Your Privacy Checklist</a:t>
             </a:r>
           </a:p>
@@ -11064,7 +11219,7 @@
         <p:spPr>
           <a:xfrm>
             <a:off x="415601" y="1639833"/>
-            <a:ext cx="5983472" cy="4452000"/>
+            <a:ext cx="3789071" cy="4452000"/>
           </a:xfrm>
         </p:spPr>
         <p:txBody>
@@ -11108,13 +11263,13 @@
         </p:nvPicPr>
         <p:blipFill rotWithShape="1">
           <a:blip r:embed="rId3"/>
-          <a:srcRect l="3549" t="3469" r="2590" b="2285"/>
+          <a:srcRect l="6971" t="20478" r="4656" b="11982"/>
           <a:stretch/>
         </p:blipFill>
         <p:spPr bwMode="auto">
           <a:xfrm>
-            <a:off x="6399073" y="1496291"/>
-            <a:ext cx="4490599" cy="4059382"/>
+            <a:off x="4204672" y="1639833"/>
+            <a:ext cx="7520603" cy="5174435"/>
           </a:xfrm>
           <a:prstGeom prst="rect">
             <a:avLst/>
@@ -11406,13 +11561,13 @@
   <p:clrMapOvr>
     <a:masterClrMapping/>
   </p:clrMapOvr>
-  <mc:AlternateContent xmlns:mc="http://schemas.openxmlformats.org/markup-compatibility/2006">
-    <mc:Choice xmlns:p14="http://schemas.microsoft.com/office/powerpoint/2010/main" Requires="p14">
+  <mc:AlternateContent xmlns:mc="http://schemas.openxmlformats.org/markup-compatibility/2006" xmlns:p14="http://schemas.microsoft.com/office/powerpoint/2010/main">
+    <mc:Choice Requires="p14">
       <p:transition spd="med" p14:dur="700">
         <p:fade/>
       </p:transition>
     </mc:Choice>
-    <mc:Fallback>
+    <mc:Fallback xmlns="">
       <p:transition spd="med">
         <p:fade/>
       </p:transition>
@@ -11508,13 +11663,13 @@
   <p:clrMapOvr>
     <a:masterClrMapping/>
   </p:clrMapOvr>
-  <mc:AlternateContent xmlns:mc="http://schemas.openxmlformats.org/markup-compatibility/2006">
-    <mc:Choice xmlns:p14="http://schemas.microsoft.com/office/powerpoint/2010/main" Requires="p14">
+  <mc:AlternateContent xmlns:mc="http://schemas.openxmlformats.org/markup-compatibility/2006" xmlns:p14="http://schemas.microsoft.com/office/powerpoint/2010/main">
+    <mc:Choice Requires="p14">
       <p:transition spd="med" p14:dur="700">
         <p:fade/>
       </p:transition>
     </mc:Choice>
-    <mc:Fallback>
+    <mc:Fallback xmlns="">
       <p:transition spd="med">
         <p:fade/>
       </p:transition>
@@ -11593,13 +11748,7 @@
               <a:rPr lang="en-GB" sz="2400" dirty="0" smtClean="0">
                 <a:hlinkClick r:id="rId3"/>
               </a:rPr>
-              <a:t>passphrase </a:t>
-            </a:r>
-            <a:r>
-              <a:rPr lang="en-GB" sz="2400" dirty="0" smtClean="0">
-                <a:hlinkClick r:id="rId3"/>
-              </a:rPr>
-              <a:t>generator</a:t>
+              <a:t>passphrase generator</a:t>
             </a:r>
             <a:endParaRPr lang="en-GB" sz="2400" dirty="0" smtClean="0"/>
           </a:p>
@@ -11901,6 +12050,13 @@
       </p:transition>
     </mc:Fallback>
   </mc:AlternateContent>
+  <p:timing>
+    <p:tnLst>
+      <p:par>
+        <p:cTn id="1" dur="indefinite" restart="never" nodeType="tmRoot"/>
+      </p:par>
+    </p:tnLst>
+  </p:timing>
 </p:sld>
 </file>
 
@@ -12096,6 +12252,13 @@
   <p:clrMapOvr>
     <a:masterClrMapping/>
   </p:clrMapOvr>
+  <p:timing>
+    <p:tnLst>
+      <p:par>
+        <p:cTn id="1" dur="indefinite" restart="never" nodeType="tmRoot"/>
+      </p:par>
+    </p:tnLst>
+  </p:timing>
 </p:sld>
 </file>
 
@@ -12174,6 +12337,13 @@
   <p:clrMapOvr>
     <a:masterClrMapping/>
   </p:clrMapOvr>
+  <p:timing>
+    <p:tnLst>
+      <p:par>
+        <p:cTn id="1" dur="indefinite" restart="never" nodeType="tmRoot"/>
+      </p:par>
+    </p:tnLst>
+  </p:timing>
 </p:sld>
 </file>
 
@@ -12258,6 +12428,13 @@
   <p:clrMapOvr>
     <a:masterClrMapping/>
   </p:clrMapOvr>
+  <p:timing>
+    <p:tnLst>
+      <p:par>
+        <p:cTn id="1" dur="indefinite" restart="never" nodeType="tmRoot"/>
+      </p:par>
+    </p:tnLst>
+  </p:timing>
 </p:sld>
 </file>
 
@@ -12356,6 +12533,281 @@
   <p:clrMapOvr>
     <a:masterClrMapping/>
   </p:clrMapOvr>
+  <p:timing>
+    <p:tnLst>
+      <p:par>
+        <p:cTn id="1" dur="indefinite" restart="never" nodeType="tmRoot">
+          <p:childTnLst>
+            <p:seq concurrent="1" nextAc="seek">
+              <p:cTn id="2" dur="indefinite" nodeType="mainSeq">
+                <p:childTnLst>
+                  <p:par>
+                    <p:cTn id="3" fill="hold">
+                      <p:stCondLst>
+                        <p:cond delay="indefinite"/>
+                      </p:stCondLst>
+                      <p:childTnLst>
+                        <p:par>
+                          <p:cTn id="4" fill="hold">
+                            <p:stCondLst>
+                              <p:cond delay="0"/>
+                            </p:stCondLst>
+                            <p:childTnLst>
+                              <p:par>
+                                <p:cTn id="5" presetID="1" presetClass="entr" presetSubtype="0" fill="hold" nodeType="clickEffect">
+                                  <p:stCondLst>
+                                    <p:cond delay="0"/>
+                                  </p:stCondLst>
+                                  <p:childTnLst>
+                                    <p:set>
+                                      <p:cBhvr>
+                                        <p:cTn id="6" dur="1" fill="hold">
+                                          <p:stCondLst>
+                                            <p:cond delay="0"/>
+                                          </p:stCondLst>
+                                        </p:cTn>
+                                        <p:tgtEl>
+                                          <p:spTgt spid="3">
+                                            <p:txEl>
+                                              <p:pRg st="0" end="0"/>
+                                            </p:txEl>
+                                          </p:spTgt>
+                                        </p:tgtEl>
+                                        <p:attrNameLst>
+                                          <p:attrName>style.visibility</p:attrName>
+                                        </p:attrNameLst>
+                                      </p:cBhvr>
+                                      <p:to>
+                                        <p:strVal val="visible"/>
+                                      </p:to>
+                                    </p:set>
+                                  </p:childTnLst>
+                                </p:cTn>
+                              </p:par>
+                            </p:childTnLst>
+                          </p:cTn>
+                        </p:par>
+                      </p:childTnLst>
+                    </p:cTn>
+                  </p:par>
+                  <p:par>
+                    <p:cTn id="7" fill="hold">
+                      <p:stCondLst>
+                        <p:cond delay="indefinite"/>
+                      </p:stCondLst>
+                      <p:childTnLst>
+                        <p:par>
+                          <p:cTn id="8" fill="hold">
+                            <p:stCondLst>
+                              <p:cond delay="0"/>
+                            </p:stCondLst>
+                            <p:childTnLst>
+                              <p:par>
+                                <p:cTn id="9" presetID="1" presetClass="entr" presetSubtype="0" fill="hold" nodeType="clickEffect">
+                                  <p:stCondLst>
+                                    <p:cond delay="0"/>
+                                  </p:stCondLst>
+                                  <p:childTnLst>
+                                    <p:set>
+                                      <p:cBhvr>
+                                        <p:cTn id="10" dur="1" fill="hold">
+                                          <p:stCondLst>
+                                            <p:cond delay="0"/>
+                                          </p:stCondLst>
+                                        </p:cTn>
+                                        <p:tgtEl>
+                                          <p:spTgt spid="3">
+                                            <p:txEl>
+                                              <p:pRg st="1" end="1"/>
+                                            </p:txEl>
+                                          </p:spTgt>
+                                        </p:tgtEl>
+                                        <p:attrNameLst>
+                                          <p:attrName>style.visibility</p:attrName>
+                                        </p:attrNameLst>
+                                      </p:cBhvr>
+                                      <p:to>
+                                        <p:strVal val="visible"/>
+                                      </p:to>
+                                    </p:set>
+                                  </p:childTnLst>
+                                </p:cTn>
+                              </p:par>
+                            </p:childTnLst>
+                          </p:cTn>
+                        </p:par>
+                      </p:childTnLst>
+                    </p:cTn>
+                  </p:par>
+                  <p:par>
+                    <p:cTn id="11" fill="hold">
+                      <p:stCondLst>
+                        <p:cond delay="indefinite"/>
+                      </p:stCondLst>
+                      <p:childTnLst>
+                        <p:par>
+                          <p:cTn id="12" fill="hold">
+                            <p:stCondLst>
+                              <p:cond delay="0"/>
+                            </p:stCondLst>
+                            <p:childTnLst>
+                              <p:par>
+                                <p:cTn id="13" presetID="1" presetClass="entr" presetSubtype="0" fill="hold" nodeType="clickEffect">
+                                  <p:stCondLst>
+                                    <p:cond delay="0"/>
+                                  </p:stCondLst>
+                                  <p:childTnLst>
+                                    <p:set>
+                                      <p:cBhvr>
+                                        <p:cTn id="14" dur="1" fill="hold">
+                                          <p:stCondLst>
+                                            <p:cond delay="0"/>
+                                          </p:stCondLst>
+                                        </p:cTn>
+                                        <p:tgtEl>
+                                          <p:spTgt spid="3">
+                                            <p:txEl>
+                                              <p:pRg st="2" end="2"/>
+                                            </p:txEl>
+                                          </p:spTgt>
+                                        </p:tgtEl>
+                                        <p:attrNameLst>
+                                          <p:attrName>style.visibility</p:attrName>
+                                        </p:attrNameLst>
+                                      </p:cBhvr>
+                                      <p:to>
+                                        <p:strVal val="visible"/>
+                                      </p:to>
+                                    </p:set>
+                                  </p:childTnLst>
+                                </p:cTn>
+                              </p:par>
+                            </p:childTnLst>
+                          </p:cTn>
+                        </p:par>
+                      </p:childTnLst>
+                    </p:cTn>
+                  </p:par>
+                  <p:par>
+                    <p:cTn id="15" fill="hold">
+                      <p:stCondLst>
+                        <p:cond delay="indefinite"/>
+                      </p:stCondLst>
+                      <p:childTnLst>
+                        <p:par>
+                          <p:cTn id="16" fill="hold">
+                            <p:stCondLst>
+                              <p:cond delay="0"/>
+                            </p:stCondLst>
+                            <p:childTnLst>
+                              <p:par>
+                                <p:cTn id="17" presetID="1" presetClass="entr" presetSubtype="0" fill="hold" nodeType="clickEffect">
+                                  <p:stCondLst>
+                                    <p:cond delay="0"/>
+                                  </p:stCondLst>
+                                  <p:childTnLst>
+                                    <p:set>
+                                      <p:cBhvr>
+                                        <p:cTn id="18" dur="1" fill="hold">
+                                          <p:stCondLst>
+                                            <p:cond delay="0"/>
+                                          </p:stCondLst>
+                                        </p:cTn>
+                                        <p:tgtEl>
+                                          <p:spTgt spid="3">
+                                            <p:txEl>
+                                              <p:pRg st="3" end="3"/>
+                                            </p:txEl>
+                                          </p:spTgt>
+                                        </p:tgtEl>
+                                        <p:attrNameLst>
+                                          <p:attrName>style.visibility</p:attrName>
+                                        </p:attrNameLst>
+                                      </p:cBhvr>
+                                      <p:to>
+                                        <p:strVal val="visible"/>
+                                      </p:to>
+                                    </p:set>
+                                  </p:childTnLst>
+                                </p:cTn>
+                              </p:par>
+                            </p:childTnLst>
+                          </p:cTn>
+                        </p:par>
+                      </p:childTnLst>
+                    </p:cTn>
+                  </p:par>
+                  <p:par>
+                    <p:cTn id="19" fill="hold">
+                      <p:stCondLst>
+                        <p:cond delay="indefinite"/>
+                      </p:stCondLst>
+                      <p:childTnLst>
+                        <p:par>
+                          <p:cTn id="20" fill="hold">
+                            <p:stCondLst>
+                              <p:cond delay="0"/>
+                            </p:stCondLst>
+                            <p:childTnLst>
+                              <p:par>
+                                <p:cTn id="21" presetID="1" presetClass="entr" presetSubtype="0" fill="hold" nodeType="clickEffect">
+                                  <p:stCondLst>
+                                    <p:cond delay="0"/>
+                                  </p:stCondLst>
+                                  <p:childTnLst>
+                                    <p:set>
+                                      <p:cBhvr>
+                                        <p:cTn id="22" dur="1" fill="hold">
+                                          <p:stCondLst>
+                                            <p:cond delay="0"/>
+                                          </p:stCondLst>
+                                        </p:cTn>
+                                        <p:tgtEl>
+                                          <p:spTgt spid="3">
+                                            <p:txEl>
+                                              <p:pRg st="4" end="4"/>
+                                            </p:txEl>
+                                          </p:spTgt>
+                                        </p:tgtEl>
+                                        <p:attrNameLst>
+                                          <p:attrName>style.visibility</p:attrName>
+                                        </p:attrNameLst>
+                                      </p:cBhvr>
+                                      <p:to>
+                                        <p:strVal val="visible"/>
+                                      </p:to>
+                                    </p:set>
+                                  </p:childTnLst>
+                                </p:cTn>
+                              </p:par>
+                            </p:childTnLst>
+                          </p:cTn>
+                        </p:par>
+                      </p:childTnLst>
+                    </p:cTn>
+                  </p:par>
+                </p:childTnLst>
+              </p:cTn>
+              <p:prevCondLst>
+                <p:cond evt="onPrev" delay="0">
+                  <p:tgtEl>
+                    <p:sldTgt/>
+                  </p:tgtEl>
+                </p:cond>
+              </p:prevCondLst>
+              <p:nextCondLst>
+                <p:cond evt="onNext" delay="0">
+                  <p:tgtEl>
+                    <p:sldTgt/>
+                  </p:tgtEl>
+                </p:cond>
+              </p:nextCondLst>
+            </p:seq>
+          </p:childTnLst>
+        </p:cTn>
+      </p:par>
+    </p:tnLst>
+  </p:timing>
 </p:sld>
 </file>
 
@@ -12459,6 +12911,13 @@
   <p:clrMapOvr>
     <a:masterClrMapping/>
   </p:clrMapOvr>
+  <p:timing>
+    <p:tnLst>
+      <p:par>
+        <p:cTn id="1" dur="indefinite" restart="never" nodeType="tmRoot"/>
+      </p:par>
+    </p:tnLst>
+  </p:timing>
 </p:sld>
 </file>
 
@@ -12557,6 +13016,13 @@
   <p:clrMapOvr>
     <a:masterClrMapping/>
   </p:clrMapOvr>
+  <p:timing>
+    <p:tnLst>
+      <p:par>
+        <p:cTn id="1" dur="indefinite" restart="never" nodeType="tmRoot"/>
+      </p:par>
+    </p:tnLst>
+  </p:timing>
 </p:sld>
 </file>
 
@@ -12648,6 +13114,13 @@
   <p:clrMapOvr>
     <a:masterClrMapping/>
   </p:clrMapOvr>
+  <p:timing>
+    <p:tnLst>
+      <p:par>
+        <p:cTn id="1" dur="indefinite" restart="never" nodeType="tmRoot"/>
+      </p:par>
+    </p:tnLst>
+  </p:timing>
 </p:sld>
 </file>
 
@@ -12800,6 +13273,13 @@
   <p:clrMapOvr>
     <a:masterClrMapping/>
   </p:clrMapOvr>
+  <p:timing>
+    <p:tnLst>
+      <p:par>
+        <p:cTn id="1" dur="indefinite" restart="never" nodeType="tmRoot"/>
+      </p:par>
+    </p:tnLst>
+  </p:timing>
 </p:sld>
 </file>
 
@@ -12872,6 +13352,13 @@
   <p:clrMapOvr>
     <a:masterClrMapping/>
   </p:clrMapOvr>
+  <p:timing>
+    <p:tnLst>
+      <p:par>
+        <p:cTn id="1" dur="indefinite" restart="never" nodeType="tmRoot"/>
+      </p:par>
+    </p:tnLst>
+  </p:timing>
 </p:sld>
 </file>
 
